--- a/Система за автоматизирано управление на паркинг.pptx
+++ b/Система за автоматизирано управление на паркинг.pptx
@@ -5,7 +5,7 @@
     <p:sldMasterId id="2147483660" r:id="rId1"/>
   </p:sldMasterIdLst>
   <p:notesMasterIdLst>
-    <p:notesMasterId r:id="rId9"/>
+    <p:notesMasterId r:id="rId10"/>
   </p:notesMasterIdLst>
   <p:sldIdLst>
     <p:sldId id="256" r:id="rId2"/>
@@ -14,7 +14,8 @@
     <p:sldId id="261" r:id="rId5"/>
     <p:sldId id="263" r:id="rId6"/>
     <p:sldId id="264" r:id="rId7"/>
-    <p:sldId id="265" r:id="rId8"/>
+    <p:sldId id="267" r:id="rId8"/>
+    <p:sldId id="265" r:id="rId9"/>
   </p:sldIdLst>
   <p:sldSz cx="12192000" cy="6858000"/>
   <p:notesSz cx="6858000" cy="9144000"/>
@@ -113,7 +114,2567 @@
       </a:defRPr>
     </a:lvl9pPr>
   </p:defaultTextStyle>
+  <p:extLst>
+    <p:ext uri="{EFAFB233-063F-42B5-8137-9DF3F51BA10A}">
+      <p15:sldGuideLst xmlns:p15="http://schemas.microsoft.com/office/powerpoint/2012/main"/>
+    </p:ext>
+  </p:extLst>
 </p:presentation>
+</file>
+
+<file path=ppt/diagrams/colors1.xml><?xml version="1.0" encoding="utf-8"?>
+<dgm:colorsDef xmlns:dgm="http://schemas.openxmlformats.org/drawingml/2006/diagram" xmlns:a="http://schemas.openxmlformats.org/drawingml/2006/main" uniqueId="urn:microsoft.com/office/officeart/2005/8/colors/colorful2">
+  <dgm:title val=""/>
+  <dgm:desc val=""/>
+  <dgm:catLst>
+    <dgm:cat type="colorful" pri="10200"/>
+  </dgm:catLst>
+  <dgm:styleLbl name="node0">
+    <dgm:fillClrLst meth="repeat">
+      <a:schemeClr val="accent1"/>
+    </dgm:fillClrLst>
+    <dgm:linClrLst meth="repeat">
+      <a:schemeClr val="lt1"/>
+    </dgm:linClrLst>
+    <dgm:effectClrLst/>
+    <dgm:txLinClrLst/>
+    <dgm:txFillClrLst/>
+    <dgm:txEffectClrLst/>
+  </dgm:styleLbl>
+  <dgm:styleLbl name="node1">
+    <dgm:fillClrLst>
+      <a:schemeClr val="accent2"/>
+      <a:schemeClr val="accent3"/>
+    </dgm:fillClrLst>
+    <dgm:linClrLst meth="repeat">
+      <a:schemeClr val="lt1"/>
+    </dgm:linClrLst>
+    <dgm:effectClrLst/>
+    <dgm:txLinClrLst/>
+    <dgm:txFillClrLst/>
+    <dgm:txEffectClrLst/>
+  </dgm:styleLbl>
+  <dgm:styleLbl name="alignNode1">
+    <dgm:fillClrLst>
+      <a:schemeClr val="accent2"/>
+      <a:schemeClr val="accent3"/>
+    </dgm:fillClrLst>
+    <dgm:linClrLst>
+      <a:schemeClr val="accent2"/>
+      <a:schemeClr val="accent3"/>
+    </dgm:linClrLst>
+    <dgm:effectClrLst/>
+    <dgm:txLinClrLst/>
+    <dgm:txFillClrLst/>
+    <dgm:txEffectClrLst/>
+  </dgm:styleLbl>
+  <dgm:styleLbl name="lnNode1">
+    <dgm:fillClrLst>
+      <a:schemeClr val="accent2"/>
+      <a:schemeClr val="accent3"/>
+    </dgm:fillClrLst>
+    <dgm:linClrLst meth="repeat">
+      <a:schemeClr val="lt1"/>
+    </dgm:linClrLst>
+    <dgm:effectClrLst/>
+    <dgm:txLinClrLst/>
+    <dgm:txFillClrLst/>
+    <dgm:txEffectClrLst/>
+  </dgm:styleLbl>
+  <dgm:styleLbl name="vennNode1">
+    <dgm:fillClrLst>
+      <a:schemeClr val="accent2">
+        <a:alpha val="50000"/>
+      </a:schemeClr>
+      <a:schemeClr val="accent3">
+        <a:alpha val="50000"/>
+      </a:schemeClr>
+    </dgm:fillClrLst>
+    <dgm:linClrLst meth="repeat">
+      <a:schemeClr val="lt1"/>
+    </dgm:linClrLst>
+    <dgm:effectClrLst/>
+    <dgm:txLinClrLst/>
+    <dgm:txFillClrLst/>
+    <dgm:txEffectClrLst/>
+  </dgm:styleLbl>
+  <dgm:styleLbl name="node2">
+    <dgm:fillClrLst>
+      <a:schemeClr val="accent3"/>
+    </dgm:fillClrLst>
+    <dgm:linClrLst meth="repeat">
+      <a:schemeClr val="lt1"/>
+    </dgm:linClrLst>
+    <dgm:effectClrLst/>
+    <dgm:txLinClrLst/>
+    <dgm:txFillClrLst/>
+    <dgm:txEffectClrLst/>
+  </dgm:styleLbl>
+  <dgm:styleLbl name="node3">
+    <dgm:fillClrLst>
+      <a:schemeClr val="accent4"/>
+    </dgm:fillClrLst>
+    <dgm:linClrLst meth="repeat">
+      <a:schemeClr val="lt1"/>
+    </dgm:linClrLst>
+    <dgm:effectClrLst/>
+    <dgm:txLinClrLst/>
+    <dgm:txFillClrLst/>
+    <dgm:txEffectClrLst/>
+  </dgm:styleLbl>
+  <dgm:styleLbl name="node4">
+    <dgm:fillClrLst>
+      <a:schemeClr val="accent5"/>
+    </dgm:fillClrLst>
+    <dgm:linClrLst meth="repeat">
+      <a:schemeClr val="lt1"/>
+    </dgm:linClrLst>
+    <dgm:effectClrLst/>
+    <dgm:txLinClrLst/>
+    <dgm:txFillClrLst/>
+    <dgm:txEffectClrLst/>
+  </dgm:styleLbl>
+  <dgm:styleLbl name="fgImgPlace1">
+    <dgm:fillClrLst>
+      <a:schemeClr val="accent2">
+        <a:tint val="50000"/>
+      </a:schemeClr>
+      <a:schemeClr val="accent3">
+        <a:tint val="50000"/>
+      </a:schemeClr>
+    </dgm:fillClrLst>
+    <dgm:linClrLst meth="repeat">
+      <a:schemeClr val="lt1"/>
+    </dgm:linClrLst>
+    <dgm:effectClrLst/>
+    <dgm:txLinClrLst/>
+    <dgm:txFillClrLst meth="repeat">
+      <a:schemeClr val="lt1"/>
+    </dgm:txFillClrLst>
+    <dgm:txEffectClrLst/>
+  </dgm:styleLbl>
+  <dgm:styleLbl name="alignImgPlace1">
+    <dgm:fillClrLst>
+      <a:schemeClr val="accent2">
+        <a:tint val="50000"/>
+      </a:schemeClr>
+      <a:schemeClr val="accent3">
+        <a:tint val="20000"/>
+      </a:schemeClr>
+    </dgm:fillClrLst>
+    <dgm:linClrLst meth="repeat">
+      <a:schemeClr val="lt1"/>
+    </dgm:linClrLst>
+    <dgm:effectClrLst/>
+    <dgm:txLinClrLst/>
+    <dgm:txFillClrLst meth="repeat">
+      <a:schemeClr val="lt1"/>
+    </dgm:txFillClrLst>
+    <dgm:txEffectClrLst/>
+  </dgm:styleLbl>
+  <dgm:styleLbl name="bgImgPlace1">
+    <dgm:fillClrLst>
+      <a:schemeClr val="accent2">
+        <a:tint val="50000"/>
+      </a:schemeClr>
+      <a:schemeClr val="accent3">
+        <a:tint val="20000"/>
+      </a:schemeClr>
+    </dgm:fillClrLst>
+    <dgm:linClrLst meth="repeat">
+      <a:schemeClr val="lt1"/>
+    </dgm:linClrLst>
+    <dgm:effectClrLst/>
+    <dgm:txLinClrLst/>
+    <dgm:txFillClrLst meth="repeat">
+      <a:schemeClr val="lt1"/>
+    </dgm:txFillClrLst>
+    <dgm:txEffectClrLst/>
+  </dgm:styleLbl>
+  <dgm:styleLbl name="sibTrans2D1">
+    <dgm:fillClrLst>
+      <a:schemeClr val="accent2"/>
+      <a:schemeClr val="accent3"/>
+    </dgm:fillClrLst>
+    <dgm:linClrLst meth="repeat">
+      <a:schemeClr val="lt1"/>
+    </dgm:linClrLst>
+    <dgm:effectClrLst/>
+    <dgm:txLinClrLst/>
+    <dgm:txFillClrLst/>
+    <dgm:txEffectClrLst/>
+  </dgm:styleLbl>
+  <dgm:styleLbl name="fgSibTrans2D1">
+    <dgm:fillClrLst>
+      <a:schemeClr val="accent2"/>
+      <a:schemeClr val="accent3"/>
+    </dgm:fillClrLst>
+    <dgm:linClrLst meth="repeat">
+      <a:schemeClr val="lt1"/>
+    </dgm:linClrLst>
+    <dgm:effectClrLst/>
+    <dgm:txLinClrLst/>
+    <dgm:txFillClrLst meth="repeat">
+      <a:schemeClr val="lt1"/>
+    </dgm:txFillClrLst>
+    <dgm:txEffectClrLst/>
+  </dgm:styleLbl>
+  <dgm:styleLbl name="bgSibTrans2D1">
+    <dgm:fillClrLst>
+      <a:schemeClr val="accent2"/>
+      <a:schemeClr val="accent3"/>
+    </dgm:fillClrLst>
+    <dgm:linClrLst meth="repeat">
+      <a:schemeClr val="lt1"/>
+    </dgm:linClrLst>
+    <dgm:effectClrLst/>
+    <dgm:txLinClrLst/>
+    <dgm:txFillClrLst meth="repeat">
+      <a:schemeClr val="lt1"/>
+    </dgm:txFillClrLst>
+    <dgm:txEffectClrLst/>
+  </dgm:styleLbl>
+  <dgm:styleLbl name="sibTrans1D1">
+    <dgm:fillClrLst/>
+    <dgm:linClrLst>
+      <a:schemeClr val="accent2"/>
+      <a:schemeClr val="accent3"/>
+    </dgm:linClrLst>
+    <dgm:effectClrLst/>
+    <dgm:txLinClrLst/>
+    <dgm:txFillClrLst meth="repeat">
+      <a:schemeClr val="tx1"/>
+    </dgm:txFillClrLst>
+    <dgm:txEffectClrLst/>
+  </dgm:styleLbl>
+  <dgm:styleLbl name="callout">
+    <dgm:fillClrLst meth="repeat">
+      <a:schemeClr val="accent2"/>
+    </dgm:fillClrLst>
+    <dgm:linClrLst meth="repeat">
+      <a:schemeClr val="accent2">
+        <a:tint val="50000"/>
+      </a:schemeClr>
+    </dgm:linClrLst>
+    <dgm:effectClrLst/>
+    <dgm:txLinClrLst/>
+    <dgm:txFillClrLst meth="repeat">
+      <a:schemeClr val="tx1"/>
+    </dgm:txFillClrLst>
+    <dgm:txEffectClrLst/>
+  </dgm:styleLbl>
+  <dgm:styleLbl name="asst0">
+    <dgm:fillClrLst meth="repeat">
+      <a:schemeClr val="accent2"/>
+    </dgm:fillClrLst>
+    <dgm:linClrLst meth="repeat">
+      <a:schemeClr val="lt1">
+        <a:shade val="80000"/>
+      </a:schemeClr>
+    </dgm:linClrLst>
+    <dgm:effectClrLst/>
+    <dgm:txLinClrLst/>
+    <dgm:txFillClrLst/>
+    <dgm:txEffectClrLst/>
+  </dgm:styleLbl>
+  <dgm:styleLbl name="asst1">
+    <dgm:fillClrLst meth="repeat">
+      <a:schemeClr val="accent3"/>
+    </dgm:fillClrLst>
+    <dgm:linClrLst meth="repeat">
+      <a:schemeClr val="lt1">
+        <a:shade val="80000"/>
+      </a:schemeClr>
+    </dgm:linClrLst>
+    <dgm:effectClrLst/>
+    <dgm:txLinClrLst/>
+    <dgm:txFillClrLst/>
+    <dgm:txEffectClrLst/>
+  </dgm:styleLbl>
+  <dgm:styleLbl name="asst2">
+    <dgm:fillClrLst>
+      <a:schemeClr val="accent4"/>
+    </dgm:fillClrLst>
+    <dgm:linClrLst meth="repeat">
+      <a:schemeClr val="lt1"/>
+    </dgm:linClrLst>
+    <dgm:effectClrLst/>
+    <dgm:txLinClrLst/>
+    <dgm:txFillClrLst/>
+    <dgm:txEffectClrLst/>
+  </dgm:styleLbl>
+  <dgm:styleLbl name="asst3">
+    <dgm:fillClrLst>
+      <a:schemeClr val="accent5"/>
+    </dgm:fillClrLst>
+    <dgm:linClrLst meth="repeat">
+      <a:schemeClr val="lt1"/>
+    </dgm:linClrLst>
+    <dgm:effectClrLst/>
+    <dgm:txLinClrLst/>
+    <dgm:txFillClrLst/>
+    <dgm:txEffectClrLst/>
+  </dgm:styleLbl>
+  <dgm:styleLbl name="asst4">
+    <dgm:fillClrLst>
+      <a:schemeClr val="accent6"/>
+    </dgm:fillClrLst>
+    <dgm:linClrLst meth="repeat">
+      <a:schemeClr val="lt1"/>
+    </dgm:linClrLst>
+    <dgm:effectClrLst/>
+    <dgm:txLinClrLst/>
+    <dgm:txFillClrLst/>
+    <dgm:txEffectClrLst/>
+  </dgm:styleLbl>
+  <dgm:styleLbl name="parChTrans2D1">
+    <dgm:fillClrLst meth="repeat">
+      <a:schemeClr val="accent2"/>
+    </dgm:fillClrLst>
+    <dgm:linClrLst meth="repeat">
+      <a:schemeClr val="lt1"/>
+    </dgm:linClrLst>
+    <dgm:effectClrLst/>
+    <dgm:txLinClrLst/>
+    <dgm:txFillClrLst meth="repeat">
+      <a:schemeClr val="lt1"/>
+    </dgm:txFillClrLst>
+    <dgm:txEffectClrLst/>
+  </dgm:styleLbl>
+  <dgm:styleLbl name="parChTrans2D2">
+    <dgm:fillClrLst meth="repeat">
+      <a:schemeClr val="accent3"/>
+    </dgm:fillClrLst>
+    <dgm:linClrLst meth="repeat">
+      <a:schemeClr val="lt1"/>
+    </dgm:linClrLst>
+    <dgm:effectClrLst/>
+    <dgm:txLinClrLst/>
+    <dgm:txFillClrLst/>
+    <dgm:txEffectClrLst/>
+  </dgm:styleLbl>
+  <dgm:styleLbl name="parChTrans2D3">
+    <dgm:fillClrLst meth="repeat">
+      <a:schemeClr val="accent4"/>
+    </dgm:fillClrLst>
+    <dgm:linClrLst meth="repeat">
+      <a:schemeClr val="lt1"/>
+    </dgm:linClrLst>
+    <dgm:effectClrLst/>
+    <dgm:txLinClrLst/>
+    <dgm:txFillClrLst/>
+    <dgm:txEffectClrLst/>
+  </dgm:styleLbl>
+  <dgm:styleLbl name="parChTrans2D4">
+    <dgm:fillClrLst meth="repeat">
+      <a:schemeClr val="accent5"/>
+    </dgm:fillClrLst>
+    <dgm:linClrLst meth="repeat">
+      <a:schemeClr val="lt1"/>
+    </dgm:linClrLst>
+    <dgm:effectClrLst/>
+    <dgm:txLinClrLst/>
+    <dgm:txFillClrLst meth="repeat">
+      <a:schemeClr val="lt1"/>
+    </dgm:txFillClrLst>
+    <dgm:txEffectClrLst/>
+  </dgm:styleLbl>
+  <dgm:styleLbl name="parChTrans1D1">
+    <dgm:fillClrLst meth="repeat">
+      <a:schemeClr val="accent2"/>
+    </dgm:fillClrLst>
+    <dgm:linClrLst meth="repeat">
+      <a:schemeClr val="accent2"/>
+    </dgm:linClrLst>
+    <dgm:effectClrLst/>
+    <dgm:txLinClrLst/>
+    <dgm:txFillClrLst meth="repeat">
+      <a:schemeClr val="tx1"/>
+    </dgm:txFillClrLst>
+    <dgm:txEffectClrLst/>
+  </dgm:styleLbl>
+  <dgm:styleLbl name="parChTrans1D2">
+    <dgm:fillClrLst meth="repeat">
+      <a:schemeClr val="accent2">
+        <a:tint val="90000"/>
+      </a:schemeClr>
+    </dgm:fillClrLst>
+    <dgm:linClrLst meth="repeat">
+      <a:schemeClr val="accent3"/>
+    </dgm:linClrLst>
+    <dgm:effectClrLst/>
+    <dgm:txLinClrLst/>
+    <dgm:txFillClrLst meth="repeat">
+      <a:schemeClr val="tx1"/>
+    </dgm:txFillClrLst>
+    <dgm:txEffectClrLst/>
+  </dgm:styleLbl>
+  <dgm:styleLbl name="parChTrans1D3">
+    <dgm:fillClrLst meth="repeat">
+      <a:schemeClr val="accent2">
+        <a:tint val="70000"/>
+      </a:schemeClr>
+    </dgm:fillClrLst>
+    <dgm:linClrLst meth="repeat">
+      <a:schemeClr val="accent4"/>
+    </dgm:linClrLst>
+    <dgm:effectClrLst/>
+    <dgm:txLinClrLst/>
+    <dgm:txFillClrLst meth="repeat">
+      <a:schemeClr val="tx1"/>
+    </dgm:txFillClrLst>
+    <dgm:txEffectClrLst/>
+  </dgm:styleLbl>
+  <dgm:styleLbl name="parChTrans1D4">
+    <dgm:fillClrLst meth="repeat">
+      <a:schemeClr val="accent2">
+        <a:tint val="50000"/>
+      </a:schemeClr>
+    </dgm:fillClrLst>
+    <dgm:linClrLst meth="repeat">
+      <a:schemeClr val="accent5"/>
+    </dgm:linClrLst>
+    <dgm:effectClrLst/>
+    <dgm:txLinClrLst/>
+    <dgm:txFillClrLst meth="repeat">
+      <a:schemeClr val="tx1"/>
+    </dgm:txFillClrLst>
+    <dgm:txEffectClrLst/>
+  </dgm:styleLbl>
+  <dgm:styleLbl name="fgAcc1">
+    <dgm:fillClrLst meth="repeat">
+      <a:schemeClr val="lt1">
+        <a:alpha val="90000"/>
+      </a:schemeClr>
+    </dgm:fillClrLst>
+    <dgm:linClrLst>
+      <a:schemeClr val="accent2"/>
+      <a:schemeClr val="accent3"/>
+    </dgm:linClrLst>
+    <dgm:effectClrLst/>
+    <dgm:txLinClrLst/>
+    <dgm:txFillClrLst meth="repeat">
+      <a:schemeClr val="dk1"/>
+    </dgm:txFillClrLst>
+    <dgm:txEffectClrLst/>
+  </dgm:styleLbl>
+  <dgm:styleLbl name="conFgAcc1">
+    <dgm:fillClrLst meth="repeat">
+      <a:schemeClr val="lt1">
+        <a:alpha val="90000"/>
+      </a:schemeClr>
+    </dgm:fillClrLst>
+    <dgm:linClrLst>
+      <a:schemeClr val="accent2"/>
+      <a:schemeClr val="accent3"/>
+    </dgm:linClrLst>
+    <dgm:effectClrLst/>
+    <dgm:txLinClrLst/>
+    <dgm:txFillClrLst meth="repeat">
+      <a:schemeClr val="dk1"/>
+    </dgm:txFillClrLst>
+    <dgm:txEffectClrLst/>
+  </dgm:styleLbl>
+  <dgm:styleLbl name="alignAcc1">
+    <dgm:fillClrLst meth="repeat">
+      <a:schemeClr val="lt1">
+        <a:alpha val="90000"/>
+      </a:schemeClr>
+    </dgm:fillClrLst>
+    <dgm:linClrLst>
+      <a:schemeClr val="accent2"/>
+      <a:schemeClr val="accent3"/>
+    </dgm:linClrLst>
+    <dgm:effectClrLst/>
+    <dgm:txLinClrLst/>
+    <dgm:txFillClrLst meth="repeat">
+      <a:schemeClr val="dk1"/>
+    </dgm:txFillClrLst>
+    <dgm:txEffectClrLst/>
+  </dgm:styleLbl>
+  <dgm:styleLbl name="trAlignAcc1">
+    <dgm:fillClrLst meth="repeat">
+      <a:schemeClr val="lt1">
+        <a:alpha val="40000"/>
+      </a:schemeClr>
+    </dgm:fillClrLst>
+    <dgm:linClrLst meth="repeat">
+      <a:schemeClr val="accent2"/>
+    </dgm:linClrLst>
+    <dgm:effectClrLst/>
+    <dgm:txLinClrLst/>
+    <dgm:txFillClrLst meth="repeat">
+      <a:schemeClr val="dk1"/>
+    </dgm:txFillClrLst>
+    <dgm:txEffectClrLst/>
+  </dgm:styleLbl>
+  <dgm:styleLbl name="bgAcc1">
+    <dgm:fillClrLst meth="repeat">
+      <a:schemeClr val="lt1">
+        <a:alpha val="90000"/>
+      </a:schemeClr>
+    </dgm:fillClrLst>
+    <dgm:linClrLst>
+      <a:schemeClr val="accent2"/>
+      <a:schemeClr val="accent3"/>
+    </dgm:linClrLst>
+    <dgm:effectClrLst/>
+    <dgm:txLinClrLst/>
+    <dgm:txFillClrLst meth="repeat">
+      <a:schemeClr val="dk1"/>
+    </dgm:txFillClrLst>
+    <dgm:txEffectClrLst/>
+  </dgm:styleLbl>
+  <dgm:styleLbl name="solidFgAcc1">
+    <dgm:fillClrLst meth="repeat">
+      <a:schemeClr val="lt1"/>
+    </dgm:fillClrLst>
+    <dgm:linClrLst>
+      <a:schemeClr val="accent2"/>
+      <a:schemeClr val="accent3"/>
+    </dgm:linClrLst>
+    <dgm:effectClrLst/>
+    <dgm:txLinClrLst/>
+    <dgm:txFillClrLst meth="repeat">
+      <a:schemeClr val="dk1"/>
+    </dgm:txFillClrLst>
+    <dgm:txEffectClrLst/>
+  </dgm:styleLbl>
+  <dgm:styleLbl name="solidAlignAcc1">
+    <dgm:fillClrLst meth="repeat">
+      <a:schemeClr val="lt1"/>
+    </dgm:fillClrLst>
+    <dgm:linClrLst>
+      <a:schemeClr val="accent2"/>
+      <a:schemeClr val="accent3"/>
+    </dgm:linClrLst>
+    <dgm:effectClrLst/>
+    <dgm:txLinClrLst/>
+    <dgm:txFillClrLst meth="repeat">
+      <a:schemeClr val="dk1"/>
+    </dgm:txFillClrLst>
+    <dgm:txEffectClrLst/>
+  </dgm:styleLbl>
+  <dgm:styleLbl name="solidBgAcc1">
+    <dgm:fillClrLst meth="repeat">
+      <a:schemeClr val="lt1"/>
+    </dgm:fillClrLst>
+    <dgm:linClrLst>
+      <a:schemeClr val="accent2"/>
+      <a:schemeClr val="accent3"/>
+    </dgm:linClrLst>
+    <dgm:effectClrLst/>
+    <dgm:txLinClrLst/>
+    <dgm:txFillClrLst meth="repeat">
+      <a:schemeClr val="dk1"/>
+    </dgm:txFillClrLst>
+    <dgm:txEffectClrLst/>
+  </dgm:styleLbl>
+  <dgm:styleLbl name="fgAccFollowNode1">
+    <dgm:fillClrLst>
+      <a:schemeClr val="accent2">
+        <a:tint val="40000"/>
+        <a:alpha val="90000"/>
+      </a:schemeClr>
+      <a:schemeClr val="accent3">
+        <a:tint val="40000"/>
+        <a:alpha val="90000"/>
+      </a:schemeClr>
+    </dgm:fillClrLst>
+    <dgm:linClrLst>
+      <a:schemeClr val="accent2">
+        <a:tint val="40000"/>
+        <a:alpha val="90000"/>
+      </a:schemeClr>
+      <a:schemeClr val="accent3">
+        <a:tint val="40000"/>
+        <a:alpha val="90000"/>
+      </a:schemeClr>
+    </dgm:linClrLst>
+    <dgm:effectClrLst/>
+    <dgm:txLinClrLst/>
+    <dgm:txFillClrLst meth="repeat">
+      <a:schemeClr val="dk1"/>
+    </dgm:txFillClrLst>
+    <dgm:txEffectClrLst/>
+  </dgm:styleLbl>
+  <dgm:styleLbl name="alignAccFollowNode1">
+    <dgm:fillClrLst>
+      <a:schemeClr val="accent2">
+        <a:tint val="40000"/>
+        <a:alpha val="90000"/>
+      </a:schemeClr>
+      <a:schemeClr val="accent3">
+        <a:tint val="40000"/>
+        <a:alpha val="90000"/>
+      </a:schemeClr>
+    </dgm:fillClrLst>
+    <dgm:linClrLst>
+      <a:schemeClr val="accent2">
+        <a:tint val="40000"/>
+        <a:alpha val="90000"/>
+      </a:schemeClr>
+      <a:schemeClr val="accent3">
+        <a:tint val="40000"/>
+        <a:alpha val="90000"/>
+      </a:schemeClr>
+    </dgm:linClrLst>
+    <dgm:effectClrLst/>
+    <dgm:txLinClrLst/>
+    <dgm:txFillClrLst meth="repeat">
+      <a:schemeClr val="dk1"/>
+    </dgm:txFillClrLst>
+    <dgm:txEffectClrLst/>
+  </dgm:styleLbl>
+  <dgm:styleLbl name="bgAccFollowNode1">
+    <dgm:fillClrLst>
+      <a:schemeClr val="accent2">
+        <a:tint val="40000"/>
+        <a:alpha val="90000"/>
+      </a:schemeClr>
+      <a:schemeClr val="accent3">
+        <a:tint val="40000"/>
+        <a:alpha val="90000"/>
+      </a:schemeClr>
+    </dgm:fillClrLst>
+    <dgm:linClrLst>
+      <a:schemeClr val="accent2">
+        <a:tint val="40000"/>
+        <a:alpha val="90000"/>
+      </a:schemeClr>
+      <a:schemeClr val="accent3">
+        <a:tint val="40000"/>
+        <a:alpha val="90000"/>
+      </a:schemeClr>
+    </dgm:linClrLst>
+    <dgm:effectClrLst/>
+    <dgm:txLinClrLst/>
+    <dgm:txFillClrLst meth="repeat">
+      <a:schemeClr val="dk1"/>
+    </dgm:txFillClrLst>
+    <dgm:txEffectClrLst/>
+  </dgm:styleLbl>
+  <dgm:styleLbl name="fgAcc0">
+    <dgm:fillClrLst meth="repeat">
+      <a:schemeClr val="lt1">
+        <a:alpha val="90000"/>
+      </a:schemeClr>
+    </dgm:fillClrLst>
+    <dgm:linClrLst>
+      <a:schemeClr val="accent1"/>
+    </dgm:linClrLst>
+    <dgm:effectClrLst/>
+    <dgm:txLinClrLst/>
+    <dgm:txFillClrLst meth="repeat">
+      <a:schemeClr val="dk1"/>
+    </dgm:txFillClrLst>
+    <dgm:txEffectClrLst/>
+  </dgm:styleLbl>
+  <dgm:styleLbl name="fgAcc2">
+    <dgm:fillClrLst meth="repeat">
+      <a:schemeClr val="lt1">
+        <a:alpha val="90000"/>
+      </a:schemeClr>
+    </dgm:fillClrLst>
+    <dgm:linClrLst>
+      <a:schemeClr val="accent3"/>
+    </dgm:linClrLst>
+    <dgm:effectClrLst/>
+    <dgm:txLinClrLst/>
+    <dgm:txFillClrLst meth="repeat">
+      <a:schemeClr val="dk1"/>
+    </dgm:txFillClrLst>
+    <dgm:txEffectClrLst/>
+  </dgm:styleLbl>
+  <dgm:styleLbl name="fgAcc3">
+    <dgm:fillClrLst meth="repeat">
+      <a:schemeClr val="lt1">
+        <a:alpha val="90000"/>
+      </a:schemeClr>
+    </dgm:fillClrLst>
+    <dgm:linClrLst>
+      <a:schemeClr val="accent4"/>
+    </dgm:linClrLst>
+    <dgm:effectClrLst/>
+    <dgm:txLinClrLst/>
+    <dgm:txFillClrLst meth="repeat">
+      <a:schemeClr val="dk1"/>
+    </dgm:txFillClrLst>
+    <dgm:txEffectClrLst/>
+  </dgm:styleLbl>
+  <dgm:styleLbl name="fgAcc4">
+    <dgm:fillClrLst meth="repeat">
+      <a:schemeClr val="lt1">
+        <a:alpha val="90000"/>
+      </a:schemeClr>
+    </dgm:fillClrLst>
+    <dgm:linClrLst>
+      <a:schemeClr val="accent5"/>
+    </dgm:linClrLst>
+    <dgm:effectClrLst/>
+    <dgm:txLinClrLst/>
+    <dgm:txFillClrLst meth="repeat">
+      <a:schemeClr val="dk1"/>
+    </dgm:txFillClrLst>
+    <dgm:txEffectClrLst/>
+  </dgm:styleLbl>
+  <dgm:styleLbl name="bgShp">
+    <dgm:fillClrLst meth="repeat">
+      <a:schemeClr val="accent2">
+        <a:tint val="40000"/>
+      </a:schemeClr>
+    </dgm:fillClrLst>
+    <dgm:linClrLst meth="repeat">
+      <a:schemeClr val="dk1"/>
+    </dgm:linClrLst>
+    <dgm:effectClrLst/>
+    <dgm:txLinClrLst/>
+    <dgm:txFillClrLst meth="repeat">
+      <a:schemeClr val="dk1"/>
+    </dgm:txFillClrLst>
+    <dgm:txEffectClrLst/>
+  </dgm:styleLbl>
+  <dgm:styleLbl name="dkBgShp">
+    <dgm:fillClrLst meth="repeat">
+      <a:schemeClr val="accent2">
+        <a:shade val="90000"/>
+      </a:schemeClr>
+    </dgm:fillClrLst>
+    <dgm:linClrLst meth="repeat">
+      <a:schemeClr val="dk1"/>
+    </dgm:linClrLst>
+    <dgm:effectClrLst/>
+    <dgm:txLinClrLst/>
+    <dgm:txFillClrLst meth="repeat">
+      <a:schemeClr val="lt1"/>
+    </dgm:txFillClrLst>
+    <dgm:txEffectClrLst/>
+  </dgm:styleLbl>
+  <dgm:styleLbl name="trBgShp">
+    <dgm:fillClrLst meth="repeat">
+      <a:schemeClr val="accent2">
+        <a:tint val="50000"/>
+        <a:alpha val="40000"/>
+      </a:schemeClr>
+    </dgm:fillClrLst>
+    <dgm:linClrLst meth="repeat">
+      <a:schemeClr val="accent2"/>
+    </dgm:linClrLst>
+    <dgm:effectClrLst/>
+    <dgm:txLinClrLst/>
+    <dgm:txFillClrLst meth="repeat">
+      <a:schemeClr val="lt1"/>
+    </dgm:txFillClrLst>
+    <dgm:txEffectClrLst/>
+  </dgm:styleLbl>
+  <dgm:styleLbl name="fgShp">
+    <dgm:fillClrLst meth="repeat">
+      <a:schemeClr val="accent2">
+        <a:tint val="40000"/>
+      </a:schemeClr>
+    </dgm:fillClrLst>
+    <dgm:linClrLst meth="repeat">
+      <a:schemeClr val="lt1"/>
+    </dgm:linClrLst>
+    <dgm:effectClrLst/>
+    <dgm:txLinClrLst/>
+    <dgm:txFillClrLst meth="repeat">
+      <a:schemeClr val="dk1"/>
+    </dgm:txFillClrLst>
+    <dgm:txEffectClrLst/>
+  </dgm:styleLbl>
+  <dgm:styleLbl name="revTx">
+    <dgm:fillClrLst meth="repeat">
+      <a:schemeClr val="lt1">
+        <a:alpha val="0"/>
+      </a:schemeClr>
+    </dgm:fillClrLst>
+    <dgm:linClrLst meth="repeat">
+      <a:schemeClr val="dk1">
+        <a:alpha val="0"/>
+      </a:schemeClr>
+    </dgm:linClrLst>
+    <dgm:effectClrLst/>
+    <dgm:txLinClrLst/>
+    <dgm:txFillClrLst meth="repeat">
+      <a:schemeClr val="tx1"/>
+    </dgm:txFillClrLst>
+    <dgm:txEffectClrLst/>
+  </dgm:styleLbl>
+</dgm:colorsDef>
+</file>
+
+<file path=ppt/diagrams/data1.xml><?xml version="1.0" encoding="utf-8"?>
+<dgm:dataModel xmlns:dgm="http://schemas.openxmlformats.org/drawingml/2006/diagram" xmlns:a="http://schemas.openxmlformats.org/drawingml/2006/main">
+  <dgm:ptLst>
+    <dgm:pt modelId="{73D95134-425C-4D2C-8550-559C9666BF11}" type="doc">
+      <dgm:prSet loTypeId="urn:microsoft.com/office/officeart/2005/8/layout/vList2" loCatId="list" qsTypeId="urn:microsoft.com/office/officeart/2005/8/quickstyle/simple1" qsCatId="simple" csTypeId="urn:microsoft.com/office/officeart/2005/8/colors/colorful2" csCatId="colorful" phldr="1"/>
+      <dgm:spPr/>
+      <dgm:t>
+        <a:bodyPr/>
+        <a:lstStyle/>
+        <a:p>
+          <a:endParaRPr lang="en-US"/>
+        </a:p>
+      </dgm:t>
+    </dgm:pt>
+    <dgm:pt modelId="{702E83B3-3260-4BAD-B916-64F4BD36DA3C}">
+      <dgm:prSet/>
+      <dgm:spPr/>
+      <dgm:t>
+        <a:bodyPr/>
+        <a:lstStyle/>
+        <a:p>
+          <a:r>
+            <a:rPr lang="bg-BG"/>
+            <a:t>Бавно влизане/излизане</a:t>
+          </a:r>
+          <a:endParaRPr lang="en-US"/>
+        </a:p>
+      </dgm:t>
+    </dgm:pt>
+    <dgm:pt modelId="{96747B33-AA04-4241-8AA2-6597F85BA260}" type="parTrans" cxnId="{2025CB02-298D-4F94-B111-04B0445AC620}">
+      <dgm:prSet/>
+      <dgm:spPr/>
+      <dgm:t>
+        <a:bodyPr/>
+        <a:lstStyle/>
+        <a:p>
+          <a:endParaRPr lang="en-US"/>
+        </a:p>
+      </dgm:t>
+    </dgm:pt>
+    <dgm:pt modelId="{07A2313E-9549-4D5A-ABD5-7E694652F4F7}" type="sibTrans" cxnId="{2025CB02-298D-4F94-B111-04B0445AC620}">
+      <dgm:prSet/>
+      <dgm:spPr/>
+      <dgm:t>
+        <a:bodyPr/>
+        <a:lstStyle/>
+        <a:p>
+          <a:endParaRPr lang="en-US"/>
+        </a:p>
+      </dgm:t>
+    </dgm:pt>
+    <dgm:pt modelId="{9EB08000-AD23-423A-B419-64725AD5DDFE}">
+      <dgm:prSet/>
+      <dgm:spPr/>
+      <dgm:t>
+        <a:bodyPr/>
+        <a:lstStyle/>
+        <a:p>
+          <a:r>
+            <a:rPr lang="bg-BG"/>
+            <a:t>Забавияния при плащане</a:t>
+          </a:r>
+          <a:endParaRPr lang="en-US"/>
+        </a:p>
+      </dgm:t>
+    </dgm:pt>
+    <dgm:pt modelId="{995ADB24-C277-442A-B066-4C39D2208230}" type="parTrans" cxnId="{FF3390A1-C128-4A18-9E8D-6C18781F3067}">
+      <dgm:prSet/>
+      <dgm:spPr/>
+      <dgm:t>
+        <a:bodyPr/>
+        <a:lstStyle/>
+        <a:p>
+          <a:endParaRPr lang="en-US"/>
+        </a:p>
+      </dgm:t>
+    </dgm:pt>
+    <dgm:pt modelId="{9AF7A4F2-137B-4BDA-A31C-819BBC26B7E1}" type="sibTrans" cxnId="{FF3390A1-C128-4A18-9E8D-6C18781F3067}">
+      <dgm:prSet/>
+      <dgm:spPr/>
+      <dgm:t>
+        <a:bodyPr/>
+        <a:lstStyle/>
+        <a:p>
+          <a:endParaRPr lang="en-US"/>
+        </a:p>
+      </dgm:t>
+    </dgm:pt>
+    <dgm:pt modelId="{C2128E06-42F0-4201-A194-4E623D51AFC2}">
+      <dgm:prSet/>
+      <dgm:spPr/>
+      <dgm:t>
+        <a:bodyPr/>
+        <a:lstStyle/>
+        <a:p>
+          <a:r>
+            <a:rPr lang="bg-BG"/>
+            <a:t>Необходимост от носене на монети</a:t>
+          </a:r>
+          <a:endParaRPr lang="en-US"/>
+        </a:p>
+      </dgm:t>
+    </dgm:pt>
+    <dgm:pt modelId="{0502B7FF-2414-4B3F-82C5-088EACD535D4}" type="parTrans" cxnId="{C85F9ED2-7079-45A7-A9AC-7F39E12CB88E}">
+      <dgm:prSet/>
+      <dgm:spPr/>
+      <dgm:t>
+        <a:bodyPr/>
+        <a:lstStyle/>
+        <a:p>
+          <a:endParaRPr lang="en-US"/>
+        </a:p>
+      </dgm:t>
+    </dgm:pt>
+    <dgm:pt modelId="{96435F49-380D-4072-85C2-EC621DB745B3}" type="sibTrans" cxnId="{C85F9ED2-7079-45A7-A9AC-7F39E12CB88E}">
+      <dgm:prSet/>
+      <dgm:spPr/>
+      <dgm:t>
+        <a:bodyPr/>
+        <a:lstStyle/>
+        <a:p>
+          <a:endParaRPr lang="en-US"/>
+        </a:p>
+      </dgm:t>
+    </dgm:pt>
+    <dgm:pt modelId="{D26237A8-6F4C-481D-9009-41083A909008}">
+      <dgm:prSet/>
+      <dgm:spPr/>
+      <dgm:t>
+        <a:bodyPr/>
+        <a:lstStyle/>
+        <a:p>
+          <a:r>
+            <a:rPr lang="bg-BG" dirty="0"/>
+            <a:t>Липса на лесен начин на следене на посещения</a:t>
+          </a:r>
+          <a:endParaRPr lang="en-US" dirty="0"/>
+        </a:p>
+      </dgm:t>
+    </dgm:pt>
+    <dgm:pt modelId="{F354FE54-FABE-4CF7-A829-F3BBF0391475}" type="parTrans" cxnId="{A56688F2-2DD6-42E0-B9C7-67129ACD1076}">
+      <dgm:prSet/>
+      <dgm:spPr/>
+      <dgm:t>
+        <a:bodyPr/>
+        <a:lstStyle/>
+        <a:p>
+          <a:endParaRPr lang="en-US"/>
+        </a:p>
+      </dgm:t>
+    </dgm:pt>
+    <dgm:pt modelId="{5F07085E-67F5-45AD-A8C7-480A9C155FFD}" type="sibTrans" cxnId="{A56688F2-2DD6-42E0-B9C7-67129ACD1076}">
+      <dgm:prSet/>
+      <dgm:spPr/>
+      <dgm:t>
+        <a:bodyPr/>
+        <a:lstStyle/>
+        <a:p>
+          <a:endParaRPr lang="en-US"/>
+        </a:p>
+      </dgm:t>
+    </dgm:pt>
+    <dgm:pt modelId="{AC419BB8-79DB-4A64-945A-6056E0ADFE54}" type="pres">
+      <dgm:prSet presAssocID="{73D95134-425C-4D2C-8550-559C9666BF11}" presName="linear" presStyleCnt="0">
+        <dgm:presLayoutVars>
+          <dgm:animLvl val="lvl"/>
+          <dgm:resizeHandles val="exact"/>
+        </dgm:presLayoutVars>
+      </dgm:prSet>
+      <dgm:spPr/>
+    </dgm:pt>
+    <dgm:pt modelId="{1B92236D-3B73-46C9-A04E-098F3F22901A}" type="pres">
+      <dgm:prSet presAssocID="{702E83B3-3260-4BAD-B916-64F4BD36DA3C}" presName="parentText" presStyleLbl="node1" presStyleIdx="0" presStyleCnt="4">
+        <dgm:presLayoutVars>
+          <dgm:chMax val="0"/>
+          <dgm:bulletEnabled val="1"/>
+        </dgm:presLayoutVars>
+      </dgm:prSet>
+      <dgm:spPr/>
+    </dgm:pt>
+    <dgm:pt modelId="{8E82D355-38E9-4908-8CCF-BABF9413DB05}" type="pres">
+      <dgm:prSet presAssocID="{07A2313E-9549-4D5A-ABD5-7E694652F4F7}" presName="spacer" presStyleCnt="0"/>
+      <dgm:spPr/>
+    </dgm:pt>
+    <dgm:pt modelId="{86EEFBFD-311B-4F1E-B2E7-7AC857A6F318}" type="pres">
+      <dgm:prSet presAssocID="{9EB08000-AD23-423A-B419-64725AD5DDFE}" presName="parentText" presStyleLbl="node1" presStyleIdx="1" presStyleCnt="4">
+        <dgm:presLayoutVars>
+          <dgm:chMax val="0"/>
+          <dgm:bulletEnabled val="1"/>
+        </dgm:presLayoutVars>
+      </dgm:prSet>
+      <dgm:spPr/>
+    </dgm:pt>
+    <dgm:pt modelId="{0E2BC55D-1C60-471D-9F58-EDD16468F055}" type="pres">
+      <dgm:prSet presAssocID="{9AF7A4F2-137B-4BDA-A31C-819BBC26B7E1}" presName="spacer" presStyleCnt="0"/>
+      <dgm:spPr/>
+    </dgm:pt>
+    <dgm:pt modelId="{11D809A1-42EC-4F6B-999A-979C453B1C6A}" type="pres">
+      <dgm:prSet presAssocID="{C2128E06-42F0-4201-A194-4E623D51AFC2}" presName="parentText" presStyleLbl="node1" presStyleIdx="2" presStyleCnt="4">
+        <dgm:presLayoutVars>
+          <dgm:chMax val="0"/>
+          <dgm:bulletEnabled val="1"/>
+        </dgm:presLayoutVars>
+      </dgm:prSet>
+      <dgm:spPr/>
+    </dgm:pt>
+    <dgm:pt modelId="{7C664A6E-F7E0-4E47-B890-A805AD27900C}" type="pres">
+      <dgm:prSet presAssocID="{96435F49-380D-4072-85C2-EC621DB745B3}" presName="spacer" presStyleCnt="0"/>
+      <dgm:spPr/>
+    </dgm:pt>
+    <dgm:pt modelId="{2F1ED210-E2F0-45EF-80F3-647A5659AEA2}" type="pres">
+      <dgm:prSet presAssocID="{D26237A8-6F4C-481D-9009-41083A909008}" presName="parentText" presStyleLbl="node1" presStyleIdx="3" presStyleCnt="4">
+        <dgm:presLayoutVars>
+          <dgm:chMax val="0"/>
+          <dgm:bulletEnabled val="1"/>
+        </dgm:presLayoutVars>
+      </dgm:prSet>
+      <dgm:spPr/>
+    </dgm:pt>
+  </dgm:ptLst>
+  <dgm:cxnLst>
+    <dgm:cxn modelId="{2025CB02-298D-4F94-B111-04B0445AC620}" srcId="{73D95134-425C-4D2C-8550-559C9666BF11}" destId="{702E83B3-3260-4BAD-B916-64F4BD36DA3C}" srcOrd="0" destOrd="0" parTransId="{96747B33-AA04-4241-8AA2-6597F85BA260}" sibTransId="{07A2313E-9549-4D5A-ABD5-7E694652F4F7}"/>
+    <dgm:cxn modelId="{62ACA406-088B-42E9-A746-424FA770E6DF}" type="presOf" srcId="{C2128E06-42F0-4201-A194-4E623D51AFC2}" destId="{11D809A1-42EC-4F6B-999A-979C453B1C6A}" srcOrd="0" destOrd="0" presId="urn:microsoft.com/office/officeart/2005/8/layout/vList2"/>
+    <dgm:cxn modelId="{D6CDE618-D282-4162-925E-2811180EB0A4}" type="presOf" srcId="{9EB08000-AD23-423A-B419-64725AD5DDFE}" destId="{86EEFBFD-311B-4F1E-B2E7-7AC857A6F318}" srcOrd="0" destOrd="0" presId="urn:microsoft.com/office/officeart/2005/8/layout/vList2"/>
+    <dgm:cxn modelId="{CE83DF2F-7F9F-42C8-8FA5-E883B863F7C0}" type="presOf" srcId="{D26237A8-6F4C-481D-9009-41083A909008}" destId="{2F1ED210-E2F0-45EF-80F3-647A5659AEA2}" srcOrd="0" destOrd="0" presId="urn:microsoft.com/office/officeart/2005/8/layout/vList2"/>
+    <dgm:cxn modelId="{8BE5CA5E-CA8D-490E-8642-4E94E8DF7690}" type="presOf" srcId="{702E83B3-3260-4BAD-B916-64F4BD36DA3C}" destId="{1B92236D-3B73-46C9-A04E-098F3F22901A}" srcOrd="0" destOrd="0" presId="urn:microsoft.com/office/officeart/2005/8/layout/vList2"/>
+    <dgm:cxn modelId="{FF3390A1-C128-4A18-9E8D-6C18781F3067}" srcId="{73D95134-425C-4D2C-8550-559C9666BF11}" destId="{9EB08000-AD23-423A-B419-64725AD5DDFE}" srcOrd="1" destOrd="0" parTransId="{995ADB24-C277-442A-B066-4C39D2208230}" sibTransId="{9AF7A4F2-137B-4BDA-A31C-819BBC26B7E1}"/>
+    <dgm:cxn modelId="{70B57EB3-C954-4DA3-AE1B-09E737254396}" type="presOf" srcId="{73D95134-425C-4D2C-8550-559C9666BF11}" destId="{AC419BB8-79DB-4A64-945A-6056E0ADFE54}" srcOrd="0" destOrd="0" presId="urn:microsoft.com/office/officeart/2005/8/layout/vList2"/>
+    <dgm:cxn modelId="{C85F9ED2-7079-45A7-A9AC-7F39E12CB88E}" srcId="{73D95134-425C-4D2C-8550-559C9666BF11}" destId="{C2128E06-42F0-4201-A194-4E623D51AFC2}" srcOrd="2" destOrd="0" parTransId="{0502B7FF-2414-4B3F-82C5-088EACD535D4}" sibTransId="{96435F49-380D-4072-85C2-EC621DB745B3}"/>
+    <dgm:cxn modelId="{A56688F2-2DD6-42E0-B9C7-67129ACD1076}" srcId="{73D95134-425C-4D2C-8550-559C9666BF11}" destId="{D26237A8-6F4C-481D-9009-41083A909008}" srcOrd="3" destOrd="0" parTransId="{F354FE54-FABE-4CF7-A829-F3BBF0391475}" sibTransId="{5F07085E-67F5-45AD-A8C7-480A9C155FFD}"/>
+    <dgm:cxn modelId="{DE1159EB-24A4-4E31-A9DD-66B8D26C71E2}" type="presParOf" srcId="{AC419BB8-79DB-4A64-945A-6056E0ADFE54}" destId="{1B92236D-3B73-46C9-A04E-098F3F22901A}" srcOrd="0" destOrd="0" presId="urn:microsoft.com/office/officeart/2005/8/layout/vList2"/>
+    <dgm:cxn modelId="{E9CD3EB7-41AF-406F-A705-9C0303B32BF3}" type="presParOf" srcId="{AC419BB8-79DB-4A64-945A-6056E0ADFE54}" destId="{8E82D355-38E9-4908-8CCF-BABF9413DB05}" srcOrd="1" destOrd="0" presId="urn:microsoft.com/office/officeart/2005/8/layout/vList2"/>
+    <dgm:cxn modelId="{30274C4D-C92A-448C-9537-2F74AED1A40E}" type="presParOf" srcId="{AC419BB8-79DB-4A64-945A-6056E0ADFE54}" destId="{86EEFBFD-311B-4F1E-B2E7-7AC857A6F318}" srcOrd="2" destOrd="0" presId="urn:microsoft.com/office/officeart/2005/8/layout/vList2"/>
+    <dgm:cxn modelId="{0FBC6E41-A3F7-4A46-90B1-B680BD42669B}" type="presParOf" srcId="{AC419BB8-79DB-4A64-945A-6056E0ADFE54}" destId="{0E2BC55D-1C60-471D-9F58-EDD16468F055}" srcOrd="3" destOrd="0" presId="urn:microsoft.com/office/officeart/2005/8/layout/vList2"/>
+    <dgm:cxn modelId="{669CF944-8ECB-4771-BF4A-7E365A3DDDA9}" type="presParOf" srcId="{AC419BB8-79DB-4A64-945A-6056E0ADFE54}" destId="{11D809A1-42EC-4F6B-999A-979C453B1C6A}" srcOrd="4" destOrd="0" presId="urn:microsoft.com/office/officeart/2005/8/layout/vList2"/>
+    <dgm:cxn modelId="{36A8C59A-8465-45DB-832A-53965B5B50F4}" type="presParOf" srcId="{AC419BB8-79DB-4A64-945A-6056E0ADFE54}" destId="{7C664A6E-F7E0-4E47-B890-A805AD27900C}" srcOrd="5" destOrd="0" presId="urn:microsoft.com/office/officeart/2005/8/layout/vList2"/>
+    <dgm:cxn modelId="{73FE22BC-61B1-4678-99FA-5CE3389ECF02}" type="presParOf" srcId="{AC419BB8-79DB-4A64-945A-6056E0ADFE54}" destId="{2F1ED210-E2F0-45EF-80F3-647A5659AEA2}" srcOrd="6" destOrd="0" presId="urn:microsoft.com/office/officeart/2005/8/layout/vList2"/>
+  </dgm:cxnLst>
+  <dgm:bg/>
+  <dgm:whole/>
+  <dgm:extLst>
+    <a:ext uri="http://schemas.microsoft.com/office/drawing/2008/diagram">
+      <dsp:dataModelExt xmlns:dsp="http://schemas.microsoft.com/office/drawing/2008/diagram" relId="rId6" minVer="http://schemas.openxmlformats.org/drawingml/2006/diagram"/>
+    </a:ext>
+  </dgm:extLst>
+</dgm:dataModel>
+</file>
+
+<file path=ppt/diagrams/drawing1.xml><?xml version="1.0" encoding="utf-8"?>
+<dsp:drawing xmlns:dgm="http://schemas.openxmlformats.org/drawingml/2006/diagram" xmlns:dsp="http://schemas.microsoft.com/office/drawing/2008/diagram" xmlns:a="http://schemas.openxmlformats.org/drawingml/2006/main">
+  <dsp:spTree>
+    <dsp:nvGrpSpPr>
+      <dsp:cNvPr id="0" name=""/>
+      <dsp:cNvGrpSpPr/>
+    </dsp:nvGrpSpPr>
+    <dsp:grpSpPr/>
+    <dsp:sp modelId="{1B92236D-3B73-46C9-A04E-098F3F22901A}">
+      <dsp:nvSpPr>
+        <dsp:cNvPr id="0" name=""/>
+        <dsp:cNvSpPr/>
+      </dsp:nvSpPr>
+      <dsp:spPr>
+        <a:xfrm>
+          <a:off x="0" y="60535"/>
+          <a:ext cx="6797675" cy="1310930"/>
+        </a:xfrm>
+        <a:prstGeom prst="roundRect">
+          <a:avLst/>
+        </a:prstGeom>
+        <a:solidFill>
+          <a:schemeClr val="accent2">
+            <a:hueOff val="0"/>
+            <a:satOff val="0"/>
+            <a:lumOff val="0"/>
+            <a:alphaOff val="0"/>
+          </a:schemeClr>
+        </a:solidFill>
+        <a:ln w="15875" cap="flat" cmpd="sng" algn="ctr">
+          <a:solidFill>
+            <a:schemeClr val="lt1">
+              <a:hueOff val="0"/>
+              <a:satOff val="0"/>
+              <a:lumOff val="0"/>
+              <a:alphaOff val="0"/>
+            </a:schemeClr>
+          </a:solidFill>
+          <a:prstDash val="solid"/>
+        </a:ln>
+        <a:effectLst/>
+      </dsp:spPr>
+      <dsp:style>
+        <a:lnRef idx="2">
+          <a:scrgbClr r="0" g="0" b="0"/>
+        </a:lnRef>
+        <a:fillRef idx="1">
+          <a:scrgbClr r="0" g="0" b="0"/>
+        </a:fillRef>
+        <a:effectRef idx="0">
+          <a:scrgbClr r="0" g="0" b="0"/>
+        </a:effectRef>
+        <a:fontRef idx="minor">
+          <a:schemeClr val="lt1"/>
+        </a:fontRef>
+      </dsp:style>
+      <dsp:txBody>
+        <a:bodyPr spcFirstLastPara="0" vert="horz" wrap="square" lIns="125730" tIns="125730" rIns="125730" bIns="125730" numCol="1" spcCol="1270" anchor="ctr" anchorCtr="0">
+          <a:noAutofit/>
+        </a:bodyPr>
+        <a:lstStyle/>
+        <a:p>
+          <a:pPr marL="0" lvl="0" indent="0" algn="l" defTabSz="1466850">
+            <a:lnSpc>
+              <a:spcPct val="90000"/>
+            </a:lnSpc>
+            <a:spcBef>
+              <a:spcPct val="0"/>
+            </a:spcBef>
+            <a:spcAft>
+              <a:spcPct val="35000"/>
+            </a:spcAft>
+            <a:buNone/>
+          </a:pPr>
+          <a:r>
+            <a:rPr lang="bg-BG" sz="3300" kern="1200"/>
+            <a:t>Бавно влизане/излизане</a:t>
+          </a:r>
+          <a:endParaRPr lang="en-US" sz="3300" kern="1200"/>
+        </a:p>
+      </dsp:txBody>
+      <dsp:txXfrm>
+        <a:off x="63994" y="124529"/>
+        <a:ext cx="6669687" cy="1182942"/>
+      </dsp:txXfrm>
+    </dsp:sp>
+    <dsp:sp modelId="{86EEFBFD-311B-4F1E-B2E7-7AC857A6F318}">
+      <dsp:nvSpPr>
+        <dsp:cNvPr id="0" name=""/>
+        <dsp:cNvSpPr/>
+      </dsp:nvSpPr>
+      <dsp:spPr>
+        <a:xfrm>
+          <a:off x="0" y="1466505"/>
+          <a:ext cx="6797675" cy="1310930"/>
+        </a:xfrm>
+        <a:prstGeom prst="roundRect">
+          <a:avLst/>
+        </a:prstGeom>
+        <a:solidFill>
+          <a:schemeClr val="accent2">
+            <a:hueOff val="13013"/>
+            <a:satOff val="-8959"/>
+            <a:lumOff val="-2288"/>
+            <a:alphaOff val="0"/>
+          </a:schemeClr>
+        </a:solidFill>
+        <a:ln w="15875" cap="flat" cmpd="sng" algn="ctr">
+          <a:solidFill>
+            <a:schemeClr val="lt1">
+              <a:hueOff val="0"/>
+              <a:satOff val="0"/>
+              <a:lumOff val="0"/>
+              <a:alphaOff val="0"/>
+            </a:schemeClr>
+          </a:solidFill>
+          <a:prstDash val="solid"/>
+        </a:ln>
+        <a:effectLst/>
+      </dsp:spPr>
+      <dsp:style>
+        <a:lnRef idx="2">
+          <a:scrgbClr r="0" g="0" b="0"/>
+        </a:lnRef>
+        <a:fillRef idx="1">
+          <a:scrgbClr r="0" g="0" b="0"/>
+        </a:fillRef>
+        <a:effectRef idx="0">
+          <a:scrgbClr r="0" g="0" b="0"/>
+        </a:effectRef>
+        <a:fontRef idx="minor">
+          <a:schemeClr val="lt1"/>
+        </a:fontRef>
+      </dsp:style>
+      <dsp:txBody>
+        <a:bodyPr spcFirstLastPara="0" vert="horz" wrap="square" lIns="125730" tIns="125730" rIns="125730" bIns="125730" numCol="1" spcCol="1270" anchor="ctr" anchorCtr="0">
+          <a:noAutofit/>
+        </a:bodyPr>
+        <a:lstStyle/>
+        <a:p>
+          <a:pPr marL="0" lvl="0" indent="0" algn="l" defTabSz="1466850">
+            <a:lnSpc>
+              <a:spcPct val="90000"/>
+            </a:lnSpc>
+            <a:spcBef>
+              <a:spcPct val="0"/>
+            </a:spcBef>
+            <a:spcAft>
+              <a:spcPct val="35000"/>
+            </a:spcAft>
+            <a:buNone/>
+          </a:pPr>
+          <a:r>
+            <a:rPr lang="bg-BG" sz="3300" kern="1200"/>
+            <a:t>Забавияния при плащане</a:t>
+          </a:r>
+          <a:endParaRPr lang="en-US" sz="3300" kern="1200"/>
+        </a:p>
+      </dsp:txBody>
+      <dsp:txXfrm>
+        <a:off x="63994" y="1530499"/>
+        <a:ext cx="6669687" cy="1182942"/>
+      </dsp:txXfrm>
+    </dsp:sp>
+    <dsp:sp modelId="{11D809A1-42EC-4F6B-999A-979C453B1C6A}">
+      <dsp:nvSpPr>
+        <dsp:cNvPr id="0" name=""/>
+        <dsp:cNvSpPr/>
+      </dsp:nvSpPr>
+      <dsp:spPr>
+        <a:xfrm>
+          <a:off x="0" y="2872476"/>
+          <a:ext cx="6797675" cy="1310930"/>
+        </a:xfrm>
+        <a:prstGeom prst="roundRect">
+          <a:avLst/>
+        </a:prstGeom>
+        <a:solidFill>
+          <a:schemeClr val="accent2">
+            <a:hueOff val="26025"/>
+            <a:satOff val="-17917"/>
+            <a:lumOff val="-4575"/>
+            <a:alphaOff val="0"/>
+          </a:schemeClr>
+        </a:solidFill>
+        <a:ln w="15875" cap="flat" cmpd="sng" algn="ctr">
+          <a:solidFill>
+            <a:schemeClr val="lt1">
+              <a:hueOff val="0"/>
+              <a:satOff val="0"/>
+              <a:lumOff val="0"/>
+              <a:alphaOff val="0"/>
+            </a:schemeClr>
+          </a:solidFill>
+          <a:prstDash val="solid"/>
+        </a:ln>
+        <a:effectLst/>
+      </dsp:spPr>
+      <dsp:style>
+        <a:lnRef idx="2">
+          <a:scrgbClr r="0" g="0" b="0"/>
+        </a:lnRef>
+        <a:fillRef idx="1">
+          <a:scrgbClr r="0" g="0" b="0"/>
+        </a:fillRef>
+        <a:effectRef idx="0">
+          <a:scrgbClr r="0" g="0" b="0"/>
+        </a:effectRef>
+        <a:fontRef idx="minor">
+          <a:schemeClr val="lt1"/>
+        </a:fontRef>
+      </dsp:style>
+      <dsp:txBody>
+        <a:bodyPr spcFirstLastPara="0" vert="horz" wrap="square" lIns="125730" tIns="125730" rIns="125730" bIns="125730" numCol="1" spcCol="1270" anchor="ctr" anchorCtr="0">
+          <a:noAutofit/>
+        </a:bodyPr>
+        <a:lstStyle/>
+        <a:p>
+          <a:pPr marL="0" lvl="0" indent="0" algn="l" defTabSz="1466850">
+            <a:lnSpc>
+              <a:spcPct val="90000"/>
+            </a:lnSpc>
+            <a:spcBef>
+              <a:spcPct val="0"/>
+            </a:spcBef>
+            <a:spcAft>
+              <a:spcPct val="35000"/>
+            </a:spcAft>
+            <a:buNone/>
+          </a:pPr>
+          <a:r>
+            <a:rPr lang="bg-BG" sz="3300" kern="1200"/>
+            <a:t>Необходимост от носене на монети</a:t>
+          </a:r>
+          <a:endParaRPr lang="en-US" sz="3300" kern="1200"/>
+        </a:p>
+      </dsp:txBody>
+      <dsp:txXfrm>
+        <a:off x="63994" y="2936470"/>
+        <a:ext cx="6669687" cy="1182942"/>
+      </dsp:txXfrm>
+    </dsp:sp>
+    <dsp:sp modelId="{2F1ED210-E2F0-45EF-80F3-647A5659AEA2}">
+      <dsp:nvSpPr>
+        <dsp:cNvPr id="0" name=""/>
+        <dsp:cNvSpPr/>
+      </dsp:nvSpPr>
+      <dsp:spPr>
+        <a:xfrm>
+          <a:off x="0" y="4278446"/>
+          <a:ext cx="6797675" cy="1310930"/>
+        </a:xfrm>
+        <a:prstGeom prst="roundRect">
+          <a:avLst/>
+        </a:prstGeom>
+        <a:solidFill>
+          <a:schemeClr val="accent2">
+            <a:hueOff val="39038"/>
+            <a:satOff val="-26876"/>
+            <a:lumOff val="-6863"/>
+            <a:alphaOff val="0"/>
+          </a:schemeClr>
+        </a:solidFill>
+        <a:ln w="15875" cap="flat" cmpd="sng" algn="ctr">
+          <a:solidFill>
+            <a:schemeClr val="lt1">
+              <a:hueOff val="0"/>
+              <a:satOff val="0"/>
+              <a:lumOff val="0"/>
+              <a:alphaOff val="0"/>
+            </a:schemeClr>
+          </a:solidFill>
+          <a:prstDash val="solid"/>
+        </a:ln>
+        <a:effectLst/>
+      </dsp:spPr>
+      <dsp:style>
+        <a:lnRef idx="2">
+          <a:scrgbClr r="0" g="0" b="0"/>
+        </a:lnRef>
+        <a:fillRef idx="1">
+          <a:scrgbClr r="0" g="0" b="0"/>
+        </a:fillRef>
+        <a:effectRef idx="0">
+          <a:scrgbClr r="0" g="0" b="0"/>
+        </a:effectRef>
+        <a:fontRef idx="minor">
+          <a:schemeClr val="lt1"/>
+        </a:fontRef>
+      </dsp:style>
+      <dsp:txBody>
+        <a:bodyPr spcFirstLastPara="0" vert="horz" wrap="square" lIns="125730" tIns="125730" rIns="125730" bIns="125730" numCol="1" spcCol="1270" anchor="ctr" anchorCtr="0">
+          <a:noAutofit/>
+        </a:bodyPr>
+        <a:lstStyle/>
+        <a:p>
+          <a:pPr marL="0" lvl="0" indent="0" algn="l" defTabSz="1466850">
+            <a:lnSpc>
+              <a:spcPct val="90000"/>
+            </a:lnSpc>
+            <a:spcBef>
+              <a:spcPct val="0"/>
+            </a:spcBef>
+            <a:spcAft>
+              <a:spcPct val="35000"/>
+            </a:spcAft>
+            <a:buNone/>
+          </a:pPr>
+          <a:r>
+            <a:rPr lang="bg-BG" sz="3300" kern="1200" dirty="0"/>
+            <a:t>Липса на лесен начин на следене на посещения</a:t>
+          </a:r>
+          <a:endParaRPr lang="en-US" sz="3300" kern="1200" dirty="0"/>
+        </a:p>
+      </dsp:txBody>
+      <dsp:txXfrm>
+        <a:off x="63994" y="4342440"/>
+        <a:ext cx="6669687" cy="1182942"/>
+      </dsp:txXfrm>
+    </dsp:sp>
+  </dsp:spTree>
+</dsp:drawing>
+</file>
+
+<file path=ppt/diagrams/layout1.xml><?xml version="1.0" encoding="utf-8"?>
+<dgm:layoutDef xmlns:dgm="http://schemas.openxmlformats.org/drawingml/2006/diagram" xmlns:a="http://schemas.openxmlformats.org/drawingml/2006/main" uniqueId="urn:microsoft.com/office/officeart/2005/8/layout/vList2">
+  <dgm:title val=""/>
+  <dgm:desc val=""/>
+  <dgm:catLst>
+    <dgm:cat type="list" pri="3000"/>
+    <dgm:cat type="convert" pri="1000"/>
+  </dgm:catLst>
+  <dgm:sampData>
+    <dgm:dataModel>
+      <dgm:ptLst>
+        <dgm:pt modelId="0" type="doc"/>
+        <dgm:pt modelId="1">
+          <dgm:prSet phldr="1"/>
+        </dgm:pt>
+        <dgm:pt modelId="11">
+          <dgm:prSet phldr="1"/>
+        </dgm:pt>
+        <dgm:pt modelId="2">
+          <dgm:prSet phldr="1"/>
+        </dgm:pt>
+        <dgm:pt modelId="21">
+          <dgm:prSet phldr="1"/>
+        </dgm:pt>
+      </dgm:ptLst>
+      <dgm:cxnLst>
+        <dgm:cxn modelId="4" srcId="0" destId="1" srcOrd="0" destOrd="0"/>
+        <dgm:cxn modelId="5" srcId="0" destId="2" srcOrd="1" destOrd="0"/>
+        <dgm:cxn modelId="12" srcId="1" destId="11" srcOrd="0" destOrd="0"/>
+        <dgm:cxn modelId="23" srcId="2" destId="21" srcOrd="0" destOrd="0"/>
+      </dgm:cxnLst>
+      <dgm:bg/>
+      <dgm:whole/>
+    </dgm:dataModel>
+  </dgm:sampData>
+  <dgm:styleData>
+    <dgm:dataModel>
+      <dgm:ptLst>
+        <dgm:pt modelId="0" type="doc"/>
+        <dgm:pt modelId="1"/>
+        <dgm:pt modelId="2"/>
+      </dgm:ptLst>
+      <dgm:cxnLst>
+        <dgm:cxn modelId="3" srcId="0" destId="1" srcOrd="0" destOrd="0"/>
+        <dgm:cxn modelId="4" srcId="0" destId="2" srcOrd="1" destOrd="0"/>
+      </dgm:cxnLst>
+      <dgm:bg/>
+      <dgm:whole/>
+    </dgm:dataModel>
+  </dgm:styleData>
+  <dgm:clrData>
+    <dgm:dataModel>
+      <dgm:ptLst>
+        <dgm:pt modelId="0" type="doc"/>
+        <dgm:pt modelId="1"/>
+        <dgm:pt modelId="2"/>
+        <dgm:pt modelId="3"/>
+        <dgm:pt modelId="4"/>
+      </dgm:ptLst>
+      <dgm:cxnLst>
+        <dgm:cxn modelId="5" srcId="0" destId="1" srcOrd="0" destOrd="0"/>
+        <dgm:cxn modelId="6" srcId="0" destId="2" srcOrd="1" destOrd="0"/>
+        <dgm:cxn modelId="7" srcId="0" destId="3" srcOrd="2" destOrd="0"/>
+        <dgm:cxn modelId="8" srcId="0" destId="4" srcOrd="3" destOrd="0"/>
+      </dgm:cxnLst>
+      <dgm:bg/>
+      <dgm:whole/>
+    </dgm:dataModel>
+  </dgm:clrData>
+  <dgm:layoutNode name="linear">
+    <dgm:varLst>
+      <dgm:animLvl val="lvl"/>
+      <dgm:resizeHandles val="exact"/>
+    </dgm:varLst>
+    <dgm:alg type="lin">
+      <dgm:param type="linDir" val="fromT"/>
+      <dgm:param type="vertAlign" val="mid"/>
+    </dgm:alg>
+    <dgm:shape xmlns:r="http://schemas.openxmlformats.org/officeDocument/2006/relationships" r:blip="">
+      <dgm:adjLst/>
+    </dgm:shape>
+    <dgm:presOf/>
+    <dgm:constrLst>
+      <dgm:constr type="w" for="ch" forName="parentText" refType="w"/>
+      <dgm:constr type="h" for="ch" forName="parentText" refType="primFontSz" refFor="ch" refForName="parentText" fact="0.52"/>
+      <dgm:constr type="w" for="ch" forName="childText" refType="w"/>
+      <dgm:constr type="h" for="ch" forName="childText" refType="primFontSz" refFor="ch" refForName="parentText" fact="0.46"/>
+      <dgm:constr type="h" for="ch" forName="parentText" op="equ"/>
+      <dgm:constr type="primFontSz" for="ch" forName="parentText" op="equ" val="65"/>
+      <dgm:constr type="primFontSz" for="ch" forName="childText" refType="primFontSz" refFor="ch" refForName="parentText" op="equ"/>
+      <dgm:constr type="h" for="ch" forName="spacer" refType="primFontSz" refFor="ch" refForName="parentText" fact="0.08"/>
+    </dgm:constrLst>
+    <dgm:ruleLst>
+      <dgm:rule type="primFontSz" for="ch" forName="parentText" val="5" fact="NaN" max="NaN"/>
+    </dgm:ruleLst>
+    <dgm:forEach name="Name0" axis="ch" ptType="node">
+      <dgm:layoutNode name="parentText" styleLbl="node1">
+        <dgm:varLst>
+          <dgm:chMax val="0"/>
+          <dgm:bulletEnabled val="1"/>
+        </dgm:varLst>
+        <dgm:alg type="tx">
+          <dgm:param type="parTxLTRAlign" val="l"/>
+          <dgm:param type="parTxRTLAlign" val="r"/>
+        </dgm:alg>
+        <dgm:shape xmlns:r="http://schemas.openxmlformats.org/officeDocument/2006/relationships" type="roundRect" r:blip="">
+          <dgm:adjLst/>
+        </dgm:shape>
+        <dgm:presOf axis="self"/>
+        <dgm:constrLst>
+          <dgm:constr type="tMarg" refType="primFontSz" fact="0.3"/>
+          <dgm:constr type="bMarg" refType="primFontSz" fact="0.3"/>
+          <dgm:constr type="lMarg" refType="primFontSz" fact="0.3"/>
+          <dgm:constr type="rMarg" refType="primFontSz" fact="0.3"/>
+        </dgm:constrLst>
+        <dgm:ruleLst>
+          <dgm:rule type="h" val="INF" fact="NaN" max="NaN"/>
+        </dgm:ruleLst>
+      </dgm:layoutNode>
+      <dgm:choose name="Name1">
+        <dgm:if name="Name2" axis="ch" ptType="node" func="cnt" op="gte" val="1">
+          <dgm:layoutNode name="childText" styleLbl="revTx">
+            <dgm:varLst>
+              <dgm:bulletEnabled val="1"/>
+            </dgm:varLst>
+            <dgm:alg type="tx">
+              <dgm:param type="stBulletLvl" val="1"/>
+              <dgm:param type="lnSpAfChP" val="20"/>
+            </dgm:alg>
+            <dgm:shape xmlns:r="http://schemas.openxmlformats.org/officeDocument/2006/relationships" type="rect" r:blip="">
+              <dgm:adjLst/>
+            </dgm:shape>
+            <dgm:presOf axis="des" ptType="node"/>
+            <dgm:constrLst>
+              <dgm:constr type="tMarg" refType="primFontSz" fact="0.1"/>
+              <dgm:constr type="bMarg" refType="primFontSz" fact="0.1"/>
+              <dgm:constr type="lMarg" refType="w" fact="0.09"/>
+            </dgm:constrLst>
+            <dgm:ruleLst>
+              <dgm:rule type="h" val="INF" fact="NaN" max="NaN"/>
+            </dgm:ruleLst>
+          </dgm:layoutNode>
+        </dgm:if>
+        <dgm:else name="Name3">
+          <dgm:choose name="Name4">
+            <dgm:if name="Name5" axis="par ch" ptType="doc node" func="cnt" op="gte" val="2">
+              <dgm:forEach name="Name6" axis="followSib" ptType="sibTrans" cnt="1">
+                <dgm:layoutNode name="spacer">
+                  <dgm:alg type="sp"/>
+                  <dgm:shape xmlns:r="http://schemas.openxmlformats.org/officeDocument/2006/relationships" r:blip="">
+                    <dgm:adjLst/>
+                  </dgm:shape>
+                  <dgm:presOf/>
+                  <dgm:constrLst/>
+                  <dgm:ruleLst/>
+                </dgm:layoutNode>
+              </dgm:forEach>
+            </dgm:if>
+            <dgm:else name="Name7"/>
+          </dgm:choose>
+        </dgm:else>
+      </dgm:choose>
+    </dgm:forEach>
+  </dgm:layoutNode>
+</dgm:layoutDef>
+</file>
+
+<file path=ppt/diagrams/quickStyle1.xml><?xml version="1.0" encoding="utf-8"?>
+<dgm:styleDef xmlns:dgm="http://schemas.openxmlformats.org/drawingml/2006/diagram" xmlns:a="http://schemas.openxmlformats.org/drawingml/2006/main" uniqueId="urn:microsoft.com/office/officeart/2005/8/quickstyle/simple1">
+  <dgm:title val=""/>
+  <dgm:desc val=""/>
+  <dgm:catLst>
+    <dgm:cat type="simple" pri="10100"/>
+  </dgm:catLst>
+  <dgm:scene3d>
+    <a:camera prst="orthographicFront"/>
+    <a:lightRig rig="threePt" dir="t"/>
+  </dgm:scene3d>
+  <dgm:styleLbl name="node0">
+    <dgm:scene3d>
+      <a:camera prst="orthographicFront"/>
+      <a:lightRig rig="threePt" dir="t"/>
+    </dgm:scene3d>
+    <dgm:sp3d/>
+    <dgm:txPr/>
+    <dgm:style>
+      <a:lnRef idx="2">
+        <a:scrgbClr r="0" g="0" b="0"/>
+      </a:lnRef>
+      <a:fillRef idx="1">
+        <a:scrgbClr r="0" g="0" b="0"/>
+      </a:fillRef>
+      <a:effectRef idx="0">
+        <a:scrgbClr r="0" g="0" b="0"/>
+      </a:effectRef>
+      <a:fontRef idx="minor">
+        <a:schemeClr val="lt1"/>
+      </a:fontRef>
+    </dgm:style>
+  </dgm:styleLbl>
+  <dgm:styleLbl name="lnNode1">
+    <dgm:scene3d>
+      <a:camera prst="orthographicFront"/>
+      <a:lightRig rig="threePt" dir="t"/>
+    </dgm:scene3d>
+    <dgm:sp3d/>
+    <dgm:txPr/>
+    <dgm:style>
+      <a:lnRef idx="2">
+        <a:scrgbClr r="0" g="0" b="0"/>
+      </a:lnRef>
+      <a:fillRef idx="1">
+        <a:scrgbClr r="0" g="0" b="0"/>
+      </a:fillRef>
+      <a:effectRef idx="0">
+        <a:scrgbClr r="0" g="0" b="0"/>
+      </a:effectRef>
+      <a:fontRef idx="minor">
+        <a:schemeClr val="lt1"/>
+      </a:fontRef>
+    </dgm:style>
+  </dgm:styleLbl>
+  <dgm:styleLbl name="vennNode1">
+    <dgm:scene3d>
+      <a:camera prst="orthographicFront"/>
+      <a:lightRig rig="threePt" dir="t"/>
+    </dgm:scene3d>
+    <dgm:sp3d/>
+    <dgm:txPr/>
+    <dgm:style>
+      <a:lnRef idx="2">
+        <a:scrgbClr r="0" g="0" b="0"/>
+      </a:lnRef>
+      <a:fillRef idx="1">
+        <a:scrgbClr r="0" g="0" b="0"/>
+      </a:fillRef>
+      <a:effectRef idx="0">
+        <a:scrgbClr r="0" g="0" b="0"/>
+      </a:effectRef>
+      <a:fontRef idx="minor">
+        <a:schemeClr val="tx1"/>
+      </a:fontRef>
+    </dgm:style>
+  </dgm:styleLbl>
+  <dgm:styleLbl name="alignNode1">
+    <dgm:scene3d>
+      <a:camera prst="orthographicFront"/>
+      <a:lightRig rig="threePt" dir="t"/>
+    </dgm:scene3d>
+    <dgm:sp3d/>
+    <dgm:txPr/>
+    <dgm:style>
+      <a:lnRef idx="2">
+        <a:scrgbClr r="0" g="0" b="0"/>
+      </a:lnRef>
+      <a:fillRef idx="1">
+        <a:scrgbClr r="0" g="0" b="0"/>
+      </a:fillRef>
+      <a:effectRef idx="0">
+        <a:scrgbClr r="0" g="0" b="0"/>
+      </a:effectRef>
+      <a:fontRef idx="minor">
+        <a:schemeClr val="lt1"/>
+      </a:fontRef>
+    </dgm:style>
+  </dgm:styleLbl>
+  <dgm:styleLbl name="node1">
+    <dgm:scene3d>
+      <a:camera prst="orthographicFront"/>
+      <a:lightRig rig="threePt" dir="t"/>
+    </dgm:scene3d>
+    <dgm:sp3d/>
+    <dgm:txPr/>
+    <dgm:style>
+      <a:lnRef idx="2">
+        <a:scrgbClr r="0" g="0" b="0"/>
+      </a:lnRef>
+      <a:fillRef idx="1">
+        <a:scrgbClr r="0" g="0" b="0"/>
+      </a:fillRef>
+      <a:effectRef idx="0">
+        <a:scrgbClr r="0" g="0" b="0"/>
+      </a:effectRef>
+      <a:fontRef idx="minor">
+        <a:schemeClr val="lt1"/>
+      </a:fontRef>
+    </dgm:style>
+  </dgm:styleLbl>
+  <dgm:styleLbl name="node2">
+    <dgm:scene3d>
+      <a:camera prst="orthographicFront"/>
+      <a:lightRig rig="threePt" dir="t"/>
+    </dgm:scene3d>
+    <dgm:sp3d/>
+    <dgm:txPr/>
+    <dgm:style>
+      <a:lnRef idx="2">
+        <a:scrgbClr r="0" g="0" b="0"/>
+      </a:lnRef>
+      <a:fillRef idx="1">
+        <a:scrgbClr r="0" g="0" b="0"/>
+      </a:fillRef>
+      <a:effectRef idx="0">
+        <a:scrgbClr r="0" g="0" b="0"/>
+      </a:effectRef>
+      <a:fontRef idx="minor">
+        <a:schemeClr val="lt1"/>
+      </a:fontRef>
+    </dgm:style>
+  </dgm:styleLbl>
+  <dgm:styleLbl name="node3">
+    <dgm:scene3d>
+      <a:camera prst="orthographicFront"/>
+      <a:lightRig rig="threePt" dir="t"/>
+    </dgm:scene3d>
+    <dgm:sp3d/>
+    <dgm:txPr/>
+    <dgm:style>
+      <a:lnRef idx="2">
+        <a:scrgbClr r="0" g="0" b="0"/>
+      </a:lnRef>
+      <a:fillRef idx="1">
+        <a:scrgbClr r="0" g="0" b="0"/>
+      </a:fillRef>
+      <a:effectRef idx="0">
+        <a:scrgbClr r="0" g="0" b="0"/>
+      </a:effectRef>
+      <a:fontRef idx="minor">
+        <a:schemeClr val="lt1"/>
+      </a:fontRef>
+    </dgm:style>
+  </dgm:styleLbl>
+  <dgm:styleLbl name="node4">
+    <dgm:scene3d>
+      <a:camera prst="orthographicFront"/>
+      <a:lightRig rig="threePt" dir="t"/>
+    </dgm:scene3d>
+    <dgm:sp3d/>
+    <dgm:txPr/>
+    <dgm:style>
+      <a:lnRef idx="2">
+        <a:scrgbClr r="0" g="0" b="0"/>
+      </a:lnRef>
+      <a:fillRef idx="1">
+        <a:scrgbClr r="0" g="0" b="0"/>
+      </a:fillRef>
+      <a:effectRef idx="0">
+        <a:scrgbClr r="0" g="0" b="0"/>
+      </a:effectRef>
+      <a:fontRef idx="minor">
+        <a:schemeClr val="lt1"/>
+      </a:fontRef>
+    </dgm:style>
+  </dgm:styleLbl>
+  <dgm:styleLbl name="fgImgPlace1">
+    <dgm:scene3d>
+      <a:camera prst="orthographicFront"/>
+      <a:lightRig rig="threePt" dir="t"/>
+    </dgm:scene3d>
+    <dgm:sp3d/>
+    <dgm:txPr/>
+    <dgm:style>
+      <a:lnRef idx="2">
+        <a:scrgbClr r="0" g="0" b="0"/>
+      </a:lnRef>
+      <a:fillRef idx="1">
+        <a:scrgbClr r="0" g="0" b="0"/>
+      </a:fillRef>
+      <a:effectRef idx="0">
+        <a:scrgbClr r="0" g="0" b="0"/>
+      </a:effectRef>
+      <a:fontRef idx="minor"/>
+    </dgm:style>
+  </dgm:styleLbl>
+  <dgm:styleLbl name="alignImgPlace1">
+    <dgm:scene3d>
+      <a:camera prst="orthographicFront"/>
+      <a:lightRig rig="threePt" dir="t"/>
+    </dgm:scene3d>
+    <dgm:sp3d/>
+    <dgm:txPr/>
+    <dgm:style>
+      <a:lnRef idx="2">
+        <a:scrgbClr r="0" g="0" b="0"/>
+      </a:lnRef>
+      <a:fillRef idx="1">
+        <a:scrgbClr r="0" g="0" b="0"/>
+      </a:fillRef>
+      <a:effectRef idx="0">
+        <a:scrgbClr r="0" g="0" b="0"/>
+      </a:effectRef>
+      <a:fontRef idx="minor"/>
+    </dgm:style>
+  </dgm:styleLbl>
+  <dgm:styleLbl name="bgImgPlace1">
+    <dgm:scene3d>
+      <a:camera prst="orthographicFront"/>
+      <a:lightRig rig="threePt" dir="t"/>
+    </dgm:scene3d>
+    <dgm:sp3d/>
+    <dgm:txPr/>
+    <dgm:style>
+      <a:lnRef idx="2">
+        <a:scrgbClr r="0" g="0" b="0"/>
+      </a:lnRef>
+      <a:fillRef idx="1">
+        <a:scrgbClr r="0" g="0" b="0"/>
+      </a:fillRef>
+      <a:effectRef idx="0">
+        <a:scrgbClr r="0" g="0" b="0"/>
+      </a:effectRef>
+      <a:fontRef idx="minor"/>
+    </dgm:style>
+  </dgm:styleLbl>
+  <dgm:styleLbl name="sibTrans2D1">
+    <dgm:scene3d>
+      <a:camera prst="orthographicFront"/>
+      <a:lightRig rig="threePt" dir="t"/>
+    </dgm:scene3d>
+    <dgm:sp3d/>
+    <dgm:txPr/>
+    <dgm:style>
+      <a:lnRef idx="0">
+        <a:scrgbClr r="0" g="0" b="0"/>
+      </a:lnRef>
+      <a:fillRef idx="1">
+        <a:scrgbClr r="0" g="0" b="0"/>
+      </a:fillRef>
+      <a:effectRef idx="0">
+        <a:scrgbClr r="0" g="0" b="0"/>
+      </a:effectRef>
+      <a:fontRef idx="minor">
+        <a:schemeClr val="lt1"/>
+      </a:fontRef>
+    </dgm:style>
+  </dgm:styleLbl>
+  <dgm:styleLbl name="fgSibTrans2D1">
+    <dgm:scene3d>
+      <a:camera prst="orthographicFront"/>
+      <a:lightRig rig="threePt" dir="t"/>
+    </dgm:scene3d>
+    <dgm:sp3d/>
+    <dgm:txPr/>
+    <dgm:style>
+      <a:lnRef idx="0">
+        <a:scrgbClr r="0" g="0" b="0"/>
+      </a:lnRef>
+      <a:fillRef idx="1">
+        <a:scrgbClr r="0" g="0" b="0"/>
+      </a:fillRef>
+      <a:effectRef idx="0">
+        <a:scrgbClr r="0" g="0" b="0"/>
+      </a:effectRef>
+      <a:fontRef idx="minor">
+        <a:schemeClr val="lt1"/>
+      </a:fontRef>
+    </dgm:style>
+  </dgm:styleLbl>
+  <dgm:styleLbl name="bgSibTrans2D1">
+    <dgm:scene3d>
+      <a:camera prst="orthographicFront"/>
+      <a:lightRig rig="threePt" dir="t"/>
+    </dgm:scene3d>
+    <dgm:sp3d/>
+    <dgm:txPr/>
+    <dgm:style>
+      <a:lnRef idx="0">
+        <a:scrgbClr r="0" g="0" b="0"/>
+      </a:lnRef>
+      <a:fillRef idx="1">
+        <a:scrgbClr r="0" g="0" b="0"/>
+      </a:fillRef>
+      <a:effectRef idx="0">
+        <a:scrgbClr r="0" g="0" b="0"/>
+      </a:effectRef>
+      <a:fontRef idx="minor">
+        <a:schemeClr val="lt1"/>
+      </a:fontRef>
+    </dgm:style>
+  </dgm:styleLbl>
+  <dgm:styleLbl name="sibTrans1D1">
+    <dgm:scene3d>
+      <a:camera prst="orthographicFront"/>
+      <a:lightRig rig="threePt" dir="t"/>
+    </dgm:scene3d>
+    <dgm:sp3d/>
+    <dgm:txPr/>
+    <dgm:style>
+      <a:lnRef idx="1">
+        <a:scrgbClr r="0" g="0" b="0"/>
+      </a:lnRef>
+      <a:fillRef idx="0">
+        <a:scrgbClr r="0" g="0" b="0"/>
+      </a:fillRef>
+      <a:effectRef idx="0">
+        <a:scrgbClr r="0" g="0" b="0"/>
+      </a:effectRef>
+      <a:fontRef idx="minor"/>
+    </dgm:style>
+  </dgm:styleLbl>
+  <dgm:styleLbl name="callout">
+    <dgm:scene3d>
+      <a:camera prst="orthographicFront"/>
+      <a:lightRig rig="threePt" dir="t"/>
+    </dgm:scene3d>
+    <dgm:sp3d/>
+    <dgm:txPr/>
+    <dgm:style>
+      <a:lnRef idx="2">
+        <a:scrgbClr r="0" g="0" b="0"/>
+      </a:lnRef>
+      <a:fillRef idx="1">
+        <a:scrgbClr r="0" g="0" b="0"/>
+      </a:fillRef>
+      <a:effectRef idx="0">
+        <a:scrgbClr r="0" g="0" b="0"/>
+      </a:effectRef>
+      <a:fontRef idx="minor"/>
+    </dgm:style>
+  </dgm:styleLbl>
+  <dgm:styleLbl name="asst0">
+    <dgm:scene3d>
+      <a:camera prst="orthographicFront"/>
+      <a:lightRig rig="threePt" dir="t"/>
+    </dgm:scene3d>
+    <dgm:sp3d/>
+    <dgm:txPr/>
+    <dgm:style>
+      <a:lnRef idx="2">
+        <a:scrgbClr r="0" g="0" b="0"/>
+      </a:lnRef>
+      <a:fillRef idx="1">
+        <a:scrgbClr r="0" g="0" b="0"/>
+      </a:fillRef>
+      <a:effectRef idx="0">
+        <a:scrgbClr r="0" g="0" b="0"/>
+      </a:effectRef>
+      <a:fontRef idx="minor">
+        <a:schemeClr val="lt1"/>
+      </a:fontRef>
+    </dgm:style>
+  </dgm:styleLbl>
+  <dgm:styleLbl name="asst1">
+    <dgm:scene3d>
+      <a:camera prst="orthographicFront"/>
+      <a:lightRig rig="threePt" dir="t"/>
+    </dgm:scene3d>
+    <dgm:sp3d/>
+    <dgm:txPr/>
+    <dgm:style>
+      <a:lnRef idx="2">
+        <a:scrgbClr r="0" g="0" b="0"/>
+      </a:lnRef>
+      <a:fillRef idx="1">
+        <a:scrgbClr r="0" g="0" b="0"/>
+      </a:fillRef>
+      <a:effectRef idx="0">
+        <a:scrgbClr r="0" g="0" b="0"/>
+      </a:effectRef>
+      <a:fontRef idx="minor">
+        <a:schemeClr val="lt1"/>
+      </a:fontRef>
+    </dgm:style>
+  </dgm:styleLbl>
+  <dgm:styleLbl name="asst2">
+    <dgm:scene3d>
+      <a:camera prst="orthographicFront"/>
+      <a:lightRig rig="threePt" dir="t"/>
+    </dgm:scene3d>
+    <dgm:sp3d/>
+    <dgm:txPr/>
+    <dgm:style>
+      <a:lnRef idx="2">
+        <a:scrgbClr r="0" g="0" b="0"/>
+      </a:lnRef>
+      <a:fillRef idx="1">
+        <a:scrgbClr r="0" g="0" b="0"/>
+      </a:fillRef>
+      <a:effectRef idx="0">
+        <a:scrgbClr r="0" g="0" b="0"/>
+      </a:effectRef>
+      <a:fontRef idx="minor">
+        <a:schemeClr val="lt1"/>
+      </a:fontRef>
+    </dgm:style>
+  </dgm:styleLbl>
+  <dgm:styleLbl name="asst3">
+    <dgm:scene3d>
+      <a:camera prst="orthographicFront"/>
+      <a:lightRig rig="threePt" dir="t"/>
+    </dgm:scene3d>
+    <dgm:sp3d/>
+    <dgm:txPr/>
+    <dgm:style>
+      <a:lnRef idx="2">
+        <a:scrgbClr r="0" g="0" b="0"/>
+      </a:lnRef>
+      <a:fillRef idx="1">
+        <a:scrgbClr r="0" g="0" b="0"/>
+      </a:fillRef>
+      <a:effectRef idx="0">
+        <a:scrgbClr r="0" g="0" b="0"/>
+      </a:effectRef>
+      <a:fontRef idx="minor">
+        <a:schemeClr val="lt1"/>
+      </a:fontRef>
+    </dgm:style>
+  </dgm:styleLbl>
+  <dgm:styleLbl name="asst4">
+    <dgm:scene3d>
+      <a:camera prst="orthographicFront"/>
+      <a:lightRig rig="threePt" dir="t"/>
+    </dgm:scene3d>
+    <dgm:sp3d/>
+    <dgm:txPr/>
+    <dgm:style>
+      <a:lnRef idx="2">
+        <a:scrgbClr r="0" g="0" b="0"/>
+      </a:lnRef>
+      <a:fillRef idx="1">
+        <a:scrgbClr r="0" g="0" b="0"/>
+      </a:fillRef>
+      <a:effectRef idx="0">
+        <a:scrgbClr r="0" g="0" b="0"/>
+      </a:effectRef>
+      <a:fontRef idx="minor">
+        <a:schemeClr val="lt1"/>
+      </a:fontRef>
+    </dgm:style>
+  </dgm:styleLbl>
+  <dgm:styleLbl name="parChTrans2D1">
+    <dgm:scene3d>
+      <a:camera prst="orthographicFront"/>
+      <a:lightRig rig="threePt" dir="t"/>
+    </dgm:scene3d>
+    <dgm:sp3d/>
+    <dgm:txPr/>
+    <dgm:style>
+      <a:lnRef idx="2">
+        <a:scrgbClr r="0" g="0" b="0"/>
+      </a:lnRef>
+      <a:fillRef idx="1">
+        <a:scrgbClr r="0" g="0" b="0"/>
+      </a:fillRef>
+      <a:effectRef idx="0">
+        <a:scrgbClr r="0" g="0" b="0"/>
+      </a:effectRef>
+      <a:fontRef idx="minor">
+        <a:schemeClr val="lt1"/>
+      </a:fontRef>
+    </dgm:style>
+  </dgm:styleLbl>
+  <dgm:styleLbl name="parChTrans2D2">
+    <dgm:scene3d>
+      <a:camera prst="orthographicFront"/>
+      <a:lightRig rig="threePt" dir="t"/>
+    </dgm:scene3d>
+    <dgm:sp3d/>
+    <dgm:txPr/>
+    <dgm:style>
+      <a:lnRef idx="2">
+        <a:scrgbClr r="0" g="0" b="0"/>
+      </a:lnRef>
+      <a:fillRef idx="1">
+        <a:scrgbClr r="0" g="0" b="0"/>
+      </a:fillRef>
+      <a:effectRef idx="0">
+        <a:scrgbClr r="0" g="0" b="0"/>
+      </a:effectRef>
+      <a:fontRef idx="minor">
+        <a:schemeClr val="lt1"/>
+      </a:fontRef>
+    </dgm:style>
+  </dgm:styleLbl>
+  <dgm:styleLbl name="parChTrans2D3">
+    <dgm:scene3d>
+      <a:camera prst="orthographicFront"/>
+      <a:lightRig rig="threePt" dir="t"/>
+    </dgm:scene3d>
+    <dgm:sp3d/>
+    <dgm:txPr/>
+    <dgm:style>
+      <a:lnRef idx="2">
+        <a:scrgbClr r="0" g="0" b="0"/>
+      </a:lnRef>
+      <a:fillRef idx="1">
+        <a:scrgbClr r="0" g="0" b="0"/>
+      </a:fillRef>
+      <a:effectRef idx="0">
+        <a:scrgbClr r="0" g="0" b="0"/>
+      </a:effectRef>
+      <a:fontRef idx="minor">
+        <a:schemeClr val="lt1"/>
+      </a:fontRef>
+    </dgm:style>
+  </dgm:styleLbl>
+  <dgm:styleLbl name="parChTrans2D4">
+    <dgm:scene3d>
+      <a:camera prst="orthographicFront"/>
+      <a:lightRig rig="threePt" dir="t"/>
+    </dgm:scene3d>
+    <dgm:sp3d/>
+    <dgm:txPr/>
+    <dgm:style>
+      <a:lnRef idx="2">
+        <a:scrgbClr r="0" g="0" b="0"/>
+      </a:lnRef>
+      <a:fillRef idx="1">
+        <a:scrgbClr r="0" g="0" b="0"/>
+      </a:fillRef>
+      <a:effectRef idx="0">
+        <a:scrgbClr r="0" g="0" b="0"/>
+      </a:effectRef>
+      <a:fontRef idx="minor">
+        <a:schemeClr val="lt1"/>
+      </a:fontRef>
+    </dgm:style>
+  </dgm:styleLbl>
+  <dgm:styleLbl name="parChTrans1D1">
+    <dgm:scene3d>
+      <a:camera prst="orthographicFront"/>
+      <a:lightRig rig="threePt" dir="t"/>
+    </dgm:scene3d>
+    <dgm:sp3d/>
+    <dgm:txPr/>
+    <dgm:style>
+      <a:lnRef idx="2">
+        <a:scrgbClr r="0" g="0" b="0"/>
+      </a:lnRef>
+      <a:fillRef idx="0">
+        <a:scrgbClr r="0" g="0" b="0"/>
+      </a:fillRef>
+      <a:effectRef idx="0">
+        <a:scrgbClr r="0" g="0" b="0"/>
+      </a:effectRef>
+      <a:fontRef idx="minor"/>
+    </dgm:style>
+  </dgm:styleLbl>
+  <dgm:styleLbl name="parChTrans1D2">
+    <dgm:scene3d>
+      <a:camera prst="orthographicFront"/>
+      <a:lightRig rig="threePt" dir="t"/>
+    </dgm:scene3d>
+    <dgm:sp3d/>
+    <dgm:txPr/>
+    <dgm:style>
+      <a:lnRef idx="2">
+        <a:scrgbClr r="0" g="0" b="0"/>
+      </a:lnRef>
+      <a:fillRef idx="0">
+        <a:scrgbClr r="0" g="0" b="0"/>
+      </a:fillRef>
+      <a:effectRef idx="0">
+        <a:scrgbClr r="0" g="0" b="0"/>
+      </a:effectRef>
+      <a:fontRef idx="minor"/>
+    </dgm:style>
+  </dgm:styleLbl>
+  <dgm:styleLbl name="parChTrans1D3">
+    <dgm:scene3d>
+      <a:camera prst="orthographicFront"/>
+      <a:lightRig rig="threePt" dir="t"/>
+    </dgm:scene3d>
+    <dgm:sp3d/>
+    <dgm:txPr/>
+    <dgm:style>
+      <a:lnRef idx="2">
+        <a:scrgbClr r="0" g="0" b="0"/>
+      </a:lnRef>
+      <a:fillRef idx="0">
+        <a:scrgbClr r="0" g="0" b="0"/>
+      </a:fillRef>
+      <a:effectRef idx="0">
+        <a:scrgbClr r="0" g="0" b="0"/>
+      </a:effectRef>
+      <a:fontRef idx="minor"/>
+    </dgm:style>
+  </dgm:styleLbl>
+  <dgm:styleLbl name="parChTrans1D4">
+    <dgm:scene3d>
+      <a:camera prst="orthographicFront"/>
+      <a:lightRig rig="threePt" dir="t"/>
+    </dgm:scene3d>
+    <dgm:sp3d/>
+    <dgm:txPr/>
+    <dgm:style>
+      <a:lnRef idx="2">
+        <a:scrgbClr r="0" g="0" b="0"/>
+      </a:lnRef>
+      <a:fillRef idx="0">
+        <a:scrgbClr r="0" g="0" b="0"/>
+      </a:fillRef>
+      <a:effectRef idx="0">
+        <a:scrgbClr r="0" g="0" b="0"/>
+      </a:effectRef>
+      <a:fontRef idx="minor"/>
+    </dgm:style>
+  </dgm:styleLbl>
+  <dgm:styleLbl name="fgAcc1">
+    <dgm:scene3d>
+      <a:camera prst="orthographicFront"/>
+      <a:lightRig rig="threePt" dir="t"/>
+    </dgm:scene3d>
+    <dgm:sp3d/>
+    <dgm:txPr/>
+    <dgm:style>
+      <a:lnRef idx="2">
+        <a:scrgbClr r="0" g="0" b="0"/>
+      </a:lnRef>
+      <a:fillRef idx="1">
+        <a:scrgbClr r="0" g="0" b="0"/>
+      </a:fillRef>
+      <a:effectRef idx="0">
+        <a:scrgbClr r="0" g="0" b="0"/>
+      </a:effectRef>
+      <a:fontRef idx="minor"/>
+    </dgm:style>
+  </dgm:styleLbl>
+  <dgm:styleLbl name="conFgAcc1">
+    <dgm:scene3d>
+      <a:camera prst="orthographicFront"/>
+      <a:lightRig rig="threePt" dir="t"/>
+    </dgm:scene3d>
+    <dgm:sp3d/>
+    <dgm:txPr/>
+    <dgm:style>
+      <a:lnRef idx="2">
+        <a:scrgbClr r="0" g="0" b="0"/>
+      </a:lnRef>
+      <a:fillRef idx="1">
+        <a:scrgbClr r="0" g="0" b="0"/>
+      </a:fillRef>
+      <a:effectRef idx="0">
+        <a:scrgbClr r="0" g="0" b="0"/>
+      </a:effectRef>
+      <a:fontRef idx="minor"/>
+    </dgm:style>
+  </dgm:styleLbl>
+  <dgm:styleLbl name="alignAcc1">
+    <dgm:scene3d>
+      <a:camera prst="orthographicFront"/>
+      <a:lightRig rig="threePt" dir="t"/>
+    </dgm:scene3d>
+    <dgm:sp3d/>
+    <dgm:txPr/>
+    <dgm:style>
+      <a:lnRef idx="2">
+        <a:scrgbClr r="0" g="0" b="0"/>
+      </a:lnRef>
+      <a:fillRef idx="1">
+        <a:scrgbClr r="0" g="0" b="0"/>
+      </a:fillRef>
+      <a:effectRef idx="0">
+        <a:scrgbClr r="0" g="0" b="0"/>
+      </a:effectRef>
+      <a:fontRef idx="minor"/>
+    </dgm:style>
+  </dgm:styleLbl>
+  <dgm:styleLbl name="trAlignAcc1">
+    <dgm:scene3d>
+      <a:camera prst="orthographicFront"/>
+      <a:lightRig rig="threePt" dir="t"/>
+    </dgm:scene3d>
+    <dgm:sp3d/>
+    <dgm:txPr/>
+    <dgm:style>
+      <a:lnRef idx="1">
+        <a:scrgbClr r="0" g="0" b="0"/>
+      </a:lnRef>
+      <a:fillRef idx="1">
+        <a:scrgbClr r="0" g="0" b="0"/>
+      </a:fillRef>
+      <a:effectRef idx="0">
+        <a:scrgbClr r="0" g="0" b="0"/>
+      </a:effectRef>
+      <a:fontRef idx="minor"/>
+    </dgm:style>
+  </dgm:styleLbl>
+  <dgm:styleLbl name="bgAcc1">
+    <dgm:scene3d>
+      <a:camera prst="orthographicFront"/>
+      <a:lightRig rig="threePt" dir="t"/>
+    </dgm:scene3d>
+    <dgm:sp3d/>
+    <dgm:txPr/>
+    <dgm:style>
+      <a:lnRef idx="2">
+        <a:scrgbClr r="0" g="0" b="0"/>
+      </a:lnRef>
+      <a:fillRef idx="1">
+        <a:scrgbClr r="0" g="0" b="0"/>
+      </a:fillRef>
+      <a:effectRef idx="0">
+        <a:scrgbClr r="0" g="0" b="0"/>
+      </a:effectRef>
+      <a:fontRef idx="minor"/>
+    </dgm:style>
+  </dgm:styleLbl>
+  <dgm:styleLbl name="solidFgAcc1">
+    <dgm:scene3d>
+      <a:camera prst="orthographicFront"/>
+      <a:lightRig rig="threePt" dir="t"/>
+    </dgm:scene3d>
+    <dgm:sp3d/>
+    <dgm:txPr/>
+    <dgm:style>
+      <a:lnRef idx="2">
+        <a:scrgbClr r="0" g="0" b="0"/>
+      </a:lnRef>
+      <a:fillRef idx="1">
+        <a:scrgbClr r="0" g="0" b="0"/>
+      </a:fillRef>
+      <a:effectRef idx="0">
+        <a:scrgbClr r="0" g="0" b="0"/>
+      </a:effectRef>
+      <a:fontRef idx="minor"/>
+    </dgm:style>
+  </dgm:styleLbl>
+  <dgm:styleLbl name="solidAlignAcc1">
+    <dgm:scene3d>
+      <a:camera prst="orthographicFront"/>
+      <a:lightRig rig="threePt" dir="t"/>
+    </dgm:scene3d>
+    <dgm:sp3d/>
+    <dgm:txPr/>
+    <dgm:style>
+      <a:lnRef idx="2">
+        <a:scrgbClr r="0" g="0" b="0"/>
+      </a:lnRef>
+      <a:fillRef idx="1">
+        <a:scrgbClr r="0" g="0" b="0"/>
+      </a:fillRef>
+      <a:effectRef idx="0">
+        <a:scrgbClr r="0" g="0" b="0"/>
+      </a:effectRef>
+      <a:fontRef idx="minor"/>
+    </dgm:style>
+  </dgm:styleLbl>
+  <dgm:styleLbl name="solidBgAcc1">
+    <dgm:scene3d>
+      <a:camera prst="orthographicFront"/>
+      <a:lightRig rig="threePt" dir="t"/>
+    </dgm:scene3d>
+    <dgm:sp3d/>
+    <dgm:txPr/>
+    <dgm:style>
+      <a:lnRef idx="2">
+        <a:scrgbClr r="0" g="0" b="0"/>
+      </a:lnRef>
+      <a:fillRef idx="1">
+        <a:scrgbClr r="0" g="0" b="0"/>
+      </a:fillRef>
+      <a:effectRef idx="0">
+        <a:scrgbClr r="0" g="0" b="0"/>
+      </a:effectRef>
+      <a:fontRef idx="minor"/>
+    </dgm:style>
+  </dgm:styleLbl>
+  <dgm:styleLbl name="fgAccFollowNode1">
+    <dgm:scene3d>
+      <a:camera prst="orthographicFront"/>
+      <a:lightRig rig="threePt" dir="t"/>
+    </dgm:scene3d>
+    <dgm:sp3d/>
+    <dgm:txPr/>
+    <dgm:style>
+      <a:lnRef idx="2">
+        <a:scrgbClr r="0" g="0" b="0"/>
+      </a:lnRef>
+      <a:fillRef idx="1">
+        <a:scrgbClr r="0" g="0" b="0"/>
+      </a:fillRef>
+      <a:effectRef idx="0">
+        <a:scrgbClr r="0" g="0" b="0"/>
+      </a:effectRef>
+      <a:fontRef idx="minor"/>
+    </dgm:style>
+  </dgm:styleLbl>
+  <dgm:styleLbl name="alignAccFollowNode1">
+    <dgm:scene3d>
+      <a:camera prst="orthographicFront"/>
+      <a:lightRig rig="threePt" dir="t"/>
+    </dgm:scene3d>
+    <dgm:sp3d/>
+    <dgm:txPr/>
+    <dgm:style>
+      <a:lnRef idx="2">
+        <a:scrgbClr r="0" g="0" b="0"/>
+      </a:lnRef>
+      <a:fillRef idx="1">
+        <a:scrgbClr r="0" g="0" b="0"/>
+      </a:fillRef>
+      <a:effectRef idx="0">
+        <a:scrgbClr r="0" g="0" b="0"/>
+      </a:effectRef>
+      <a:fontRef idx="minor"/>
+    </dgm:style>
+  </dgm:styleLbl>
+  <dgm:styleLbl name="bgAccFollowNode1">
+    <dgm:scene3d>
+      <a:camera prst="orthographicFront"/>
+      <a:lightRig rig="threePt" dir="t"/>
+    </dgm:scene3d>
+    <dgm:sp3d/>
+    <dgm:txPr/>
+    <dgm:style>
+      <a:lnRef idx="2">
+        <a:scrgbClr r="0" g="0" b="0"/>
+      </a:lnRef>
+      <a:fillRef idx="1">
+        <a:scrgbClr r="0" g="0" b="0"/>
+      </a:fillRef>
+      <a:effectRef idx="0">
+        <a:scrgbClr r="0" g="0" b="0"/>
+      </a:effectRef>
+      <a:fontRef idx="minor"/>
+    </dgm:style>
+  </dgm:styleLbl>
+  <dgm:styleLbl name="fgAcc0">
+    <dgm:scene3d>
+      <a:camera prst="orthographicFront"/>
+      <a:lightRig rig="threePt" dir="t"/>
+    </dgm:scene3d>
+    <dgm:sp3d/>
+    <dgm:txPr/>
+    <dgm:style>
+      <a:lnRef idx="2">
+        <a:scrgbClr r="0" g="0" b="0"/>
+      </a:lnRef>
+      <a:fillRef idx="1">
+        <a:scrgbClr r="0" g="0" b="0"/>
+      </a:fillRef>
+      <a:effectRef idx="0">
+        <a:scrgbClr r="0" g="0" b="0"/>
+      </a:effectRef>
+      <a:fontRef idx="minor"/>
+    </dgm:style>
+  </dgm:styleLbl>
+  <dgm:styleLbl name="fgAcc2">
+    <dgm:scene3d>
+      <a:camera prst="orthographicFront"/>
+      <a:lightRig rig="threePt" dir="t"/>
+    </dgm:scene3d>
+    <dgm:sp3d/>
+    <dgm:txPr/>
+    <dgm:style>
+      <a:lnRef idx="2">
+        <a:scrgbClr r="0" g="0" b="0"/>
+      </a:lnRef>
+      <a:fillRef idx="1">
+        <a:scrgbClr r="0" g="0" b="0"/>
+      </a:fillRef>
+      <a:effectRef idx="0">
+        <a:scrgbClr r="0" g="0" b="0"/>
+      </a:effectRef>
+      <a:fontRef idx="minor"/>
+    </dgm:style>
+  </dgm:styleLbl>
+  <dgm:styleLbl name="fgAcc3">
+    <dgm:scene3d>
+      <a:camera prst="orthographicFront"/>
+      <a:lightRig rig="threePt" dir="t"/>
+    </dgm:scene3d>
+    <dgm:sp3d/>
+    <dgm:txPr/>
+    <dgm:style>
+      <a:lnRef idx="2">
+        <a:scrgbClr r="0" g="0" b="0"/>
+      </a:lnRef>
+      <a:fillRef idx="1">
+        <a:scrgbClr r="0" g="0" b="0"/>
+      </a:fillRef>
+      <a:effectRef idx="0">
+        <a:scrgbClr r="0" g="0" b="0"/>
+      </a:effectRef>
+      <a:fontRef idx="minor"/>
+    </dgm:style>
+  </dgm:styleLbl>
+  <dgm:styleLbl name="fgAcc4">
+    <dgm:scene3d>
+      <a:camera prst="orthographicFront"/>
+      <a:lightRig rig="threePt" dir="t"/>
+    </dgm:scene3d>
+    <dgm:sp3d/>
+    <dgm:txPr/>
+    <dgm:style>
+      <a:lnRef idx="2">
+        <a:scrgbClr r="0" g="0" b="0"/>
+      </a:lnRef>
+      <a:fillRef idx="1">
+        <a:scrgbClr r="0" g="0" b="0"/>
+      </a:fillRef>
+      <a:effectRef idx="0">
+        <a:scrgbClr r="0" g="0" b="0"/>
+      </a:effectRef>
+      <a:fontRef idx="minor"/>
+    </dgm:style>
+  </dgm:styleLbl>
+  <dgm:styleLbl name="bgShp">
+    <dgm:scene3d>
+      <a:camera prst="orthographicFront"/>
+      <a:lightRig rig="threePt" dir="t"/>
+    </dgm:scene3d>
+    <dgm:sp3d/>
+    <dgm:txPr/>
+    <dgm:style>
+      <a:lnRef idx="0">
+        <a:scrgbClr r="0" g="0" b="0"/>
+      </a:lnRef>
+      <a:fillRef idx="1">
+        <a:scrgbClr r="0" g="0" b="0"/>
+      </a:fillRef>
+      <a:effectRef idx="0">
+        <a:scrgbClr r="0" g="0" b="0"/>
+      </a:effectRef>
+      <a:fontRef idx="minor"/>
+    </dgm:style>
+  </dgm:styleLbl>
+  <dgm:styleLbl name="dkBgShp">
+    <dgm:scene3d>
+      <a:camera prst="orthographicFront"/>
+      <a:lightRig rig="threePt" dir="t"/>
+    </dgm:scene3d>
+    <dgm:sp3d/>
+    <dgm:txPr/>
+    <dgm:style>
+      <a:lnRef idx="0">
+        <a:scrgbClr r="0" g="0" b="0"/>
+      </a:lnRef>
+      <a:fillRef idx="1">
+        <a:scrgbClr r="0" g="0" b="0"/>
+      </a:fillRef>
+      <a:effectRef idx="0">
+        <a:scrgbClr r="0" g="0" b="0"/>
+      </a:effectRef>
+      <a:fontRef idx="minor"/>
+    </dgm:style>
+  </dgm:styleLbl>
+  <dgm:styleLbl name="trBgShp">
+    <dgm:scene3d>
+      <a:camera prst="orthographicFront"/>
+      <a:lightRig rig="threePt" dir="t"/>
+    </dgm:scene3d>
+    <dgm:sp3d/>
+    <dgm:txPr/>
+    <dgm:style>
+      <a:lnRef idx="0">
+        <a:scrgbClr r="0" g="0" b="0"/>
+      </a:lnRef>
+      <a:fillRef idx="1">
+        <a:scrgbClr r="0" g="0" b="0"/>
+      </a:fillRef>
+      <a:effectRef idx="0">
+        <a:scrgbClr r="0" g="0" b="0"/>
+      </a:effectRef>
+      <a:fontRef idx="minor"/>
+    </dgm:style>
+  </dgm:styleLbl>
+  <dgm:styleLbl name="fgShp">
+    <dgm:scene3d>
+      <a:camera prst="orthographicFront"/>
+      <a:lightRig rig="threePt" dir="t"/>
+    </dgm:scene3d>
+    <dgm:sp3d/>
+    <dgm:txPr/>
+    <dgm:style>
+      <a:lnRef idx="2">
+        <a:scrgbClr r="0" g="0" b="0"/>
+      </a:lnRef>
+      <a:fillRef idx="1">
+        <a:scrgbClr r="0" g="0" b="0"/>
+      </a:fillRef>
+      <a:effectRef idx="0">
+        <a:scrgbClr r="0" g="0" b="0"/>
+      </a:effectRef>
+      <a:fontRef idx="minor"/>
+    </dgm:style>
+  </dgm:styleLbl>
+  <dgm:styleLbl name="revTx">
+    <dgm:scene3d>
+      <a:camera prst="orthographicFront"/>
+      <a:lightRig rig="threePt" dir="t"/>
+    </dgm:scene3d>
+    <dgm:sp3d/>
+    <dgm:txPr/>
+    <dgm:style>
+      <a:lnRef idx="0">
+        <a:scrgbClr r="0" g="0" b="0"/>
+      </a:lnRef>
+      <a:fillRef idx="0">
+        <a:scrgbClr r="0" g="0" b="0"/>
+      </a:fillRef>
+      <a:effectRef idx="0">
+        <a:scrgbClr r="0" g="0" b="0"/>
+      </a:effectRef>
+      <a:fontRef idx="minor"/>
+    </dgm:style>
+  </dgm:styleLbl>
+</dgm:styleDef>
 </file>
 
 <file path=ppt/notesMasters/notesMaster1.xml><?xml version="1.0" encoding="utf-8"?>
@@ -198,7 +2759,7 @@
           <a:p>
             <a:fld id="{47843A0D-60F1-4036-85C5-689C59058F05}" type="datetimeFigureOut">
               <a:rPr lang="en-US" smtClean="0"/>
-              <a:t>7/1/2024</a:t>
+              <a:t>7/2/2024</a:t>
             </a:fld>
             <a:endParaRPr lang="en-US"/>
           </a:p>
@@ -691,7 +3252,7 @@
           <a:p>
             <a:fld id="{8639C667-67FE-4F2D-8284-68B01BDD5D9E}" type="datetime1">
               <a:rPr lang="en-US" smtClean="0"/>
-              <a:t>7/1/2024</a:t>
+              <a:t>7/2/2024</a:t>
             </a:fld>
             <a:endParaRPr lang="en-US"/>
           </a:p>
@@ -899,7 +3460,7 @@
           <a:p>
             <a:fld id="{ADF73BE5-FD60-49E1-97CF-AD0B4078A7AF}" type="datetime1">
               <a:rPr lang="en-US" smtClean="0"/>
-              <a:t>7/1/2024</a:t>
+              <a:t>7/2/2024</a:t>
             </a:fld>
             <a:endParaRPr lang="en-US"/>
           </a:p>
@@ -1155,7 +3716,7 @@
           <a:p>
             <a:fld id="{9EC75DFA-6D19-45C4-BD94-FC5DA3CC531C}" type="datetime1">
               <a:rPr lang="en-US" smtClean="0"/>
-              <a:t>7/1/2024</a:t>
+              <a:t>7/2/2024</a:t>
             </a:fld>
             <a:endParaRPr lang="en-US"/>
           </a:p>
@@ -1329,7 +3890,7 @@
           <a:p>
             <a:fld id="{C48C6A3E-D5BA-4A51-B949-21422135B2B7}" type="datetime1">
               <a:rPr lang="en-US" smtClean="0"/>
-              <a:t>7/1/2024</a:t>
+              <a:t>7/2/2024</a:t>
             </a:fld>
             <a:endParaRPr lang="en-US"/>
           </a:p>
@@ -1672,7 +4233,7 @@
           <a:p>
             <a:fld id="{177DCF52-2218-4760-8DB0-F2BED647F792}" type="datetime1">
               <a:rPr lang="en-US" smtClean="0"/>
-              <a:t>7/1/2024</a:t>
+              <a:t>7/2/2024</a:t>
             </a:fld>
             <a:endParaRPr lang="en-US"/>
           </a:p>
@@ -1947,7 +4508,7 @@
           <a:p>
             <a:fld id="{6598B1A1-3FC4-4E3C-BDF2-2DF30F1C3D70}" type="datetime1">
               <a:rPr lang="en-US" smtClean="0"/>
-              <a:t>7/1/2024</a:t>
+              <a:t>7/2/2024</a:t>
             </a:fld>
             <a:endParaRPr lang="en-US"/>
           </a:p>
@@ -2326,7 +4887,7 @@
           <a:p>
             <a:fld id="{538E56E0-91F1-46C9-BD73-D88E2754E173}" type="datetime1">
               <a:rPr lang="en-US" smtClean="0"/>
-              <a:t>7/1/2024</a:t>
+              <a:t>7/2/2024</a:t>
             </a:fld>
             <a:endParaRPr lang="en-US"/>
           </a:p>
@@ -2444,7 +5005,7 @@
           <a:p>
             <a:fld id="{33AE8F9C-8E1B-4B42-9803-48BD75BFBBFA}" type="datetime1">
               <a:rPr lang="en-US" smtClean="0"/>
-              <a:t>7/1/2024</a:t>
+              <a:t>7/2/2024</a:t>
             </a:fld>
             <a:endParaRPr lang="en-US"/>
           </a:p>
@@ -2615,7 +5176,7 @@
           <a:p>
             <a:fld id="{402BE525-5DB5-4E5E-BEA3-8142BF04B3F8}" type="datetime1">
               <a:rPr lang="en-US" smtClean="0"/>
-              <a:t>7/1/2024</a:t>
+              <a:t>7/2/2024</a:t>
             </a:fld>
             <a:endParaRPr lang="en-US"/>
           </a:p>
@@ -2969,7 +5530,7 @@
           <a:p>
             <a:fld id="{BC682126-640A-46E7-A35A-62CBC24B5ED2}" type="datetime1">
               <a:rPr lang="en-US" smtClean="0"/>
-              <a:t>7/1/2024</a:t>
+              <a:t>7/2/2024</a:t>
             </a:fld>
             <a:endParaRPr lang="en-US"/>
           </a:p>
@@ -3351,7 +5912,7 @@
           <a:p>
             <a:fld id="{D1B64DD5-D500-49A4-A186-06D097C2AE99}" type="datetime1">
               <a:rPr lang="en-US" smtClean="0"/>
-              <a:t>7/1/2024</a:t>
+              <a:t>7/2/2024</a:t>
             </a:fld>
             <a:endParaRPr lang="en-US"/>
           </a:p>
@@ -3638,7 +6199,7 @@
           <a:p>
             <a:fld id="{A07AF16E-6344-45CC-9F48-6BC68DCF463F}" type="datetime1">
               <a:rPr lang="en-US" smtClean="0"/>
-              <a:t>7/1/2024</a:t>
+              <a:t>7/2/2024</a:t>
             </a:fld>
             <a:endParaRPr lang="en-US"/>
           </a:p>
@@ -4257,6 +6818,14 @@
 <file path=ppt/slides/slide2.xml><?xml version="1.0" encoding="utf-8"?>
 <p:sld xmlns:a="http://schemas.openxmlformats.org/drawingml/2006/main" xmlns:r="http://schemas.openxmlformats.org/officeDocument/2006/relationships" xmlns:p="http://schemas.openxmlformats.org/presentationml/2006/main">
   <p:cSld>
+    <p:bg>
+      <p:bgPr>
+        <a:solidFill>
+          <a:schemeClr val="bg1"/>
+        </a:solidFill>
+        <a:effectLst/>
+      </p:bgPr>
+    </p:bg>
     <p:spTree>
       <p:nvGrpSpPr>
         <p:cNvPr id="1" name=""/>
@@ -4271,6 +6840,128 @@
           <a:chExt cx="0" cy="0"/>
         </a:xfrm>
       </p:grpSpPr>
+      <p:sp useBgFill="1">
+        <p:nvSpPr>
+          <p:cNvPr id="10" name="Rectangle 9">
+            <a:extLst>
+              <a:ext uri="{FF2B5EF4-FFF2-40B4-BE49-F238E27FC236}">
+                <a16:creationId xmlns:a16="http://schemas.microsoft.com/office/drawing/2014/main" id="{FB5993E2-C02B-4335-ABA5-D8EC465551E3}"/>
+              </a:ext>
+              <a:ext uri="{C183D7F6-B498-43B3-948B-1728B52AA6E4}">
+                <adec:decorative xmlns:adec="http://schemas.microsoft.com/office/drawing/2017/decorative" val="1"/>
+              </a:ext>
+            </a:extLst>
+          </p:cNvPr>
+          <p:cNvSpPr>
+            <a:spLocks noGrp="1" noRot="1" noChangeAspect="1" noMove="1" noResize="1" noEditPoints="1" noAdjustHandles="1" noChangeArrowheads="1" noChangeShapeType="1" noTextEdit="1"/>
+          </p:cNvSpPr>
+          <p:nvPr>
+            <p:extLst>
+              <p:ext uri="{386F3935-93C4-4BCD-93E2-E3B085C9AB24}">
+                <p16:designElem xmlns:p16="http://schemas.microsoft.com/office/powerpoint/2015/main" val="1"/>
+              </p:ext>
+            </p:extLst>
+          </p:nvPr>
+        </p:nvSpPr>
+        <p:spPr>
+          <a:xfrm>
+            <a:off x="0" y="0"/>
+            <a:ext cx="12186315" cy="6858000"/>
+          </a:xfrm>
+          <a:prstGeom prst="rect">
+            <a:avLst/>
+          </a:prstGeom>
+          <a:ln>
+            <a:noFill/>
+          </a:ln>
+        </p:spPr>
+        <p:style>
+          <a:lnRef idx="2">
+            <a:schemeClr val="accent6">
+              <a:shade val="50000"/>
+            </a:schemeClr>
+          </a:lnRef>
+          <a:fillRef idx="1001">
+            <a:schemeClr val="lt1"/>
+          </a:fillRef>
+          <a:effectRef idx="0">
+            <a:schemeClr val="accent6"/>
+          </a:effectRef>
+          <a:fontRef idx="minor">
+            <a:schemeClr val="lt1"/>
+          </a:fontRef>
+        </p:style>
+        <p:txBody>
+          <a:bodyPr rtlCol="0" anchor="ctr"/>
+          <a:lstStyle/>
+          <a:p>
+            <a:pPr algn="ctr"/>
+            <a:endParaRPr lang="en-US"/>
+          </a:p>
+        </p:txBody>
+      </p:sp>
+      <p:sp>
+        <p:nvSpPr>
+          <p:cNvPr id="12" name="Rectangle 11">
+            <a:extLst>
+              <a:ext uri="{FF2B5EF4-FFF2-40B4-BE49-F238E27FC236}">
+                <a16:creationId xmlns:a16="http://schemas.microsoft.com/office/drawing/2014/main" id="{C0B801A2-5622-4BE8-9AD2-C337A2CD0022}"/>
+              </a:ext>
+              <a:ext uri="{C183D7F6-B498-43B3-948B-1728B52AA6E4}">
+                <adec:decorative xmlns:adec="http://schemas.microsoft.com/office/drawing/2017/decorative" val="1"/>
+              </a:ext>
+            </a:extLst>
+          </p:cNvPr>
+          <p:cNvSpPr>
+            <a:spLocks noGrp="1" noRot="1" noChangeAspect="1" noMove="1" noResize="1" noEditPoints="1" noAdjustHandles="1" noChangeArrowheads="1" noChangeShapeType="1" noTextEdit="1"/>
+          </p:cNvSpPr>
+          <p:nvPr>
+            <p:extLst>
+              <p:ext uri="{386F3935-93C4-4BCD-93E2-E3B085C9AB24}">
+                <p16:designElem xmlns:p16="http://schemas.microsoft.com/office/powerpoint/2015/main" val="1"/>
+              </p:ext>
+            </p:extLst>
+          </p:nvPr>
+        </p:nvSpPr>
+        <p:spPr>
+          <a:xfrm>
+            <a:off x="16" y="0"/>
+            <a:ext cx="4050791" cy="6858000"/>
+          </a:xfrm>
+          <a:prstGeom prst="rect">
+            <a:avLst/>
+          </a:prstGeom>
+          <a:solidFill>
+            <a:schemeClr val="accent2"/>
+          </a:solidFill>
+          <a:ln>
+            <a:noFill/>
+          </a:ln>
+        </p:spPr>
+        <p:style>
+          <a:lnRef idx="2">
+            <a:schemeClr val="accent1">
+              <a:shade val="50000"/>
+            </a:schemeClr>
+          </a:lnRef>
+          <a:fillRef idx="1">
+            <a:schemeClr val="accent1"/>
+          </a:fillRef>
+          <a:effectRef idx="0">
+            <a:schemeClr val="accent1"/>
+          </a:effectRef>
+          <a:fontRef idx="minor">
+            <a:schemeClr val="lt1"/>
+          </a:fontRef>
+        </p:style>
+        <p:txBody>
+          <a:bodyPr/>
+          <a:lstStyle/>
+          <a:p>
+            <a:endParaRPr lang="en-US"/>
+          </a:p>
+        </p:txBody>
+      </p:sp>
       <p:sp>
         <p:nvSpPr>
           <p:cNvPr id="2" name="Title 1">
@@ -4287,22 +6978,29 @@
             <p:ph type="title"/>
           </p:nvPr>
         </p:nvSpPr>
-        <p:spPr/>
-        <p:txBody>
-          <a:bodyPr/>
+        <p:spPr>
+          <a:xfrm>
+            <a:off x="492370" y="516835"/>
+            <a:ext cx="3084844" cy="5772840"/>
+          </a:xfrm>
+        </p:spPr>
+        <p:txBody>
+          <a:bodyPr anchor="ctr">
+            <a:normAutofit/>
+          </a:bodyPr>
           <a:lstStyle/>
           <a:p>
             <a:r>
-              <a:rPr lang="bg-BG" dirty="0">
+              <a:rPr lang="bg-BG" sz="3600">
                 <a:solidFill>
-                  <a:schemeClr val="tx1"/>
+                  <a:srgbClr val="FFFFFF"/>
                 </a:solidFill>
               </a:rPr>
               <a:t>Какви са проблемите на паркинга</a:t>
             </a:r>
-            <a:endParaRPr lang="en-US" dirty="0">
+            <a:endParaRPr lang="en-US" sz="3600">
               <a:solidFill>
-                <a:schemeClr val="tx1"/>
+                <a:srgbClr val="FFFFFF"/>
               </a:solidFill>
             </a:endParaRPr>
           </a:p>
@@ -4310,80 +7008,63 @@
       </p:sp>
       <p:sp>
         <p:nvSpPr>
-          <p:cNvPr id="3" name="Content Placeholder 2">
+          <p:cNvPr id="14" name="Rectangle 13">
             <a:extLst>
               <a:ext uri="{FF2B5EF4-FFF2-40B4-BE49-F238E27FC236}">
-                <a16:creationId xmlns:a16="http://schemas.microsoft.com/office/drawing/2014/main" id="{2DF43445-CE24-CDE6-0DA9-C74C10ED6716}"/>
+                <a16:creationId xmlns:a16="http://schemas.microsoft.com/office/drawing/2014/main" id="{B7AF614F-5BC3-4086-99F5-B87C5847A071}"/>
+              </a:ext>
+              <a:ext uri="{C183D7F6-B498-43B3-948B-1728B52AA6E4}">
+                <adec:decorative xmlns:adec="http://schemas.microsoft.com/office/drawing/2017/decorative" val="1"/>
               </a:ext>
             </a:extLst>
           </p:cNvPr>
           <p:cNvSpPr>
-            <a:spLocks noGrp="1"/>
-          </p:cNvSpPr>
-          <p:nvPr>
-            <p:ph idx="1"/>
-          </p:nvPr>
-        </p:nvSpPr>
-        <p:spPr/>
+            <a:spLocks noGrp="1" noRot="1" noChangeAspect="1" noMove="1" noResize="1" noEditPoints="1" noAdjustHandles="1" noChangeArrowheads="1" noChangeShapeType="1" noTextEdit="1"/>
+          </p:cNvSpPr>
+          <p:nvPr>
+            <p:extLst>
+              <p:ext uri="{386F3935-93C4-4BCD-93E2-E3B085C9AB24}">
+                <p16:designElem xmlns:p16="http://schemas.microsoft.com/office/powerpoint/2015/main" val="1"/>
+              </p:ext>
+            </p:extLst>
+          </p:nvPr>
+        </p:nvSpPr>
+        <p:spPr>
+          <a:xfrm>
+            <a:off x="4040071" y="0"/>
+            <a:ext cx="64008" cy="6858000"/>
+          </a:xfrm>
+          <a:prstGeom prst="rect">
+            <a:avLst/>
+          </a:prstGeom>
+          <a:solidFill>
+            <a:schemeClr val="accent1"/>
+          </a:solidFill>
+          <a:ln>
+            <a:noFill/>
+          </a:ln>
+        </p:spPr>
+        <p:style>
+          <a:lnRef idx="2">
+            <a:schemeClr val="accent1">
+              <a:shade val="50000"/>
+            </a:schemeClr>
+          </a:lnRef>
+          <a:fillRef idx="1">
+            <a:schemeClr val="accent1"/>
+          </a:fillRef>
+          <a:effectRef idx="0">
+            <a:schemeClr val="accent1"/>
+          </a:effectRef>
+          <a:fontRef idx="minor">
+            <a:schemeClr val="lt1"/>
+          </a:fontRef>
+        </p:style>
         <p:txBody>
           <a:bodyPr/>
           <a:lstStyle/>
           <a:p>
-            <a:pPr>
-              <a:buFont typeface="Arial" panose="020B0604020202020204" pitchFamily="34" charset="0"/>
-              <a:buChar char="•"/>
-            </a:pPr>
-            <a:r>
-              <a:rPr lang="bg-BG" dirty="0"/>
-              <a:t> Бавно влизане/излизане</a:t>
-            </a:r>
-          </a:p>
-          <a:p>
-            <a:pPr lvl="1">
-              <a:buFont typeface="Arial" panose="020B0604020202020204" pitchFamily="34" charset="0"/>
-              <a:buChar char="•"/>
-            </a:pPr>
-            <a:r>
-              <a:rPr lang="bg-BG" dirty="0"/>
-              <a:t>Създаване на трафик</a:t>
-            </a:r>
-          </a:p>
-          <a:p>
-            <a:pPr>
-              <a:buFont typeface="Arial" panose="020B0604020202020204" pitchFamily="34" charset="0"/>
-              <a:buChar char="•"/>
-            </a:pPr>
-            <a:r>
-              <a:rPr lang="bg-BG" dirty="0"/>
-              <a:t> Забавияния при плащане</a:t>
-            </a:r>
-          </a:p>
-          <a:p>
-            <a:pPr>
-              <a:buFont typeface="Arial" panose="020B0604020202020204" pitchFamily="34" charset="0"/>
-              <a:buChar char="•"/>
-            </a:pPr>
-            <a:r>
-              <a:rPr lang="bg-BG" dirty="0"/>
-              <a:t> Необходимост от носене на монети</a:t>
-            </a:r>
-            <a:endParaRPr lang="en-US" dirty="0"/>
-          </a:p>
-          <a:p>
-            <a:pPr>
-              <a:buFont typeface="Arial" panose="020B0604020202020204" pitchFamily="34" charset="0"/>
-              <a:buChar char="•"/>
-            </a:pPr>
-            <a:r>
-              <a:rPr lang="bg-BG" dirty="0"/>
-              <a:t> Липса на лесен начин на следене на посещения</a:t>
-            </a:r>
-          </a:p>
-          <a:p>
-            <a:pPr marL="201168" lvl="1" indent="0">
-              <a:buNone/>
-            </a:pPr>
-            <a:endParaRPr lang="bg-BG" dirty="0"/>
+            <a:endParaRPr lang="en-US"/>
           </a:p>
         </p:txBody>
       </p:sp>
@@ -4403,19 +7084,75 @@
             <p:ph type="sldNum" sz="quarter" idx="12"/>
           </p:nvPr>
         </p:nvSpPr>
-        <p:spPr/>
-        <p:txBody>
-          <a:bodyPr/>
+        <p:spPr>
+          <a:xfrm>
+            <a:off x="10123055" y="6459785"/>
+            <a:ext cx="1089428" cy="365125"/>
+          </a:xfrm>
+        </p:spPr>
+        <p:txBody>
+          <a:bodyPr>
+            <a:normAutofit/>
+          </a:bodyPr>
           <a:lstStyle/>
           <a:p>
+            <a:pPr>
+              <a:spcAft>
+                <a:spcPts val="600"/>
+              </a:spcAft>
+            </a:pPr>
             <a:fld id="{CC86CFE5-B55F-4DC4-8B9A-FA1BB0EB58C9}" type="slidenum">
-              <a:rPr lang="en-US" smtClean="0"/>
+              <a:rPr lang="en-US">
+                <a:solidFill>
+                  <a:schemeClr val="tx2"/>
+                </a:solidFill>
+              </a:rPr>
+              <a:pPr>
+                <a:spcAft>
+                  <a:spcPts val="600"/>
+                </a:spcAft>
+              </a:pPr>
               <a:t>2</a:t>
             </a:fld>
-            <a:endParaRPr lang="en-US"/>
-          </a:p>
-        </p:txBody>
-      </p:sp>
+            <a:endParaRPr lang="en-US">
+              <a:solidFill>
+                <a:schemeClr val="tx2"/>
+              </a:solidFill>
+            </a:endParaRPr>
+          </a:p>
+        </p:txBody>
+      </p:sp>
+      <p:graphicFrame>
+        <p:nvGraphicFramePr>
+          <p:cNvPr id="8" name="Content Placeholder 2">
+            <a:extLst>
+              <a:ext uri="{FF2B5EF4-FFF2-40B4-BE49-F238E27FC236}">
+                <a16:creationId xmlns:a16="http://schemas.microsoft.com/office/drawing/2014/main" id="{910A1B18-AEED-432E-CAB9-3FE14A4356FC}"/>
+              </a:ext>
+            </a:extLst>
+          </p:cNvPr>
+          <p:cNvGraphicFramePr>
+            <a:graphicFrameLocks noGrp="1"/>
+          </p:cNvGraphicFramePr>
+          <p:nvPr>
+            <p:ph idx="1"/>
+            <p:extLst>
+              <p:ext uri="{D42A27DB-BD31-4B8C-83A1-F6EECF244321}">
+                <p14:modId xmlns:p14="http://schemas.microsoft.com/office/powerpoint/2010/main" val="1205102234"/>
+              </p:ext>
+            </p:extLst>
+          </p:nvPr>
+        </p:nvGraphicFramePr>
+        <p:xfrm>
+          <a:off x="4741863" y="639763"/>
+          <a:ext cx="6797675" cy="5649912"/>
+        </p:xfrm>
+        <a:graphic>
+          <a:graphicData uri="http://schemas.openxmlformats.org/drawingml/2006/diagram">
+            <dgm:relIds xmlns:dgm="http://schemas.openxmlformats.org/drawingml/2006/diagram" xmlns:r="http://schemas.openxmlformats.org/officeDocument/2006/relationships" r:dm="rId2" r:lo="rId3" r:qs="rId4" r:cs="rId5"/>
+          </a:graphicData>
+        </a:graphic>
+      </p:graphicFrame>
     </p:spTree>
     <p:extLst>
       <p:ext uri="{BB962C8B-B14F-4D97-AF65-F5344CB8AC3E}">
@@ -6685,11 +9422,11 @@
   <p:clrMapOvr>
     <a:masterClrMapping/>
   </p:clrMapOvr>
-  <mc:AlternateContent xmlns:mc="http://schemas.openxmlformats.org/markup-compatibility/2006">
-    <mc:Choice xmlns:p14="http://schemas.microsoft.com/office/powerpoint/2010/main" Requires="p14">
+  <mc:AlternateContent xmlns:mc="http://schemas.openxmlformats.org/markup-compatibility/2006" xmlns:p14="http://schemas.microsoft.com/office/powerpoint/2010/main">
+    <mc:Choice Requires="p14">
       <p:transition p14:dur="10"/>
     </mc:Choice>
-    <mc:Fallback>
+    <mc:Fallback xmlns="">
       <p:transition/>
     </mc:Fallback>
   </mc:AlternateContent>
@@ -6697,6 +9434,548 @@
 </file>
 
 <file path=ppt/slides/slide7.xml><?xml version="1.0" encoding="utf-8"?>
+<p:sld xmlns:a="http://schemas.openxmlformats.org/drawingml/2006/main" xmlns:r="http://schemas.openxmlformats.org/officeDocument/2006/relationships" xmlns:p="http://schemas.openxmlformats.org/presentationml/2006/main">
+  <p:cSld>
+    <p:bg>
+      <p:bgPr>
+        <a:solidFill>
+          <a:schemeClr val="bg1"/>
+        </a:solidFill>
+        <a:effectLst/>
+      </p:bgPr>
+    </p:bg>
+    <p:spTree>
+      <p:nvGrpSpPr>
+        <p:cNvPr id="1" name=""/>
+        <p:cNvGrpSpPr/>
+        <p:nvPr/>
+      </p:nvGrpSpPr>
+      <p:grpSpPr>
+        <a:xfrm>
+          <a:off x="0" y="0"/>
+          <a:ext cx="0" cy="0"/>
+          <a:chOff x="0" y="0"/>
+          <a:chExt cx="0" cy="0"/>
+        </a:xfrm>
+      </p:grpSpPr>
+      <p:sp>
+        <p:nvSpPr>
+          <p:cNvPr id="9" name="Rectangle 8">
+            <a:extLst>
+              <a:ext uri="{FF2B5EF4-FFF2-40B4-BE49-F238E27FC236}">
+                <a16:creationId xmlns:a16="http://schemas.microsoft.com/office/drawing/2014/main" id="{52C0B2E1-0268-42EC-ABD3-94F81A05BCBD}"/>
+              </a:ext>
+              <a:ext uri="{C183D7F6-B498-43B3-948B-1728B52AA6E4}">
+                <adec:decorative xmlns:adec="http://schemas.microsoft.com/office/drawing/2017/decorative" val="1"/>
+              </a:ext>
+            </a:extLst>
+          </p:cNvPr>
+          <p:cNvSpPr>
+            <a:spLocks noGrp="1" noRot="1" noChangeAspect="1" noMove="1" noResize="1" noEditPoints="1" noAdjustHandles="1" noChangeArrowheads="1" noChangeShapeType="1" noTextEdit="1"/>
+          </p:cNvSpPr>
+          <p:nvPr>
+            <p:extLst>
+              <p:ext uri="{386F3935-93C4-4BCD-93E2-E3B085C9AB24}">
+                <p16:designElem xmlns:p16="http://schemas.microsoft.com/office/powerpoint/2015/main" val="1"/>
+              </p:ext>
+            </p:extLst>
+          </p:nvPr>
+        </p:nvSpPr>
+        <p:spPr>
+          <a:xfrm>
+            <a:off x="3175" y="6400800"/>
+            <a:ext cx="12188825" cy="457200"/>
+          </a:xfrm>
+          <a:prstGeom prst="rect">
+            <a:avLst/>
+          </a:prstGeom>
+          <a:solidFill>
+            <a:schemeClr val="accent2"/>
+          </a:solidFill>
+          <a:ln>
+            <a:noFill/>
+          </a:ln>
+        </p:spPr>
+        <p:style>
+          <a:lnRef idx="2">
+            <a:schemeClr val="accent1">
+              <a:shade val="50000"/>
+            </a:schemeClr>
+          </a:lnRef>
+          <a:fillRef idx="1">
+            <a:schemeClr val="accent1"/>
+          </a:fillRef>
+          <a:effectRef idx="0">
+            <a:schemeClr val="accent1"/>
+          </a:effectRef>
+          <a:fontRef idx="minor">
+            <a:schemeClr val="lt1"/>
+          </a:fontRef>
+        </p:style>
+        <p:txBody>
+          <a:bodyPr/>
+          <a:lstStyle/>
+          <a:p>
+            <a:endParaRPr lang="en-US"/>
+          </a:p>
+        </p:txBody>
+      </p:sp>
+      <p:sp>
+        <p:nvSpPr>
+          <p:cNvPr id="11" name="Rectangle 10">
+            <a:extLst>
+              <a:ext uri="{FF2B5EF4-FFF2-40B4-BE49-F238E27FC236}">
+                <a16:creationId xmlns:a16="http://schemas.microsoft.com/office/drawing/2014/main" id="{7D2256B4-48EA-40FC-BBC0-AA1EE6E0080C}"/>
+              </a:ext>
+              <a:ext uri="{C183D7F6-B498-43B3-948B-1728B52AA6E4}">
+                <adec:decorative xmlns:adec="http://schemas.microsoft.com/office/drawing/2017/decorative" val="1"/>
+              </a:ext>
+            </a:extLst>
+          </p:cNvPr>
+          <p:cNvSpPr>
+            <a:spLocks noGrp="1" noRot="1" noChangeAspect="1" noMove="1" noResize="1" noEditPoints="1" noAdjustHandles="1" noChangeArrowheads="1" noChangeShapeType="1" noTextEdit="1"/>
+          </p:cNvSpPr>
+          <p:nvPr>
+            <p:extLst>
+              <p:ext uri="{386F3935-93C4-4BCD-93E2-E3B085C9AB24}">
+                <p16:designElem xmlns:p16="http://schemas.microsoft.com/office/powerpoint/2015/main" val="1"/>
+              </p:ext>
+            </p:extLst>
+          </p:nvPr>
+        </p:nvSpPr>
+        <p:spPr>
+          <a:xfrm>
+            <a:off x="15" y="6334316"/>
+            <a:ext cx="12188825" cy="64008"/>
+          </a:xfrm>
+          <a:prstGeom prst="rect">
+            <a:avLst/>
+          </a:prstGeom>
+          <a:solidFill>
+            <a:schemeClr val="accent1"/>
+          </a:solidFill>
+          <a:ln>
+            <a:noFill/>
+          </a:ln>
+        </p:spPr>
+        <p:style>
+          <a:lnRef idx="2">
+            <a:schemeClr val="accent1">
+              <a:shade val="50000"/>
+            </a:schemeClr>
+          </a:lnRef>
+          <a:fillRef idx="1">
+            <a:schemeClr val="accent1"/>
+          </a:fillRef>
+          <a:effectRef idx="0">
+            <a:schemeClr val="accent1"/>
+          </a:effectRef>
+          <a:fontRef idx="minor">
+            <a:schemeClr val="lt1"/>
+          </a:fontRef>
+        </p:style>
+        <p:txBody>
+          <a:bodyPr/>
+          <a:lstStyle/>
+          <a:p>
+            <a:endParaRPr lang="en-US"/>
+          </a:p>
+        </p:txBody>
+      </p:sp>
+      <p:cxnSp>
+        <p:nvCxnSpPr>
+          <p:cNvPr id="13" name="Straight Connector 12">
+            <a:extLst>
+              <a:ext uri="{FF2B5EF4-FFF2-40B4-BE49-F238E27FC236}">
+                <a16:creationId xmlns:a16="http://schemas.microsoft.com/office/drawing/2014/main" id="{3D44BCCA-102D-4A9D-B1E4-2450CAF0B05E}"/>
+              </a:ext>
+              <a:ext uri="{C183D7F6-B498-43B3-948B-1728B52AA6E4}">
+                <adec:decorative xmlns:adec="http://schemas.microsoft.com/office/drawing/2017/decorative" val="1"/>
+              </a:ext>
+            </a:extLst>
+          </p:cNvPr>
+          <p:cNvCxnSpPr>
+            <a:cxnSpLocks noGrp="1" noRot="1" noChangeAspect="1" noMove="1" noResize="1" noEditPoints="1" noAdjustHandles="1" noChangeArrowheads="1" noChangeShapeType="1"/>
+          </p:cNvCxnSpPr>
+          <p:nvPr>
+            <p:extLst>
+              <p:ext uri="{386F3935-93C4-4BCD-93E2-E3B085C9AB24}">
+                <p16:designElem xmlns:p16="http://schemas.microsoft.com/office/powerpoint/2015/main" val="1"/>
+              </p:ext>
+            </p:extLst>
+          </p:nvPr>
+        </p:nvCxnSpPr>
+        <p:spPr>
+          <a:xfrm>
+            <a:off x="1207658" y="4343400"/>
+            <a:ext cx="9875520" cy="0"/>
+          </a:xfrm>
+          <a:prstGeom prst="line">
+            <a:avLst/>
+          </a:prstGeom>
+          <a:ln w="6350">
+            <a:solidFill>
+              <a:schemeClr val="tx1">
+                <a:lumMod val="50000"/>
+                <a:lumOff val="50000"/>
+              </a:schemeClr>
+            </a:solidFill>
+          </a:ln>
+        </p:spPr>
+        <p:style>
+          <a:lnRef idx="1">
+            <a:schemeClr val="accent1"/>
+          </a:lnRef>
+          <a:fillRef idx="0">
+            <a:schemeClr val="accent1"/>
+          </a:fillRef>
+          <a:effectRef idx="0">
+            <a:schemeClr val="accent1"/>
+          </a:effectRef>
+          <a:fontRef idx="minor">
+            <a:schemeClr val="tx1"/>
+          </a:fontRef>
+        </p:style>
+      </p:cxnSp>
+      <p:sp useBgFill="1">
+        <p:nvSpPr>
+          <p:cNvPr id="15" name="Rectangle 14">
+            <a:extLst>
+              <a:ext uri="{FF2B5EF4-FFF2-40B4-BE49-F238E27FC236}">
+                <a16:creationId xmlns:a16="http://schemas.microsoft.com/office/drawing/2014/main" id="{8C6E698C-8155-4B8B-BDC9-B7299772B509}"/>
+              </a:ext>
+              <a:ext uri="{C183D7F6-B498-43B3-948B-1728B52AA6E4}">
+                <adec:decorative xmlns:adec="http://schemas.microsoft.com/office/drawing/2017/decorative" val="1"/>
+              </a:ext>
+            </a:extLst>
+          </p:cNvPr>
+          <p:cNvSpPr>
+            <a:spLocks noGrp="1" noRot="1" noChangeAspect="1" noMove="1" noResize="1" noEditPoints="1" noAdjustHandles="1" noChangeArrowheads="1" noChangeShapeType="1" noTextEdit="1"/>
+          </p:cNvSpPr>
+          <p:nvPr>
+            <p:extLst>
+              <p:ext uri="{386F3935-93C4-4BCD-93E2-E3B085C9AB24}">
+                <p16:designElem xmlns:p16="http://schemas.microsoft.com/office/powerpoint/2015/main" val="1"/>
+              </p:ext>
+            </p:extLst>
+          </p:nvPr>
+        </p:nvSpPr>
+        <p:spPr>
+          <a:xfrm>
+            <a:off x="0" y="0"/>
+            <a:ext cx="12188952" cy="6858000"/>
+          </a:xfrm>
+          <a:prstGeom prst="rect">
+            <a:avLst/>
+          </a:prstGeom>
+          <a:ln>
+            <a:noFill/>
+          </a:ln>
+        </p:spPr>
+        <p:style>
+          <a:lnRef idx="2">
+            <a:schemeClr val="accent1">
+              <a:shade val="50000"/>
+            </a:schemeClr>
+          </a:lnRef>
+          <a:fillRef idx="1">
+            <a:schemeClr val="accent1"/>
+          </a:fillRef>
+          <a:effectRef idx="0">
+            <a:schemeClr val="accent1"/>
+          </a:effectRef>
+          <a:fontRef idx="minor">
+            <a:schemeClr val="lt1"/>
+          </a:fontRef>
+        </p:style>
+        <p:txBody>
+          <a:bodyPr rtlCol="0" anchor="ctr"/>
+          <a:lstStyle/>
+          <a:p>
+            <a:pPr algn="ctr"/>
+            <a:endParaRPr lang="en-US"/>
+          </a:p>
+        </p:txBody>
+      </p:sp>
+      <p:sp>
+        <p:nvSpPr>
+          <p:cNvPr id="2" name="Title 1">
+            <a:extLst>
+              <a:ext uri="{FF2B5EF4-FFF2-40B4-BE49-F238E27FC236}">
+                <a16:creationId xmlns:a16="http://schemas.microsoft.com/office/drawing/2014/main" id="{39E01054-5551-DDF4-5821-72D4554EC7A6}"/>
+              </a:ext>
+            </a:extLst>
+          </p:cNvPr>
+          <p:cNvSpPr>
+            <a:spLocks noGrp="1"/>
+          </p:cNvSpPr>
+          <p:nvPr>
+            <p:ph type="title"/>
+          </p:nvPr>
+        </p:nvSpPr>
+        <p:spPr>
+          <a:xfrm>
+            <a:off x="965201" y="643467"/>
+            <a:ext cx="6255026" cy="5054008"/>
+          </a:xfrm>
+        </p:spPr>
+        <p:txBody>
+          <a:bodyPr vert="horz" lIns="91440" tIns="45720" rIns="91440" bIns="45720" rtlCol="0" anchor="ctr">
+            <a:normAutofit/>
+          </a:bodyPr>
+          <a:lstStyle/>
+          <a:p>
+            <a:pPr algn="r"/>
+            <a:r>
+              <a:rPr lang="en-US" sz="8000">
+                <a:solidFill>
+                  <a:schemeClr val="tx1">
+                    <a:lumMod val="85000"/>
+                    <a:lumOff val="15000"/>
+                  </a:schemeClr>
+                </a:solidFill>
+              </a:rPr>
+              <a:t>Въпроси</a:t>
+            </a:r>
+          </a:p>
+        </p:txBody>
+      </p:sp>
+      <p:cxnSp>
+        <p:nvCxnSpPr>
+          <p:cNvPr id="17" name="Straight Connector 16">
+            <a:extLst>
+              <a:ext uri="{FF2B5EF4-FFF2-40B4-BE49-F238E27FC236}">
+                <a16:creationId xmlns:a16="http://schemas.microsoft.com/office/drawing/2014/main" id="{09525C9A-1972-4836-BA7A-706C946EF4DA}"/>
+              </a:ext>
+              <a:ext uri="{C183D7F6-B498-43B3-948B-1728B52AA6E4}">
+                <adec:decorative xmlns:adec="http://schemas.microsoft.com/office/drawing/2017/decorative" val="1"/>
+              </a:ext>
+            </a:extLst>
+          </p:cNvPr>
+          <p:cNvCxnSpPr>
+            <a:cxnSpLocks noGrp="1" noRot="1" noChangeAspect="1" noMove="1" noResize="1" noEditPoints="1" noAdjustHandles="1" noChangeArrowheads="1" noChangeShapeType="1"/>
+          </p:cNvCxnSpPr>
+          <p:nvPr>
+            <p:extLst>
+              <p:ext uri="{386F3935-93C4-4BCD-93E2-E3B085C9AB24}">
+                <p16:designElem xmlns:p16="http://schemas.microsoft.com/office/powerpoint/2015/main" val="1"/>
+              </p:ext>
+            </p:extLst>
+          </p:nvPr>
+        </p:nvCxnSpPr>
+        <p:spPr>
+          <a:xfrm>
+            <a:off x="7534656" y="1391367"/>
+            <a:ext cx="0" cy="3558208"/>
+          </a:xfrm>
+          <a:prstGeom prst="line">
+            <a:avLst/>
+          </a:prstGeom>
+          <a:ln>
+            <a:solidFill>
+              <a:schemeClr val="tx2"/>
+            </a:solidFill>
+          </a:ln>
+        </p:spPr>
+        <p:style>
+          <a:lnRef idx="1">
+            <a:schemeClr val="accent1"/>
+          </a:lnRef>
+          <a:fillRef idx="0">
+            <a:schemeClr val="accent1"/>
+          </a:fillRef>
+          <a:effectRef idx="0">
+            <a:schemeClr val="accent1"/>
+          </a:effectRef>
+          <a:fontRef idx="minor">
+            <a:schemeClr val="tx1"/>
+          </a:fontRef>
+        </p:style>
+      </p:cxnSp>
+      <p:sp>
+        <p:nvSpPr>
+          <p:cNvPr id="19" name="Rectangle 18">
+            <a:extLst>
+              <a:ext uri="{FF2B5EF4-FFF2-40B4-BE49-F238E27FC236}">
+                <a16:creationId xmlns:a16="http://schemas.microsoft.com/office/drawing/2014/main" id="{8A549DE7-671D-4575-AF43-858FD99981CF}"/>
+              </a:ext>
+              <a:ext uri="{C183D7F6-B498-43B3-948B-1728B52AA6E4}">
+                <adec:decorative xmlns:adec="http://schemas.microsoft.com/office/drawing/2017/decorative" val="1"/>
+              </a:ext>
+            </a:extLst>
+          </p:cNvPr>
+          <p:cNvSpPr>
+            <a:spLocks noGrp="1" noRot="1" noChangeAspect="1" noMove="1" noResize="1" noEditPoints="1" noAdjustHandles="1" noChangeArrowheads="1" noChangeShapeType="1" noTextEdit="1"/>
+          </p:cNvSpPr>
+          <p:nvPr>
+            <p:extLst>
+              <p:ext uri="{386F3935-93C4-4BCD-93E2-E3B085C9AB24}">
+                <p16:designElem xmlns:p16="http://schemas.microsoft.com/office/powerpoint/2015/main" val="1"/>
+              </p:ext>
+            </p:extLst>
+          </p:nvPr>
+        </p:nvSpPr>
+        <p:spPr>
+          <a:xfrm>
+            <a:off x="3175" y="6400800"/>
+            <a:ext cx="12188825" cy="457200"/>
+          </a:xfrm>
+          <a:prstGeom prst="rect">
+            <a:avLst/>
+          </a:prstGeom>
+          <a:solidFill>
+            <a:schemeClr val="accent2"/>
+          </a:solidFill>
+          <a:ln>
+            <a:noFill/>
+          </a:ln>
+        </p:spPr>
+        <p:style>
+          <a:lnRef idx="2">
+            <a:schemeClr val="accent1">
+              <a:shade val="50000"/>
+            </a:schemeClr>
+          </a:lnRef>
+          <a:fillRef idx="1">
+            <a:schemeClr val="accent1"/>
+          </a:fillRef>
+          <a:effectRef idx="0">
+            <a:schemeClr val="accent1"/>
+          </a:effectRef>
+          <a:fontRef idx="minor">
+            <a:schemeClr val="lt1"/>
+          </a:fontRef>
+        </p:style>
+        <p:txBody>
+          <a:bodyPr/>
+          <a:lstStyle/>
+          <a:p>
+            <a:endParaRPr lang="en-US"/>
+          </a:p>
+        </p:txBody>
+      </p:sp>
+      <p:sp>
+        <p:nvSpPr>
+          <p:cNvPr id="21" name="Rectangle 20">
+            <a:extLst>
+              <a:ext uri="{FF2B5EF4-FFF2-40B4-BE49-F238E27FC236}">
+                <a16:creationId xmlns:a16="http://schemas.microsoft.com/office/drawing/2014/main" id="{C22D9B36-9BE7-472B-8808-7E0D6810738F}"/>
+              </a:ext>
+              <a:ext uri="{C183D7F6-B498-43B3-948B-1728B52AA6E4}">
+                <adec:decorative xmlns:adec="http://schemas.microsoft.com/office/drawing/2017/decorative" val="1"/>
+              </a:ext>
+            </a:extLst>
+          </p:cNvPr>
+          <p:cNvSpPr>
+            <a:spLocks noGrp="1" noRot="1" noChangeAspect="1" noMove="1" noResize="1" noEditPoints="1" noAdjustHandles="1" noChangeArrowheads="1" noChangeShapeType="1" noTextEdit="1"/>
+          </p:cNvSpPr>
+          <p:nvPr>
+            <p:extLst>
+              <p:ext uri="{386F3935-93C4-4BCD-93E2-E3B085C9AB24}">
+                <p16:designElem xmlns:p16="http://schemas.microsoft.com/office/powerpoint/2015/main" val="1"/>
+              </p:ext>
+            </p:extLst>
+          </p:nvPr>
+        </p:nvSpPr>
+        <p:spPr>
+          <a:xfrm>
+            <a:off x="15" y="6340942"/>
+            <a:ext cx="12188825" cy="64008"/>
+          </a:xfrm>
+          <a:prstGeom prst="rect">
+            <a:avLst/>
+          </a:prstGeom>
+          <a:solidFill>
+            <a:schemeClr val="accent1"/>
+          </a:solidFill>
+          <a:ln>
+            <a:noFill/>
+          </a:ln>
+        </p:spPr>
+        <p:style>
+          <a:lnRef idx="2">
+            <a:schemeClr val="accent1">
+              <a:shade val="50000"/>
+            </a:schemeClr>
+          </a:lnRef>
+          <a:fillRef idx="1">
+            <a:schemeClr val="accent1"/>
+          </a:fillRef>
+          <a:effectRef idx="0">
+            <a:schemeClr val="accent1"/>
+          </a:effectRef>
+          <a:fontRef idx="minor">
+            <a:schemeClr val="lt1"/>
+          </a:fontRef>
+        </p:style>
+        <p:txBody>
+          <a:bodyPr/>
+          <a:lstStyle/>
+          <a:p>
+            <a:endParaRPr lang="en-US"/>
+          </a:p>
+        </p:txBody>
+      </p:sp>
+      <p:sp>
+        <p:nvSpPr>
+          <p:cNvPr id="4" name="Slide Number Placeholder 3">
+            <a:extLst>
+              <a:ext uri="{FF2B5EF4-FFF2-40B4-BE49-F238E27FC236}">
+                <a16:creationId xmlns:a16="http://schemas.microsoft.com/office/drawing/2014/main" id="{21BEB932-1CAA-720E-B3D8-F225313C4411}"/>
+              </a:ext>
+            </a:extLst>
+          </p:cNvPr>
+          <p:cNvSpPr>
+            <a:spLocks noGrp="1"/>
+          </p:cNvSpPr>
+          <p:nvPr>
+            <p:ph type="sldNum" sz="quarter" idx="12"/>
+          </p:nvPr>
+        </p:nvSpPr>
+        <p:spPr>
+          <a:xfrm>
+            <a:off x="9900458" y="6459785"/>
+            <a:ext cx="1312025" cy="365125"/>
+          </a:xfrm>
+        </p:spPr>
+        <p:txBody>
+          <a:bodyPr vert="horz" lIns="91440" tIns="45720" rIns="91440" bIns="45720" rtlCol="0" anchor="ctr">
+            <a:normAutofit/>
+          </a:bodyPr>
+          <a:lstStyle/>
+          <a:p>
+            <a:pPr>
+              <a:spcAft>
+                <a:spcPts val="600"/>
+              </a:spcAft>
+            </a:pPr>
+            <a:fld id="{CC86CFE5-B55F-4DC4-8B9A-FA1BB0EB58C9}" type="slidenum">
+              <a:rPr lang="en-US" smtClean="0"/>
+              <a:pPr>
+                <a:spcAft>
+                  <a:spcPts val="600"/>
+                </a:spcAft>
+              </a:pPr>
+              <a:t>7</a:t>
+            </a:fld>
+            <a:endParaRPr lang="en-US"/>
+          </a:p>
+        </p:txBody>
+      </p:sp>
+    </p:spTree>
+    <p:extLst>
+      <p:ext uri="{BB962C8B-B14F-4D97-AF65-F5344CB8AC3E}">
+        <p14:creationId xmlns:p14="http://schemas.microsoft.com/office/powerpoint/2010/main" val="950958064"/>
+      </p:ext>
+    </p:extLst>
+  </p:cSld>
+  <p:clrMapOvr>
+    <a:masterClrMapping/>
+  </p:clrMapOvr>
+</p:sld>
+</file>
+
+<file path=ppt/slides/slide8.xml><?xml version="1.0" encoding="utf-8"?>
 <p:sld xmlns:a="http://schemas.openxmlformats.org/drawingml/2006/main" xmlns:r="http://schemas.openxmlformats.org/officeDocument/2006/relationships" xmlns:p="http://schemas.openxmlformats.org/presentationml/2006/main">
   <p:cSld>
     <p:bg>
@@ -7201,7 +10480,7 @@
           <a:p>
             <a:fld id="{CC86CFE5-B55F-4DC4-8B9A-FA1BB0EB58C9}" type="slidenum">
               <a:rPr lang="en-US" smtClean="0"/>
-              <a:t>7</a:t>
+              <a:t>8</a:t>
             </a:fld>
             <a:endParaRPr lang="en-US"/>
           </a:p>

--- a/Система за автоматизирано управление на паркинг.pptx
+++ b/Система за автоматизирано управление на паркинг.pptx
@@ -5,7 +5,7 @@
     <p:sldMasterId id="2147483660" r:id="rId1"/>
   </p:sldMasterIdLst>
   <p:notesMasterIdLst>
-    <p:notesMasterId r:id="rId10"/>
+    <p:notesMasterId r:id="rId11"/>
   </p:notesMasterIdLst>
   <p:sldIdLst>
     <p:sldId id="256" r:id="rId2"/>
@@ -13,9 +13,10 @@
     <p:sldId id="257" r:id="rId4"/>
     <p:sldId id="261" r:id="rId5"/>
     <p:sldId id="263" r:id="rId6"/>
-    <p:sldId id="264" r:id="rId7"/>
-    <p:sldId id="267" r:id="rId8"/>
-    <p:sldId id="265" r:id="rId9"/>
+    <p:sldId id="268" r:id="rId7"/>
+    <p:sldId id="264" r:id="rId8"/>
+    <p:sldId id="267" r:id="rId9"/>
+    <p:sldId id="265" r:id="rId10"/>
   </p:sldIdLst>
   <p:sldSz cx="12192000" cy="6858000"/>
   <p:notesSz cx="6858000" cy="9144000"/>
@@ -2759,7 +2760,7 @@
           <a:p>
             <a:fld id="{47843A0D-60F1-4036-85C5-689C59058F05}" type="datetimeFigureOut">
               <a:rPr lang="en-US" smtClean="0"/>
-              <a:t>7/2/2024</a:t>
+              <a:t>7/4/2024</a:t>
             </a:fld>
             <a:endParaRPr lang="en-US"/>
           </a:p>
@@ -3252,7 +3253,7 @@
           <a:p>
             <a:fld id="{8639C667-67FE-4F2D-8284-68B01BDD5D9E}" type="datetime1">
               <a:rPr lang="en-US" smtClean="0"/>
-              <a:t>7/2/2024</a:t>
+              <a:t>7/4/2024</a:t>
             </a:fld>
             <a:endParaRPr lang="en-US"/>
           </a:p>
@@ -3460,7 +3461,7 @@
           <a:p>
             <a:fld id="{ADF73BE5-FD60-49E1-97CF-AD0B4078A7AF}" type="datetime1">
               <a:rPr lang="en-US" smtClean="0"/>
-              <a:t>7/2/2024</a:t>
+              <a:t>7/4/2024</a:t>
             </a:fld>
             <a:endParaRPr lang="en-US"/>
           </a:p>
@@ -3716,7 +3717,7 @@
           <a:p>
             <a:fld id="{9EC75DFA-6D19-45C4-BD94-FC5DA3CC531C}" type="datetime1">
               <a:rPr lang="en-US" smtClean="0"/>
-              <a:t>7/2/2024</a:t>
+              <a:t>7/4/2024</a:t>
             </a:fld>
             <a:endParaRPr lang="en-US"/>
           </a:p>
@@ -3890,7 +3891,7 @@
           <a:p>
             <a:fld id="{C48C6A3E-D5BA-4A51-B949-21422135B2B7}" type="datetime1">
               <a:rPr lang="en-US" smtClean="0"/>
-              <a:t>7/2/2024</a:t>
+              <a:t>7/4/2024</a:t>
             </a:fld>
             <a:endParaRPr lang="en-US"/>
           </a:p>
@@ -4233,7 +4234,7 @@
           <a:p>
             <a:fld id="{177DCF52-2218-4760-8DB0-F2BED647F792}" type="datetime1">
               <a:rPr lang="en-US" smtClean="0"/>
-              <a:t>7/2/2024</a:t>
+              <a:t>7/4/2024</a:t>
             </a:fld>
             <a:endParaRPr lang="en-US"/>
           </a:p>
@@ -4508,7 +4509,7 @@
           <a:p>
             <a:fld id="{6598B1A1-3FC4-4E3C-BDF2-2DF30F1C3D70}" type="datetime1">
               <a:rPr lang="en-US" smtClean="0"/>
-              <a:t>7/2/2024</a:t>
+              <a:t>7/4/2024</a:t>
             </a:fld>
             <a:endParaRPr lang="en-US"/>
           </a:p>
@@ -4887,7 +4888,7 @@
           <a:p>
             <a:fld id="{538E56E0-91F1-46C9-BD73-D88E2754E173}" type="datetime1">
               <a:rPr lang="en-US" smtClean="0"/>
-              <a:t>7/2/2024</a:t>
+              <a:t>7/4/2024</a:t>
             </a:fld>
             <a:endParaRPr lang="en-US"/>
           </a:p>
@@ -5005,7 +5006,7 @@
           <a:p>
             <a:fld id="{33AE8F9C-8E1B-4B42-9803-48BD75BFBBFA}" type="datetime1">
               <a:rPr lang="en-US" smtClean="0"/>
-              <a:t>7/2/2024</a:t>
+              <a:t>7/4/2024</a:t>
             </a:fld>
             <a:endParaRPr lang="en-US"/>
           </a:p>
@@ -5176,7 +5177,7 @@
           <a:p>
             <a:fld id="{402BE525-5DB5-4E5E-BEA3-8142BF04B3F8}" type="datetime1">
               <a:rPr lang="en-US" smtClean="0"/>
-              <a:t>7/2/2024</a:t>
+              <a:t>7/4/2024</a:t>
             </a:fld>
             <a:endParaRPr lang="en-US"/>
           </a:p>
@@ -5530,7 +5531,7 @@
           <a:p>
             <a:fld id="{BC682126-640A-46E7-A35A-62CBC24B5ED2}" type="datetime1">
               <a:rPr lang="en-US" smtClean="0"/>
-              <a:t>7/2/2024</a:t>
+              <a:t>7/4/2024</a:t>
             </a:fld>
             <a:endParaRPr lang="en-US"/>
           </a:p>
@@ -5912,7 +5913,7 @@
           <a:p>
             <a:fld id="{D1B64DD5-D500-49A4-A186-06D097C2AE99}" type="datetime1">
               <a:rPr lang="en-US" smtClean="0"/>
-              <a:t>7/2/2024</a:t>
+              <a:t>7/4/2024</a:t>
             </a:fld>
             <a:endParaRPr lang="en-US"/>
           </a:p>
@@ -6199,7 +6200,7 @@
           <a:p>
             <a:fld id="{A07AF16E-6344-45CC-9F48-6BC68DCF463F}" type="datetime1">
               <a:rPr lang="en-US" smtClean="0"/>
-              <a:t>7/2/2024</a:t>
+              <a:t>7/4/2024</a:t>
             </a:fld>
             <a:endParaRPr lang="en-US"/>
           </a:p>
@@ -8923,10 +8924,10 @@
       </p:grpSpPr>
       <p:sp>
         <p:nvSpPr>
-          <p:cNvPr id="40" name="Rectangle 39">
+          <p:cNvPr id="13" name="Rectangle 12">
             <a:extLst>
               <a:ext uri="{FF2B5EF4-FFF2-40B4-BE49-F238E27FC236}">
-                <a16:creationId xmlns:a16="http://schemas.microsoft.com/office/drawing/2014/main" id="{25C8D2C1-DA83-420D-9635-D52CE066B5DA}"/>
+                <a16:creationId xmlns:a16="http://schemas.microsoft.com/office/drawing/2014/main" id="{BB2B8762-61F0-4F1B-9364-D633EE9D6AF5}"/>
               </a:ext>
               <a:ext uri="{C183D7F6-B498-43B3-948B-1728B52AA6E4}">
                 <adec:decorative xmlns:adec="http://schemas.microsoft.com/office/drawing/2017/decorative" val="1"/>
@@ -8985,10 +8986,10 @@
       </p:sp>
       <p:sp>
         <p:nvSpPr>
-          <p:cNvPr id="42" name="Rectangle 41">
+          <p:cNvPr id="15" name="Rectangle 14">
             <a:extLst>
               <a:ext uri="{FF2B5EF4-FFF2-40B4-BE49-F238E27FC236}">
-                <a16:creationId xmlns:a16="http://schemas.microsoft.com/office/drawing/2014/main" id="{434F74C9-6A0B-409E-AD1C-45B58BE91BB8}"/>
+                <a16:creationId xmlns:a16="http://schemas.microsoft.com/office/drawing/2014/main" id="{E97675C8-1328-460C-9EBF-6B446B67EAD3}"/>
               </a:ext>
               <a:ext uri="{C183D7F6-B498-43B3-948B-1728B52AA6E4}">
                 <adec:decorative xmlns:adec="http://schemas.microsoft.com/office/drawing/2017/decorative" val="1"/>
@@ -9047,10 +9048,10 @@
       </p:sp>
       <p:cxnSp>
         <p:nvCxnSpPr>
-          <p:cNvPr id="44" name="Straight Connector 43">
+          <p:cNvPr id="17" name="Straight Connector 16">
             <a:extLst>
               <a:ext uri="{FF2B5EF4-FFF2-40B4-BE49-F238E27FC236}">
-                <a16:creationId xmlns:a16="http://schemas.microsoft.com/office/drawing/2014/main" id="{F5486A9D-1265-4B57-91E6-68E666B978BC}"/>
+                <a16:creationId xmlns:a16="http://schemas.microsoft.com/office/drawing/2014/main" id="{514EE78B-AF71-4195-A01B-F1165D9233BF}"/>
               </a:ext>
               <a:ext uri="{C183D7F6-B498-43B3-948B-1728B52AA6E4}">
                 <adec:decorative xmlns:adec="http://schemas.microsoft.com/office/drawing/2017/decorative" val="1"/>
@@ -9100,109 +9101,21 @@
           </a:fontRef>
         </p:style>
       </p:cxnSp>
-      <p:pic>
-        <p:nvPicPr>
-          <p:cNvPr id="36" name="Picture 35" descr="Рулоны чертежей">
+      <p:sp useBgFill="1">
+        <p:nvSpPr>
+          <p:cNvPr id="19" name="Rectangle 18">
             <a:extLst>
               <a:ext uri="{FF2B5EF4-FFF2-40B4-BE49-F238E27FC236}">
-                <a16:creationId xmlns:a16="http://schemas.microsoft.com/office/drawing/2014/main" id="{E1AABC5F-4792-0C63-1574-2C12FB94EE48}"/>
+                <a16:creationId xmlns:a16="http://schemas.microsoft.com/office/drawing/2014/main" id="{2AD83CFE-1CA3-4832-A4B9-C48CD1347C03}"/>
+              </a:ext>
+              <a:ext uri="{C183D7F6-B498-43B3-948B-1728B52AA6E4}">
+                <adec:decorative xmlns:adec="http://schemas.microsoft.com/office/drawing/2017/decorative" val="1"/>
               </a:ext>
             </a:extLst>
           </p:cNvPr>
-          <p:cNvPicPr>
-            <a:picLocks noChangeAspect="1"/>
-          </p:cNvPicPr>
-          <p:nvPr/>
-        </p:nvPicPr>
-        <p:blipFill rotWithShape="1">
-          <a:blip r:embed="rId2">
-            <a:duotone>
-              <a:schemeClr val="bg2">
-                <a:shade val="45000"/>
-                <a:satMod val="135000"/>
-              </a:schemeClr>
-              <a:prstClr val="white"/>
-            </a:duotone>
-            <a:alphaModFix amt="35000"/>
-          </a:blip>
-          <a:srcRect t="1299" b="14431"/>
-          <a:stretch/>
-        </p:blipFill>
-        <p:spPr>
-          <a:xfrm>
-            <a:off x="20" y="10"/>
-            <a:ext cx="12191980" cy="6857990"/>
-          </a:xfrm>
-          <a:prstGeom prst="rect">
-            <a:avLst/>
-          </a:prstGeom>
-        </p:spPr>
-      </p:pic>
-      <p:sp>
-        <p:nvSpPr>
-          <p:cNvPr id="2" name="Title 1">
-            <a:extLst>
-              <a:ext uri="{FF2B5EF4-FFF2-40B4-BE49-F238E27FC236}">
-                <a16:creationId xmlns:a16="http://schemas.microsoft.com/office/drawing/2014/main" id="{1E243CBC-0378-1276-F10A-AA89CB0E289A}"/>
-              </a:ext>
-            </a:extLst>
-          </p:cNvPr>
-          <p:cNvSpPr>
-            <a:spLocks noGrp="1"/>
-          </p:cNvSpPr>
-          <p:nvPr>
-            <p:ph type="title"/>
-          </p:nvPr>
-        </p:nvSpPr>
-        <p:spPr>
-          <a:xfrm>
-            <a:off x="1097280" y="758952"/>
-            <a:ext cx="10058400" cy="3566160"/>
-          </a:xfrm>
-        </p:spPr>
-        <p:txBody>
-          <a:bodyPr vert="horz" lIns="91440" tIns="45720" rIns="91440" bIns="45720" rtlCol="0" anchor="b">
-            <a:normAutofit/>
-          </a:bodyPr>
-          <a:lstStyle/>
-          <a:p>
-            <a:r>
-              <a:rPr lang="en-US" sz="8000" dirty="0" err="1">
-                <a:solidFill>
-                  <a:schemeClr val="tx1">
-                    <a:lumMod val="85000"/>
-                    <a:lumOff val="15000"/>
-                  </a:schemeClr>
-                </a:solidFill>
-              </a:rPr>
-              <a:t>Демонстрация</a:t>
-            </a:r>
-            <a:endParaRPr lang="en-US" sz="8000" dirty="0">
-              <a:solidFill>
-                <a:schemeClr val="tx1">
-                  <a:lumMod val="85000"/>
-                  <a:lumOff val="15000"/>
-                </a:schemeClr>
-              </a:solidFill>
-            </a:endParaRPr>
-          </a:p>
-        </p:txBody>
-      </p:sp>
-      <p:cxnSp>
-        <p:nvCxnSpPr>
-          <p:cNvPr id="46" name="Straight Connector 45">
-            <a:extLst>
-              <a:ext uri="{FF2B5EF4-FFF2-40B4-BE49-F238E27FC236}">
-                <a16:creationId xmlns:a16="http://schemas.microsoft.com/office/drawing/2014/main" id="{77AB95BF-57D0-4E49-9EF2-408B47C8D40D}"/>
-              </a:ext>
-              <a:ext uri="{C183D7F6-B498-43B3-948B-1728B52AA6E4}">
-                <adec:decorative xmlns:adec="http://schemas.microsoft.com/office/drawing/2017/decorative" val="1"/>
-              </a:ext>
-            </a:extLst>
-          </p:cNvPr>
-          <p:cNvCxnSpPr>
-            <a:cxnSpLocks noGrp="1" noRot="1" noChangeAspect="1" noMove="1" noResize="1" noEditPoints="1" noAdjustHandles="1" noChangeArrowheads="1" noChangeShapeType="1"/>
-          </p:cNvCxnSpPr>
+          <p:cNvSpPr>
+            <a:spLocks noGrp="1" noRot="1" noChangeAspect="1" noMove="1" noResize="1" noEditPoints="1" noAdjustHandles="1" noChangeArrowheads="1" noChangeShapeType="1" noTextEdit="1"/>
+          </p:cNvSpPr>
           <p:nvPr>
             <p:extLst>
               <p:ext uri="{386F3935-93C4-4BCD-93E2-E3B085C9AB24}">
@@ -9210,72 +9123,15 @@
               </p:ext>
             </p:extLst>
           </p:nvPr>
-        </p:nvCxnSpPr>
+        </p:nvSpPr>
         <p:spPr>
           <a:xfrm>
-            <a:off x="1207658" y="4343400"/>
-            <a:ext cx="9875520" cy="0"/>
-          </a:xfrm>
-          <a:prstGeom prst="line">
-            <a:avLst/>
-          </a:prstGeom>
-          <a:ln w="6350">
-            <a:solidFill>
-              <a:schemeClr val="tx2">
-                <a:alpha val="90000"/>
-              </a:schemeClr>
-            </a:solidFill>
-          </a:ln>
-        </p:spPr>
-        <p:style>
-          <a:lnRef idx="1">
-            <a:schemeClr val="accent1"/>
-          </a:lnRef>
-          <a:fillRef idx="0">
-            <a:schemeClr val="accent1"/>
-          </a:fillRef>
-          <a:effectRef idx="0">
-            <a:schemeClr val="accent1"/>
-          </a:effectRef>
-          <a:fontRef idx="minor">
-            <a:schemeClr val="tx1"/>
-          </a:fontRef>
-        </p:style>
-      </p:cxnSp>
-      <p:sp>
-        <p:nvSpPr>
-          <p:cNvPr id="48" name="Rectangle 47">
-            <a:extLst>
-              <a:ext uri="{FF2B5EF4-FFF2-40B4-BE49-F238E27FC236}">
-                <a16:creationId xmlns:a16="http://schemas.microsoft.com/office/drawing/2014/main" id="{1C520CBD-F82E-44E4-BDA5-128716AD79C8}"/>
-              </a:ext>
-              <a:ext uri="{C183D7F6-B498-43B3-948B-1728B52AA6E4}">
-                <adec:decorative xmlns:adec="http://schemas.microsoft.com/office/drawing/2017/decorative" val="1"/>
-              </a:ext>
-            </a:extLst>
-          </p:cNvPr>
-          <p:cNvSpPr>
-            <a:spLocks noGrp="1" noRot="1" noChangeAspect="1" noMove="1" noResize="1" noEditPoints="1" noAdjustHandles="1" noChangeArrowheads="1" noChangeShapeType="1" noTextEdit="1"/>
-          </p:cNvSpPr>
-          <p:nvPr>
-            <p:extLst>
-              <p:ext uri="{386F3935-93C4-4BCD-93E2-E3B085C9AB24}">
-                <p16:designElem xmlns:p16="http://schemas.microsoft.com/office/powerpoint/2015/main" val="1"/>
-              </p:ext>
-            </p:extLst>
-          </p:nvPr>
-        </p:nvSpPr>
-        <p:spPr>
-          <a:xfrm>
-            <a:off x="15" y="6334316"/>
-            <a:ext cx="12191985" cy="66484"/>
+            <a:off x="0" y="0"/>
+            <a:ext cx="12190459" cy="6858000"/>
           </a:xfrm>
           <a:prstGeom prst="rect">
             <a:avLst/>
           </a:prstGeom>
-          <a:solidFill>
-            <a:schemeClr val="accent1"/>
-          </a:solidFill>
           <a:ln>
             <a:noFill/>
           </a:ln>
@@ -9297,19 +9153,20 @@
           </a:fontRef>
         </p:style>
         <p:txBody>
-          <a:bodyPr/>
+          <a:bodyPr rtlCol="0" anchor="ctr"/>
           <a:lstStyle/>
           <a:p>
+            <a:pPr algn="ctr"/>
             <a:endParaRPr lang="en-US"/>
           </a:p>
         </p:txBody>
       </p:sp>
       <p:sp>
         <p:nvSpPr>
-          <p:cNvPr id="50" name="Rectangle 49">
+          <p:cNvPr id="21" name="Rectangle 20">
             <a:extLst>
               <a:ext uri="{FF2B5EF4-FFF2-40B4-BE49-F238E27FC236}">
-                <a16:creationId xmlns:a16="http://schemas.microsoft.com/office/drawing/2014/main" id="{4618AE32-A526-42FC-A854-732740BD38DA}"/>
+                <a16:creationId xmlns:a16="http://schemas.microsoft.com/office/drawing/2014/main" id="{BC98641C-7F74-435D-996F-A4387A3C3C26}"/>
               </a:ext>
               <a:ext uri="{C183D7F6-B498-43B3-948B-1728B52AA6E4}">
                 <adec:decorative xmlns:adec="http://schemas.microsoft.com/office/drawing/2017/decorative" val="1"/>
@@ -9327,10 +9184,10 @@
             </p:extLst>
           </p:nvPr>
         </p:nvSpPr>
-        <p:spPr>
-          <a:xfrm>
-            <a:off x="1" y="6400800"/>
-            <a:ext cx="12192000" cy="457200"/>
+        <p:spPr bwMode="white">
+          <a:xfrm>
+            <a:off x="1507" y="4953000"/>
+            <a:ext cx="12188952" cy="1905000"/>
           </a:xfrm>
           <a:prstGeom prst="rect">
             <a:avLst/>
@@ -9368,10 +9225,245 @@
       </p:sp>
       <p:sp>
         <p:nvSpPr>
+          <p:cNvPr id="2" name="Title 1">
+            <a:extLst>
+              <a:ext uri="{FF2B5EF4-FFF2-40B4-BE49-F238E27FC236}">
+                <a16:creationId xmlns:a16="http://schemas.microsoft.com/office/drawing/2014/main" id="{8CC0C848-14EF-497D-593D-5B165EFAB29E}"/>
+              </a:ext>
+            </a:extLst>
+          </p:cNvPr>
+          <p:cNvSpPr>
+            <a:spLocks noGrp="1"/>
+          </p:cNvSpPr>
+          <p:nvPr>
+            <p:ph type="title"/>
+          </p:nvPr>
+        </p:nvSpPr>
+        <p:spPr>
+          <a:xfrm>
+            <a:off x="1065197" y="5120640"/>
+            <a:ext cx="10058400" cy="822960"/>
+          </a:xfrm>
+        </p:spPr>
+        <p:txBody>
+          <a:bodyPr vert="horz" lIns="91440" tIns="45720" rIns="91440" bIns="45720" rtlCol="0" anchor="b">
+            <a:normAutofit/>
+          </a:bodyPr>
+          <a:lstStyle/>
+          <a:p>
+            <a:r>
+              <a:rPr lang="en-US" sz="3600">
+                <a:solidFill>
+                  <a:srgbClr val="FFFFFF"/>
+                </a:solidFill>
+              </a:rPr>
+              <a:t>Информация за модела</a:t>
+            </a:r>
+          </a:p>
+        </p:txBody>
+      </p:sp>
+      <p:pic>
+        <p:nvPicPr>
+          <p:cNvPr id="8" name="Picture 7" descr="A graph showing the difference between the average and the average&#10;&#10;Description automatically generated">
+            <a:extLst>
+              <a:ext uri="{FF2B5EF4-FFF2-40B4-BE49-F238E27FC236}">
+                <a16:creationId xmlns:a16="http://schemas.microsoft.com/office/drawing/2014/main" id="{2B06FF9E-E458-D3F9-6C95-CFB8E0183BB5}"/>
+              </a:ext>
+            </a:extLst>
+          </p:cNvPr>
+          <p:cNvPicPr>
+            <a:picLocks noChangeAspect="1"/>
+          </p:cNvPicPr>
+          <p:nvPr/>
+        </p:nvPicPr>
+        <p:blipFill>
+          <a:blip r:embed="rId2">
+            <a:extLst>
+              <a:ext uri="{28A0092B-C50C-407E-A947-70E740481C1C}">
+                <a14:useLocalDpi xmlns:a14="http://schemas.microsoft.com/office/drawing/2010/main" val="0"/>
+              </a:ext>
+            </a:extLst>
+          </a:blip>
+          <a:stretch>
+            <a:fillRect/>
+          </a:stretch>
+        </p:blipFill>
+        <p:spPr>
+          <a:xfrm>
+            <a:off x="237791" y="283659"/>
+            <a:ext cx="5856606" cy="3909285"/>
+          </a:xfrm>
+          <a:prstGeom prst="rect">
+            <a:avLst/>
+          </a:prstGeom>
+        </p:spPr>
+      </p:pic>
+      <p:sp>
+        <p:nvSpPr>
+          <p:cNvPr id="23" name="Rectangle 22">
+            <a:extLst>
+              <a:ext uri="{FF2B5EF4-FFF2-40B4-BE49-F238E27FC236}">
+                <a16:creationId xmlns:a16="http://schemas.microsoft.com/office/drawing/2014/main" id="{F530C0F6-C8DF-4539-B30C-8105DB618C20}"/>
+              </a:ext>
+              <a:ext uri="{C183D7F6-B498-43B3-948B-1728B52AA6E4}">
+                <adec:decorative xmlns:adec="http://schemas.microsoft.com/office/drawing/2017/decorative" val="1"/>
+              </a:ext>
+            </a:extLst>
+          </p:cNvPr>
+          <p:cNvSpPr>
+            <a:spLocks noGrp="1" noRot="1" noChangeAspect="1" noMove="1" noResize="1" noEditPoints="1" noAdjustHandles="1" noChangeArrowheads="1" noChangeShapeType="1" noTextEdit="1"/>
+          </p:cNvSpPr>
+          <p:nvPr>
+            <p:extLst>
+              <p:ext uri="{386F3935-93C4-4BCD-93E2-E3B085C9AB24}">
+                <p16:designElem xmlns:p16="http://schemas.microsoft.com/office/powerpoint/2015/main" val="1"/>
+              </p:ext>
+            </p:extLst>
+          </p:nvPr>
+        </p:nvSpPr>
+        <p:spPr>
+          <a:xfrm>
+            <a:off x="6063996" y="886968"/>
+            <a:ext cx="64008" cy="3108960"/>
+          </a:xfrm>
+          <a:prstGeom prst="rect">
+            <a:avLst/>
+          </a:prstGeom>
+          <a:ln>
+            <a:noFill/>
+          </a:ln>
+        </p:spPr>
+        <p:style>
+          <a:lnRef idx="2">
+            <a:schemeClr val="accent1">
+              <a:shade val="50000"/>
+            </a:schemeClr>
+          </a:lnRef>
+          <a:fillRef idx="1">
+            <a:schemeClr val="accent1"/>
+          </a:fillRef>
+          <a:effectRef idx="0">
+            <a:schemeClr val="accent1"/>
+          </a:effectRef>
+          <a:fontRef idx="minor">
+            <a:schemeClr val="lt1"/>
+          </a:fontRef>
+        </p:style>
+        <p:txBody>
+          <a:bodyPr rtlCol="0" anchor="ctr"/>
+          <a:lstStyle/>
+          <a:p>
+            <a:pPr algn="ctr"/>
+            <a:endParaRPr lang="en-US"/>
+          </a:p>
+        </p:txBody>
+      </p:sp>
+      <p:pic>
+        <p:nvPicPr>
+          <p:cNvPr id="6" name="Content Placeholder 5" descr="A screenshot of a computer screen&#10;&#10;Description automatically generated">
+            <a:extLst>
+              <a:ext uri="{FF2B5EF4-FFF2-40B4-BE49-F238E27FC236}">
+                <a16:creationId xmlns:a16="http://schemas.microsoft.com/office/drawing/2014/main" id="{AE7529B3-7323-0E57-5248-F3662F09DBEB}"/>
+              </a:ext>
+            </a:extLst>
+          </p:cNvPr>
+          <p:cNvPicPr>
+            <a:picLocks noGrp="1" noChangeAspect="1"/>
+          </p:cNvPicPr>
+          <p:nvPr>
+            <p:ph idx="1"/>
+          </p:nvPr>
+        </p:nvPicPr>
+        <p:blipFill>
+          <a:blip r:embed="rId3">
+            <a:extLst>
+              <a:ext uri="{28A0092B-C50C-407E-A947-70E740481C1C}">
+                <a14:useLocalDpi xmlns:a14="http://schemas.microsoft.com/office/drawing/2010/main" val="0"/>
+              </a:ext>
+            </a:extLst>
+          </a:blip>
+          <a:stretch>
+            <a:fillRect/>
+          </a:stretch>
+        </p:blipFill>
+        <p:spPr>
+          <a:xfrm>
+            <a:off x="6259808" y="324122"/>
+            <a:ext cx="5798847" cy="4349137"/>
+          </a:xfrm>
+          <a:prstGeom prst="rect">
+            <a:avLst/>
+          </a:prstGeom>
+        </p:spPr>
+      </p:pic>
+      <p:sp>
+        <p:nvSpPr>
+          <p:cNvPr id="25" name="Rectangle 24">
+            <a:extLst>
+              <a:ext uri="{FF2B5EF4-FFF2-40B4-BE49-F238E27FC236}">
+                <a16:creationId xmlns:a16="http://schemas.microsoft.com/office/drawing/2014/main" id="{BAE51241-AA8B-4B82-9C59-6738DB85674C}"/>
+              </a:ext>
+              <a:ext uri="{C183D7F6-B498-43B3-948B-1728B52AA6E4}">
+                <adec:decorative xmlns:adec="http://schemas.microsoft.com/office/drawing/2017/decorative" val="1"/>
+              </a:ext>
+            </a:extLst>
+          </p:cNvPr>
+          <p:cNvSpPr>
+            <a:spLocks noGrp="1" noRot="1" noChangeAspect="1" noMove="1" noResize="1" noEditPoints="1" noAdjustHandles="1" noChangeArrowheads="1" noChangeShapeType="1" noTextEdit="1"/>
+          </p:cNvSpPr>
+          <p:nvPr>
+            <p:extLst>
+              <p:ext uri="{386F3935-93C4-4BCD-93E2-E3B085C9AB24}">
+                <p16:designElem xmlns:p16="http://schemas.microsoft.com/office/powerpoint/2015/main" val="1"/>
+              </p:ext>
+            </p:extLst>
+          </p:nvPr>
+        </p:nvSpPr>
+        <p:spPr>
+          <a:xfrm>
+            <a:off x="1507" y="4906176"/>
+            <a:ext cx="12188952" cy="64008"/>
+          </a:xfrm>
+          <a:prstGeom prst="rect">
+            <a:avLst/>
+          </a:prstGeom>
+          <a:solidFill>
+            <a:schemeClr val="accent1"/>
+          </a:solidFill>
+          <a:ln>
+            <a:noFill/>
+          </a:ln>
+        </p:spPr>
+        <p:style>
+          <a:lnRef idx="2">
+            <a:schemeClr val="accent1">
+              <a:shade val="50000"/>
+            </a:schemeClr>
+          </a:lnRef>
+          <a:fillRef idx="1">
+            <a:schemeClr val="accent1"/>
+          </a:fillRef>
+          <a:effectRef idx="0">
+            <a:schemeClr val="accent1"/>
+          </a:effectRef>
+          <a:fontRef idx="minor">
+            <a:schemeClr val="lt1"/>
+          </a:fontRef>
+        </p:style>
+        <p:txBody>
+          <a:bodyPr/>
+          <a:lstStyle/>
+          <a:p>
+            <a:endParaRPr lang="en-US"/>
+          </a:p>
+        </p:txBody>
+      </p:sp>
+      <p:sp>
+        <p:nvSpPr>
           <p:cNvPr id="4" name="Slide Number Placeholder 3">
             <a:extLst>
               <a:ext uri="{FF2B5EF4-FFF2-40B4-BE49-F238E27FC236}">
-                <a16:creationId xmlns:a16="http://schemas.microsoft.com/office/drawing/2014/main" id="{5A119B37-E57A-AF59-BFBA-D083BFF6EC85}"/>
+                <a16:creationId xmlns:a16="http://schemas.microsoft.com/office/drawing/2014/main" id="{94DC00C9-E1BC-DA3D-A88C-941567960E33}"/>
               </a:ext>
             </a:extLst>
           </p:cNvPr>
@@ -9394,14 +9486,14 @@
           </a:bodyPr>
           <a:lstStyle/>
           <a:p>
-            <a:pPr defTabSz="914400">
+            <a:pPr>
               <a:spcAft>
                 <a:spcPts val="600"/>
               </a:spcAft>
             </a:pPr>
             <a:fld id="{CC86CFE5-B55F-4DC4-8B9A-FA1BB0EB58C9}" type="slidenum">
               <a:rPr lang="en-US" smtClean="0"/>
-              <a:pPr defTabSz="914400">
+              <a:pPr>
                 <a:spcAft>
                   <a:spcPts val="600"/>
                 </a:spcAft>
@@ -9415,21 +9507,13 @@
     </p:spTree>
     <p:extLst>
       <p:ext uri="{BB962C8B-B14F-4D97-AF65-F5344CB8AC3E}">
-        <p14:creationId xmlns:p14="http://schemas.microsoft.com/office/powerpoint/2010/main" val="2321056414"/>
+        <p14:creationId xmlns:p14="http://schemas.microsoft.com/office/powerpoint/2010/main" val="2509193300"/>
       </p:ext>
     </p:extLst>
   </p:cSld>
   <p:clrMapOvr>
     <a:masterClrMapping/>
   </p:clrMapOvr>
-  <mc:AlternateContent xmlns:mc="http://schemas.openxmlformats.org/markup-compatibility/2006" xmlns:p14="http://schemas.microsoft.com/office/powerpoint/2010/main">
-    <mc:Choice Requires="p14">
-      <p:transition p14:dur="10"/>
-    </mc:Choice>
-    <mc:Fallback xmlns="">
-      <p:transition/>
-    </mc:Fallback>
-  </mc:AlternateContent>
 </p:sld>
 </file>
 
@@ -9460,6 +9544,543 @@
       </p:grpSpPr>
       <p:sp>
         <p:nvSpPr>
+          <p:cNvPr id="40" name="Rectangle 39">
+            <a:extLst>
+              <a:ext uri="{FF2B5EF4-FFF2-40B4-BE49-F238E27FC236}">
+                <a16:creationId xmlns:a16="http://schemas.microsoft.com/office/drawing/2014/main" id="{25C8D2C1-DA83-420D-9635-D52CE066B5DA}"/>
+              </a:ext>
+              <a:ext uri="{C183D7F6-B498-43B3-948B-1728B52AA6E4}">
+                <adec:decorative xmlns:adec="http://schemas.microsoft.com/office/drawing/2017/decorative" val="1"/>
+              </a:ext>
+            </a:extLst>
+          </p:cNvPr>
+          <p:cNvSpPr>
+            <a:spLocks noGrp="1" noRot="1" noChangeAspect="1" noMove="1" noResize="1" noEditPoints="1" noAdjustHandles="1" noChangeArrowheads="1" noChangeShapeType="1" noTextEdit="1"/>
+          </p:cNvSpPr>
+          <p:nvPr>
+            <p:extLst>
+              <p:ext uri="{386F3935-93C4-4BCD-93E2-E3B085C9AB24}">
+                <p16:designElem xmlns:p16="http://schemas.microsoft.com/office/powerpoint/2015/main" val="1"/>
+              </p:ext>
+            </p:extLst>
+          </p:nvPr>
+        </p:nvSpPr>
+        <p:spPr>
+          <a:xfrm>
+            <a:off x="3175" y="6400800"/>
+            <a:ext cx="12188825" cy="457200"/>
+          </a:xfrm>
+          <a:prstGeom prst="rect">
+            <a:avLst/>
+          </a:prstGeom>
+          <a:solidFill>
+            <a:schemeClr val="accent2"/>
+          </a:solidFill>
+          <a:ln>
+            <a:noFill/>
+          </a:ln>
+        </p:spPr>
+        <p:style>
+          <a:lnRef idx="2">
+            <a:schemeClr val="accent1">
+              <a:shade val="50000"/>
+            </a:schemeClr>
+          </a:lnRef>
+          <a:fillRef idx="1">
+            <a:schemeClr val="accent1"/>
+          </a:fillRef>
+          <a:effectRef idx="0">
+            <a:schemeClr val="accent1"/>
+          </a:effectRef>
+          <a:fontRef idx="minor">
+            <a:schemeClr val="lt1"/>
+          </a:fontRef>
+        </p:style>
+        <p:txBody>
+          <a:bodyPr/>
+          <a:lstStyle/>
+          <a:p>
+            <a:endParaRPr lang="en-US"/>
+          </a:p>
+        </p:txBody>
+      </p:sp>
+      <p:sp>
+        <p:nvSpPr>
+          <p:cNvPr id="42" name="Rectangle 41">
+            <a:extLst>
+              <a:ext uri="{FF2B5EF4-FFF2-40B4-BE49-F238E27FC236}">
+                <a16:creationId xmlns:a16="http://schemas.microsoft.com/office/drawing/2014/main" id="{434F74C9-6A0B-409E-AD1C-45B58BE91BB8}"/>
+              </a:ext>
+              <a:ext uri="{C183D7F6-B498-43B3-948B-1728B52AA6E4}">
+                <adec:decorative xmlns:adec="http://schemas.microsoft.com/office/drawing/2017/decorative" val="1"/>
+              </a:ext>
+            </a:extLst>
+          </p:cNvPr>
+          <p:cNvSpPr>
+            <a:spLocks noGrp="1" noRot="1" noChangeAspect="1" noMove="1" noResize="1" noEditPoints="1" noAdjustHandles="1" noChangeArrowheads="1" noChangeShapeType="1" noTextEdit="1"/>
+          </p:cNvSpPr>
+          <p:nvPr>
+            <p:extLst>
+              <p:ext uri="{386F3935-93C4-4BCD-93E2-E3B085C9AB24}">
+                <p16:designElem xmlns:p16="http://schemas.microsoft.com/office/powerpoint/2015/main" val="1"/>
+              </p:ext>
+            </p:extLst>
+          </p:nvPr>
+        </p:nvSpPr>
+        <p:spPr>
+          <a:xfrm>
+            <a:off x="15" y="6334316"/>
+            <a:ext cx="12188825" cy="64008"/>
+          </a:xfrm>
+          <a:prstGeom prst="rect">
+            <a:avLst/>
+          </a:prstGeom>
+          <a:solidFill>
+            <a:schemeClr val="accent1"/>
+          </a:solidFill>
+          <a:ln>
+            <a:noFill/>
+          </a:ln>
+        </p:spPr>
+        <p:style>
+          <a:lnRef idx="2">
+            <a:schemeClr val="accent1">
+              <a:shade val="50000"/>
+            </a:schemeClr>
+          </a:lnRef>
+          <a:fillRef idx="1">
+            <a:schemeClr val="accent1"/>
+          </a:fillRef>
+          <a:effectRef idx="0">
+            <a:schemeClr val="accent1"/>
+          </a:effectRef>
+          <a:fontRef idx="minor">
+            <a:schemeClr val="lt1"/>
+          </a:fontRef>
+        </p:style>
+        <p:txBody>
+          <a:bodyPr/>
+          <a:lstStyle/>
+          <a:p>
+            <a:endParaRPr lang="en-US"/>
+          </a:p>
+        </p:txBody>
+      </p:sp>
+      <p:cxnSp>
+        <p:nvCxnSpPr>
+          <p:cNvPr id="44" name="Straight Connector 43">
+            <a:extLst>
+              <a:ext uri="{FF2B5EF4-FFF2-40B4-BE49-F238E27FC236}">
+                <a16:creationId xmlns:a16="http://schemas.microsoft.com/office/drawing/2014/main" id="{F5486A9D-1265-4B57-91E6-68E666B978BC}"/>
+              </a:ext>
+              <a:ext uri="{C183D7F6-B498-43B3-948B-1728B52AA6E4}">
+                <adec:decorative xmlns:adec="http://schemas.microsoft.com/office/drawing/2017/decorative" val="1"/>
+              </a:ext>
+            </a:extLst>
+          </p:cNvPr>
+          <p:cNvCxnSpPr>
+            <a:cxnSpLocks noGrp="1" noRot="1" noChangeAspect="1" noMove="1" noResize="1" noEditPoints="1" noAdjustHandles="1" noChangeArrowheads="1" noChangeShapeType="1"/>
+          </p:cNvCxnSpPr>
+          <p:nvPr>
+            <p:extLst>
+              <p:ext uri="{386F3935-93C4-4BCD-93E2-E3B085C9AB24}">
+                <p16:designElem xmlns:p16="http://schemas.microsoft.com/office/powerpoint/2015/main" val="1"/>
+              </p:ext>
+            </p:extLst>
+          </p:nvPr>
+        </p:nvCxnSpPr>
+        <p:spPr>
+          <a:xfrm>
+            <a:off x="1207658" y="4343400"/>
+            <a:ext cx="9875520" cy="0"/>
+          </a:xfrm>
+          <a:prstGeom prst="line">
+            <a:avLst/>
+          </a:prstGeom>
+          <a:ln w="6350">
+            <a:solidFill>
+              <a:schemeClr val="tx1">
+                <a:lumMod val="50000"/>
+                <a:lumOff val="50000"/>
+              </a:schemeClr>
+            </a:solidFill>
+          </a:ln>
+        </p:spPr>
+        <p:style>
+          <a:lnRef idx="1">
+            <a:schemeClr val="accent1"/>
+          </a:lnRef>
+          <a:fillRef idx="0">
+            <a:schemeClr val="accent1"/>
+          </a:fillRef>
+          <a:effectRef idx="0">
+            <a:schemeClr val="accent1"/>
+          </a:effectRef>
+          <a:fontRef idx="minor">
+            <a:schemeClr val="tx1"/>
+          </a:fontRef>
+        </p:style>
+      </p:cxnSp>
+      <p:pic>
+        <p:nvPicPr>
+          <p:cNvPr id="36" name="Picture 35" descr="Рулоны чертежей">
+            <a:extLst>
+              <a:ext uri="{FF2B5EF4-FFF2-40B4-BE49-F238E27FC236}">
+                <a16:creationId xmlns:a16="http://schemas.microsoft.com/office/drawing/2014/main" id="{E1AABC5F-4792-0C63-1574-2C12FB94EE48}"/>
+              </a:ext>
+            </a:extLst>
+          </p:cNvPr>
+          <p:cNvPicPr>
+            <a:picLocks noChangeAspect="1"/>
+          </p:cNvPicPr>
+          <p:nvPr/>
+        </p:nvPicPr>
+        <p:blipFill rotWithShape="1">
+          <a:blip r:embed="rId2">
+            <a:duotone>
+              <a:schemeClr val="bg2">
+                <a:shade val="45000"/>
+                <a:satMod val="135000"/>
+              </a:schemeClr>
+              <a:prstClr val="white"/>
+            </a:duotone>
+            <a:alphaModFix amt="35000"/>
+          </a:blip>
+          <a:srcRect t="1299" b="14431"/>
+          <a:stretch/>
+        </p:blipFill>
+        <p:spPr>
+          <a:xfrm>
+            <a:off x="20" y="10"/>
+            <a:ext cx="12191980" cy="6857990"/>
+          </a:xfrm>
+          <a:prstGeom prst="rect">
+            <a:avLst/>
+          </a:prstGeom>
+        </p:spPr>
+      </p:pic>
+      <p:sp>
+        <p:nvSpPr>
+          <p:cNvPr id="2" name="Title 1">
+            <a:extLst>
+              <a:ext uri="{FF2B5EF4-FFF2-40B4-BE49-F238E27FC236}">
+                <a16:creationId xmlns:a16="http://schemas.microsoft.com/office/drawing/2014/main" id="{1E243CBC-0378-1276-F10A-AA89CB0E289A}"/>
+              </a:ext>
+            </a:extLst>
+          </p:cNvPr>
+          <p:cNvSpPr>
+            <a:spLocks noGrp="1"/>
+          </p:cNvSpPr>
+          <p:nvPr>
+            <p:ph type="title"/>
+          </p:nvPr>
+        </p:nvSpPr>
+        <p:spPr>
+          <a:xfrm>
+            <a:off x="1097280" y="758952"/>
+            <a:ext cx="10058400" cy="3566160"/>
+          </a:xfrm>
+        </p:spPr>
+        <p:txBody>
+          <a:bodyPr vert="horz" lIns="91440" tIns="45720" rIns="91440" bIns="45720" rtlCol="0" anchor="b">
+            <a:normAutofit/>
+          </a:bodyPr>
+          <a:lstStyle/>
+          <a:p>
+            <a:r>
+              <a:rPr lang="en-US" sz="8000" dirty="0" err="1">
+                <a:solidFill>
+                  <a:schemeClr val="tx1">
+                    <a:lumMod val="85000"/>
+                    <a:lumOff val="15000"/>
+                  </a:schemeClr>
+                </a:solidFill>
+              </a:rPr>
+              <a:t>Демонстрация</a:t>
+            </a:r>
+            <a:endParaRPr lang="en-US" sz="8000" dirty="0">
+              <a:solidFill>
+                <a:schemeClr val="tx1">
+                  <a:lumMod val="85000"/>
+                  <a:lumOff val="15000"/>
+                </a:schemeClr>
+              </a:solidFill>
+            </a:endParaRPr>
+          </a:p>
+        </p:txBody>
+      </p:sp>
+      <p:cxnSp>
+        <p:nvCxnSpPr>
+          <p:cNvPr id="46" name="Straight Connector 45">
+            <a:extLst>
+              <a:ext uri="{FF2B5EF4-FFF2-40B4-BE49-F238E27FC236}">
+                <a16:creationId xmlns:a16="http://schemas.microsoft.com/office/drawing/2014/main" id="{77AB95BF-57D0-4E49-9EF2-408B47C8D40D}"/>
+              </a:ext>
+              <a:ext uri="{C183D7F6-B498-43B3-948B-1728B52AA6E4}">
+                <adec:decorative xmlns:adec="http://schemas.microsoft.com/office/drawing/2017/decorative" val="1"/>
+              </a:ext>
+            </a:extLst>
+          </p:cNvPr>
+          <p:cNvCxnSpPr>
+            <a:cxnSpLocks noGrp="1" noRot="1" noChangeAspect="1" noMove="1" noResize="1" noEditPoints="1" noAdjustHandles="1" noChangeArrowheads="1" noChangeShapeType="1"/>
+          </p:cNvCxnSpPr>
+          <p:nvPr>
+            <p:extLst>
+              <p:ext uri="{386F3935-93C4-4BCD-93E2-E3B085C9AB24}">
+                <p16:designElem xmlns:p16="http://schemas.microsoft.com/office/powerpoint/2015/main" val="1"/>
+              </p:ext>
+            </p:extLst>
+          </p:nvPr>
+        </p:nvCxnSpPr>
+        <p:spPr>
+          <a:xfrm>
+            <a:off x="1207658" y="4343400"/>
+            <a:ext cx="9875520" cy="0"/>
+          </a:xfrm>
+          <a:prstGeom prst="line">
+            <a:avLst/>
+          </a:prstGeom>
+          <a:ln w="6350">
+            <a:solidFill>
+              <a:schemeClr val="tx2">
+                <a:alpha val="90000"/>
+              </a:schemeClr>
+            </a:solidFill>
+          </a:ln>
+        </p:spPr>
+        <p:style>
+          <a:lnRef idx="1">
+            <a:schemeClr val="accent1"/>
+          </a:lnRef>
+          <a:fillRef idx="0">
+            <a:schemeClr val="accent1"/>
+          </a:fillRef>
+          <a:effectRef idx="0">
+            <a:schemeClr val="accent1"/>
+          </a:effectRef>
+          <a:fontRef idx="minor">
+            <a:schemeClr val="tx1"/>
+          </a:fontRef>
+        </p:style>
+      </p:cxnSp>
+      <p:sp>
+        <p:nvSpPr>
+          <p:cNvPr id="48" name="Rectangle 47">
+            <a:extLst>
+              <a:ext uri="{FF2B5EF4-FFF2-40B4-BE49-F238E27FC236}">
+                <a16:creationId xmlns:a16="http://schemas.microsoft.com/office/drawing/2014/main" id="{1C520CBD-F82E-44E4-BDA5-128716AD79C8}"/>
+              </a:ext>
+              <a:ext uri="{C183D7F6-B498-43B3-948B-1728B52AA6E4}">
+                <adec:decorative xmlns:adec="http://schemas.microsoft.com/office/drawing/2017/decorative" val="1"/>
+              </a:ext>
+            </a:extLst>
+          </p:cNvPr>
+          <p:cNvSpPr>
+            <a:spLocks noGrp="1" noRot="1" noChangeAspect="1" noMove="1" noResize="1" noEditPoints="1" noAdjustHandles="1" noChangeArrowheads="1" noChangeShapeType="1" noTextEdit="1"/>
+          </p:cNvSpPr>
+          <p:nvPr>
+            <p:extLst>
+              <p:ext uri="{386F3935-93C4-4BCD-93E2-E3B085C9AB24}">
+                <p16:designElem xmlns:p16="http://schemas.microsoft.com/office/powerpoint/2015/main" val="1"/>
+              </p:ext>
+            </p:extLst>
+          </p:nvPr>
+        </p:nvSpPr>
+        <p:spPr>
+          <a:xfrm>
+            <a:off x="15" y="6334316"/>
+            <a:ext cx="12191985" cy="66484"/>
+          </a:xfrm>
+          <a:prstGeom prst="rect">
+            <a:avLst/>
+          </a:prstGeom>
+          <a:solidFill>
+            <a:schemeClr val="accent1"/>
+          </a:solidFill>
+          <a:ln>
+            <a:noFill/>
+          </a:ln>
+        </p:spPr>
+        <p:style>
+          <a:lnRef idx="2">
+            <a:schemeClr val="accent1">
+              <a:shade val="50000"/>
+            </a:schemeClr>
+          </a:lnRef>
+          <a:fillRef idx="1">
+            <a:schemeClr val="accent1"/>
+          </a:fillRef>
+          <a:effectRef idx="0">
+            <a:schemeClr val="accent1"/>
+          </a:effectRef>
+          <a:fontRef idx="minor">
+            <a:schemeClr val="lt1"/>
+          </a:fontRef>
+        </p:style>
+        <p:txBody>
+          <a:bodyPr/>
+          <a:lstStyle/>
+          <a:p>
+            <a:endParaRPr lang="en-US"/>
+          </a:p>
+        </p:txBody>
+      </p:sp>
+      <p:sp>
+        <p:nvSpPr>
+          <p:cNvPr id="50" name="Rectangle 49">
+            <a:extLst>
+              <a:ext uri="{FF2B5EF4-FFF2-40B4-BE49-F238E27FC236}">
+                <a16:creationId xmlns:a16="http://schemas.microsoft.com/office/drawing/2014/main" id="{4618AE32-A526-42FC-A854-732740BD38DA}"/>
+              </a:ext>
+              <a:ext uri="{C183D7F6-B498-43B3-948B-1728B52AA6E4}">
+                <adec:decorative xmlns:adec="http://schemas.microsoft.com/office/drawing/2017/decorative" val="1"/>
+              </a:ext>
+            </a:extLst>
+          </p:cNvPr>
+          <p:cNvSpPr>
+            <a:spLocks noGrp="1" noRot="1" noChangeAspect="1" noMove="1" noResize="1" noEditPoints="1" noAdjustHandles="1" noChangeArrowheads="1" noChangeShapeType="1" noTextEdit="1"/>
+          </p:cNvSpPr>
+          <p:nvPr>
+            <p:extLst>
+              <p:ext uri="{386F3935-93C4-4BCD-93E2-E3B085C9AB24}">
+                <p16:designElem xmlns:p16="http://schemas.microsoft.com/office/powerpoint/2015/main" val="1"/>
+              </p:ext>
+            </p:extLst>
+          </p:nvPr>
+        </p:nvSpPr>
+        <p:spPr>
+          <a:xfrm>
+            <a:off x="1" y="6400800"/>
+            <a:ext cx="12192000" cy="457200"/>
+          </a:xfrm>
+          <a:prstGeom prst="rect">
+            <a:avLst/>
+          </a:prstGeom>
+          <a:solidFill>
+            <a:schemeClr val="accent2"/>
+          </a:solidFill>
+          <a:ln>
+            <a:noFill/>
+          </a:ln>
+        </p:spPr>
+        <p:style>
+          <a:lnRef idx="2">
+            <a:schemeClr val="accent1">
+              <a:shade val="50000"/>
+            </a:schemeClr>
+          </a:lnRef>
+          <a:fillRef idx="1">
+            <a:schemeClr val="accent1"/>
+          </a:fillRef>
+          <a:effectRef idx="0">
+            <a:schemeClr val="accent1"/>
+          </a:effectRef>
+          <a:fontRef idx="minor">
+            <a:schemeClr val="lt1"/>
+          </a:fontRef>
+        </p:style>
+        <p:txBody>
+          <a:bodyPr/>
+          <a:lstStyle/>
+          <a:p>
+            <a:endParaRPr lang="en-US"/>
+          </a:p>
+        </p:txBody>
+      </p:sp>
+      <p:sp>
+        <p:nvSpPr>
+          <p:cNvPr id="4" name="Slide Number Placeholder 3">
+            <a:extLst>
+              <a:ext uri="{FF2B5EF4-FFF2-40B4-BE49-F238E27FC236}">
+                <a16:creationId xmlns:a16="http://schemas.microsoft.com/office/drawing/2014/main" id="{5A119B37-E57A-AF59-BFBA-D083BFF6EC85}"/>
+              </a:ext>
+            </a:extLst>
+          </p:cNvPr>
+          <p:cNvSpPr>
+            <a:spLocks noGrp="1"/>
+          </p:cNvSpPr>
+          <p:nvPr>
+            <p:ph type="sldNum" sz="quarter" idx="12"/>
+          </p:nvPr>
+        </p:nvSpPr>
+        <p:spPr>
+          <a:xfrm>
+            <a:off x="9900458" y="6459785"/>
+            <a:ext cx="1312025" cy="365125"/>
+          </a:xfrm>
+        </p:spPr>
+        <p:txBody>
+          <a:bodyPr vert="horz" lIns="91440" tIns="45720" rIns="91440" bIns="45720" rtlCol="0" anchor="ctr">
+            <a:normAutofit/>
+          </a:bodyPr>
+          <a:lstStyle/>
+          <a:p>
+            <a:pPr defTabSz="914400">
+              <a:spcAft>
+                <a:spcPts val="600"/>
+              </a:spcAft>
+            </a:pPr>
+            <a:fld id="{CC86CFE5-B55F-4DC4-8B9A-FA1BB0EB58C9}" type="slidenum">
+              <a:rPr lang="en-US" smtClean="0"/>
+              <a:pPr defTabSz="914400">
+                <a:spcAft>
+                  <a:spcPts val="600"/>
+                </a:spcAft>
+              </a:pPr>
+              <a:t>7</a:t>
+            </a:fld>
+            <a:endParaRPr lang="en-US"/>
+          </a:p>
+        </p:txBody>
+      </p:sp>
+    </p:spTree>
+    <p:extLst>
+      <p:ext uri="{BB962C8B-B14F-4D97-AF65-F5344CB8AC3E}">
+        <p14:creationId xmlns:p14="http://schemas.microsoft.com/office/powerpoint/2010/main" val="2321056414"/>
+      </p:ext>
+    </p:extLst>
+  </p:cSld>
+  <p:clrMapOvr>
+    <a:masterClrMapping/>
+  </p:clrMapOvr>
+  <mc:AlternateContent xmlns:mc="http://schemas.openxmlformats.org/markup-compatibility/2006" xmlns:p14="http://schemas.microsoft.com/office/powerpoint/2010/main">
+    <mc:Choice Requires="p14">
+      <p:transition p14:dur="10"/>
+    </mc:Choice>
+    <mc:Fallback xmlns="">
+      <p:transition/>
+    </mc:Fallback>
+  </mc:AlternateContent>
+</p:sld>
+</file>
+
+<file path=ppt/slides/slide8.xml><?xml version="1.0" encoding="utf-8"?>
+<p:sld xmlns:a="http://schemas.openxmlformats.org/drawingml/2006/main" xmlns:r="http://schemas.openxmlformats.org/officeDocument/2006/relationships" xmlns:p="http://schemas.openxmlformats.org/presentationml/2006/main">
+  <p:cSld>
+    <p:bg>
+      <p:bgPr>
+        <a:solidFill>
+          <a:schemeClr val="bg1"/>
+        </a:solidFill>
+        <a:effectLst/>
+      </p:bgPr>
+    </p:bg>
+    <p:spTree>
+      <p:nvGrpSpPr>
+        <p:cNvPr id="1" name=""/>
+        <p:cNvGrpSpPr/>
+        <p:nvPr/>
+      </p:nvGrpSpPr>
+      <p:grpSpPr>
+        <a:xfrm>
+          <a:off x="0" y="0"/>
+          <a:ext cx="0" cy="0"/>
+          <a:chOff x="0" y="0"/>
+          <a:chExt cx="0" cy="0"/>
+        </a:xfrm>
+      </p:grpSpPr>
+      <p:sp>
+        <p:nvSpPr>
           <p:cNvPr id="9" name="Rectangle 8">
             <a:extLst>
               <a:ext uri="{FF2B5EF4-FFF2-40B4-BE49-F238E27FC236}">
@@ -9956,7 +10577,7 @@
                   <a:spcPts val="600"/>
                 </a:spcAft>
               </a:pPr>
-              <a:t>7</a:t>
+              <a:t>8</a:t>
             </a:fld>
             <a:endParaRPr lang="en-US"/>
           </a:p>
@@ -9975,7 +10596,7 @@
 </p:sld>
 </file>
 
-<file path=ppt/slides/slide8.xml><?xml version="1.0" encoding="utf-8"?>
+<file path=ppt/slides/slide9.xml><?xml version="1.0" encoding="utf-8"?>
 <p:sld xmlns:a="http://schemas.openxmlformats.org/drawingml/2006/main" xmlns:r="http://schemas.openxmlformats.org/officeDocument/2006/relationships" xmlns:p="http://schemas.openxmlformats.org/presentationml/2006/main">
   <p:cSld>
     <p:bg>
@@ -10480,7 +11101,7 @@
           <a:p>
             <a:fld id="{CC86CFE5-B55F-4DC4-8B9A-FA1BB0EB58C9}" type="slidenum">
               <a:rPr lang="en-US" smtClean="0"/>
-              <a:t>8</a:t>
+              <a:t>9</a:t>
             </a:fld>
             <a:endParaRPr lang="en-US"/>
           </a:p>
